--- a/ppt/Design Patterns.pptx
+++ b/ppt/Design Patterns.pptx
@@ -5,7 +5,7 @@
     <p:sldMasterId id="2147483648" r:id="rId1"/>
   </p:sldMasterIdLst>
   <p:notesMasterIdLst>
-    <p:notesMasterId r:id="rId77"/>
+    <p:notesMasterId r:id="rId88"/>
   </p:notesMasterIdLst>
   <p:sldIdLst>
     <p:sldId id="256" r:id="rId2"/>
@@ -81,8 +81,19 @@
     <p:sldId id="331" r:id="rId72"/>
     <p:sldId id="329" r:id="rId73"/>
     <p:sldId id="330" r:id="rId74"/>
-    <p:sldId id="262" r:id="rId75"/>
-    <p:sldId id="263" r:id="rId76"/>
+    <p:sldId id="332" r:id="rId75"/>
+    <p:sldId id="334" r:id="rId76"/>
+    <p:sldId id="333" r:id="rId77"/>
+    <p:sldId id="335" r:id="rId78"/>
+    <p:sldId id="337" r:id="rId79"/>
+    <p:sldId id="338" r:id="rId80"/>
+    <p:sldId id="339" r:id="rId81"/>
+    <p:sldId id="336" r:id="rId82"/>
+    <p:sldId id="340" r:id="rId83"/>
+    <p:sldId id="342" r:id="rId84"/>
+    <p:sldId id="343" r:id="rId85"/>
+    <p:sldId id="341" r:id="rId86"/>
+    <p:sldId id="263" r:id="rId87"/>
   </p:sldIdLst>
   <p:sldSz cx="12192000" cy="6858000"/>
   <p:notesSz cx="6858000" cy="9144000"/>
@@ -14934,6 +14945,40 @@
 <file path=ppt/slides/slide74.xml><?xml version="1.0" encoding="utf-8"?>
 <p:sld xmlns:a="http://schemas.openxmlformats.org/drawingml/2006/main" xmlns:r="http://schemas.openxmlformats.org/officeDocument/2006/relationships" xmlns:p="http://schemas.openxmlformats.org/presentationml/2006/main">
   <p:cSld>
+    <p:bg>
+      <p:bgPr>
+        <a:gradFill>
+          <a:gsLst>
+            <a:gs pos="0">
+              <a:schemeClr val="accent4">
+                <a:lumMod val="20000"/>
+                <a:lumOff val="80000"/>
+              </a:schemeClr>
+            </a:gs>
+            <a:gs pos="74000">
+              <a:schemeClr val="accent1">
+                <a:lumMod val="45000"/>
+                <a:lumOff val="55000"/>
+              </a:schemeClr>
+            </a:gs>
+            <a:gs pos="83000">
+              <a:schemeClr val="accent1">
+                <a:lumMod val="45000"/>
+                <a:lumOff val="55000"/>
+              </a:schemeClr>
+            </a:gs>
+            <a:gs pos="100000">
+              <a:schemeClr val="accent1">
+                <a:lumMod val="30000"/>
+                <a:lumOff val="70000"/>
+              </a:schemeClr>
+            </a:gs>
+          </a:gsLst>
+          <a:lin ang="5400000" scaled="1"/>
+        </a:gradFill>
+        <a:effectLst/>
+      </p:bgPr>
+    </p:bg>
     <p:spTree>
       <p:nvGrpSpPr>
         <p:cNvPr id="1" name=""/>
@@ -14969,7 +15014,7 @@
                   <a:srgbClr val="FF0000"/>
                 </a:solidFill>
               </a:rPr>
-              <a:t>Strategy</a:t>
+              <a:t>Observer</a:t>
             </a:r>
           </a:p>
         </p:txBody>
@@ -14986,12 +15031,14 @@
         </p:nvSpPr>
         <p:spPr/>
         <p:txBody>
-          <a:bodyPr/>
-          <a:lstStyle/>
-          <a:p>
-            <a:r>
-              <a:rPr lang="en-GB" dirty="0"/>
-              <a:t>Strategy define a family of algorithms, encapsulate each one, and make them interchangeable. Strategy lets the algorithm vary independently from clients that use it.</a:t>
+          <a:bodyPr>
+            <a:normAutofit/>
+          </a:bodyPr>
+          <a:lstStyle/>
+          <a:p>
+            <a:r>
+              <a:rPr lang="en-GB" dirty="0"/>
+              <a:t>The observer pattern is a software design pattern in which an object, called the subject, maintains a list of its dependents, called observers, and notifies them automatically of any state changes, usually by calling one of their methods.</a:t>
             </a:r>
           </a:p>
         </p:txBody>
@@ -15019,9 +15066,971 @@
           </a:p>
         </p:txBody>
       </p:sp>
+    </p:spTree>
+    <p:extLst>
+      <p:ext uri="{BB962C8B-B14F-4D97-AF65-F5344CB8AC3E}">
+        <p14:creationId xmlns:p14="http://schemas.microsoft.com/office/powerpoint/2010/main" val="241460198"/>
+      </p:ext>
+    </p:extLst>
+  </p:cSld>
+  <p:clrMapOvr>
+    <a:masterClrMapping/>
+  </p:clrMapOvr>
+</p:sld>
+</file>
+
+<file path=ppt/slides/slide75.xml><?xml version="1.0" encoding="utf-8"?>
+<p:sld xmlns:a="http://schemas.openxmlformats.org/drawingml/2006/main" xmlns:r="http://schemas.openxmlformats.org/officeDocument/2006/relationships" xmlns:p="http://schemas.openxmlformats.org/presentationml/2006/main">
+  <p:cSld>
+    <p:bg>
+      <p:bgPr>
+        <a:gradFill>
+          <a:gsLst>
+            <a:gs pos="0">
+              <a:schemeClr val="accent4">
+                <a:lumMod val="20000"/>
+                <a:lumOff val="80000"/>
+              </a:schemeClr>
+            </a:gs>
+            <a:gs pos="74000">
+              <a:schemeClr val="accent1">
+                <a:lumMod val="45000"/>
+                <a:lumOff val="55000"/>
+              </a:schemeClr>
+            </a:gs>
+            <a:gs pos="83000">
+              <a:schemeClr val="accent1">
+                <a:lumMod val="45000"/>
+                <a:lumOff val="55000"/>
+              </a:schemeClr>
+            </a:gs>
+            <a:gs pos="100000">
+              <a:schemeClr val="accent1">
+                <a:lumMod val="30000"/>
+                <a:lumOff val="70000"/>
+              </a:schemeClr>
+            </a:gs>
+          </a:gsLst>
+          <a:lin ang="5400000" scaled="1"/>
+        </a:gradFill>
+        <a:effectLst/>
+      </p:bgPr>
+    </p:bg>
+    <p:spTree>
+      <p:nvGrpSpPr>
+        <p:cNvPr id="1" name=""/>
+        <p:cNvGrpSpPr/>
+        <p:nvPr/>
+      </p:nvGrpSpPr>
+      <p:grpSpPr>
+        <a:xfrm>
+          <a:off x="0" y="0"/>
+          <a:ext cx="0" cy="0"/>
+          <a:chOff x="0" y="0"/>
+          <a:chExt cx="0" cy="0"/>
+        </a:xfrm>
+      </p:grpSpPr>
+      <p:sp>
+        <p:nvSpPr>
+          <p:cNvPr id="2" name="Title 1"/>
+          <p:cNvSpPr>
+            <a:spLocks noGrp="1"/>
+          </p:cNvSpPr>
+          <p:nvPr>
+            <p:ph type="title"/>
+          </p:nvPr>
+        </p:nvSpPr>
+        <p:spPr/>
+        <p:txBody>
+          <a:bodyPr/>
+          <a:lstStyle/>
+          <a:p>
+            <a:r>
+              <a:rPr lang="en-GB" b="1" dirty="0">
+                <a:solidFill>
+                  <a:srgbClr val="FF0000"/>
+                </a:solidFill>
+              </a:rPr>
+              <a:t>Observer</a:t>
+            </a:r>
+          </a:p>
+        </p:txBody>
+      </p:sp>
+      <p:sp>
+        <p:nvSpPr>
+          <p:cNvPr id="3" name="Content Placeholder 2"/>
+          <p:cNvSpPr>
+            <a:spLocks noGrp="1"/>
+          </p:cNvSpPr>
+          <p:nvPr>
+            <p:ph idx="1"/>
+          </p:nvPr>
+        </p:nvSpPr>
+        <p:spPr/>
+        <p:txBody>
+          <a:bodyPr>
+            <a:normAutofit/>
+          </a:bodyPr>
+          <a:lstStyle/>
+          <a:p>
+            <a:endParaRPr lang="en-GB" dirty="0"/>
+          </a:p>
+        </p:txBody>
+      </p:sp>
+      <p:sp>
+        <p:nvSpPr>
+          <p:cNvPr id="5" name="Slide Number Placeholder 4"/>
+          <p:cNvSpPr>
+            <a:spLocks noGrp="1"/>
+          </p:cNvSpPr>
+          <p:nvPr>
+            <p:ph type="sldNum" sz="quarter" idx="12"/>
+          </p:nvPr>
+        </p:nvSpPr>
+        <p:spPr/>
+        <p:txBody>
+          <a:bodyPr/>
+          <a:lstStyle/>
+          <a:p>
+            <a:fld id="{AD0626D4-4E0B-403F-918B-E82125F5E912}" type="slidenum">
+              <a:rPr lang="en-GB" smtClean="0"/>
+              <a:t>75</a:t>
+            </a:fld>
+            <a:endParaRPr lang="en-GB" dirty="0"/>
+          </a:p>
+        </p:txBody>
+      </p:sp>
       <p:pic>
         <p:nvPicPr>
-          <p:cNvPr id="7" name="Picture 6"/>
+          <p:cNvPr id="1026" name="Picture 2" descr="https://upload.wikimedia.org/wikipedia/commons/0/01/W3sDesign_Observer_Design_Pattern_UML.jpg">
+            <a:extLst>
+              <a:ext uri="{FF2B5EF4-FFF2-40B4-BE49-F238E27FC236}">
+                <a16:creationId xmlns:a16="http://schemas.microsoft.com/office/drawing/2014/main" id="{1C61D647-226A-42D5-A500-A6F26B684FF5}"/>
+              </a:ext>
+            </a:extLst>
+          </p:cNvPr>
+          <p:cNvPicPr>
+            <a:picLocks noChangeAspect="1" noChangeArrowheads="1"/>
+          </p:cNvPicPr>
+          <p:nvPr/>
+        </p:nvPicPr>
+        <p:blipFill>
+          <a:blip r:embed="rId2">
+            <a:extLst>
+              <a:ext uri="{28A0092B-C50C-407E-A947-70E740481C1C}">
+                <a14:useLocalDpi xmlns:a14="http://schemas.microsoft.com/office/drawing/2010/main" val="0"/>
+              </a:ext>
+            </a:extLst>
+          </a:blip>
+          <a:srcRect/>
+          <a:stretch>
+            <a:fillRect/>
+          </a:stretch>
+        </p:blipFill>
+        <p:spPr bwMode="auto">
+          <a:xfrm>
+            <a:off x="838199" y="1825625"/>
+            <a:ext cx="10878345" cy="4351338"/>
+          </a:xfrm>
+          <a:prstGeom prst="rect">
+            <a:avLst/>
+          </a:prstGeom>
+          <a:noFill/>
+          <a:extLst>
+            <a:ext uri="{909E8E84-426E-40DD-AFC4-6F175D3DCCD1}">
+              <a14:hiddenFill xmlns:a14="http://schemas.microsoft.com/office/drawing/2010/main">
+                <a:solidFill>
+                  <a:srgbClr val="FFFFFF"/>
+                </a:solidFill>
+              </a14:hiddenFill>
+            </a:ext>
+          </a:extLst>
+        </p:spPr>
+      </p:pic>
+    </p:spTree>
+    <p:extLst>
+      <p:ext uri="{BB962C8B-B14F-4D97-AF65-F5344CB8AC3E}">
+        <p14:creationId xmlns:p14="http://schemas.microsoft.com/office/powerpoint/2010/main" val="15016701"/>
+      </p:ext>
+    </p:extLst>
+  </p:cSld>
+  <p:clrMapOvr>
+    <a:masterClrMapping/>
+  </p:clrMapOvr>
+</p:sld>
+</file>
+
+<file path=ppt/slides/slide76.xml><?xml version="1.0" encoding="utf-8"?>
+<p:sld xmlns:a="http://schemas.openxmlformats.org/drawingml/2006/main" xmlns:r="http://schemas.openxmlformats.org/officeDocument/2006/relationships" xmlns:p="http://schemas.openxmlformats.org/presentationml/2006/main">
+  <p:cSld>
+    <p:bg>
+      <p:bgPr>
+        <a:gradFill>
+          <a:gsLst>
+            <a:gs pos="0">
+              <a:schemeClr val="accent4">
+                <a:lumMod val="20000"/>
+                <a:lumOff val="80000"/>
+              </a:schemeClr>
+            </a:gs>
+            <a:gs pos="74000">
+              <a:schemeClr val="accent1">
+                <a:lumMod val="45000"/>
+                <a:lumOff val="55000"/>
+              </a:schemeClr>
+            </a:gs>
+            <a:gs pos="83000">
+              <a:schemeClr val="accent1">
+                <a:lumMod val="45000"/>
+                <a:lumOff val="55000"/>
+              </a:schemeClr>
+            </a:gs>
+            <a:gs pos="100000">
+              <a:schemeClr val="accent1">
+                <a:lumMod val="30000"/>
+                <a:lumOff val="70000"/>
+              </a:schemeClr>
+            </a:gs>
+          </a:gsLst>
+          <a:lin ang="5400000" scaled="1"/>
+        </a:gradFill>
+        <a:effectLst/>
+      </p:bgPr>
+    </p:bg>
+    <p:spTree>
+      <p:nvGrpSpPr>
+        <p:cNvPr id="1" name=""/>
+        <p:cNvGrpSpPr/>
+        <p:nvPr/>
+      </p:nvGrpSpPr>
+      <p:grpSpPr>
+        <a:xfrm>
+          <a:off x="0" y="0"/>
+          <a:ext cx="0" cy="0"/>
+          <a:chOff x="0" y="0"/>
+          <a:chExt cx="0" cy="0"/>
+        </a:xfrm>
+      </p:grpSpPr>
+      <p:sp>
+        <p:nvSpPr>
+          <p:cNvPr id="2" name="Title 1"/>
+          <p:cNvSpPr>
+            <a:spLocks noGrp="1"/>
+          </p:cNvSpPr>
+          <p:nvPr>
+            <p:ph type="title"/>
+          </p:nvPr>
+        </p:nvSpPr>
+        <p:spPr/>
+        <p:txBody>
+          <a:bodyPr/>
+          <a:lstStyle/>
+          <a:p>
+            <a:r>
+              <a:rPr lang="en-GB" b="1" dirty="0">
+                <a:solidFill>
+                  <a:srgbClr val="FF0000"/>
+                </a:solidFill>
+              </a:rPr>
+              <a:t>Observer</a:t>
+            </a:r>
+          </a:p>
+        </p:txBody>
+      </p:sp>
+      <p:sp>
+        <p:nvSpPr>
+          <p:cNvPr id="3" name="Content Placeholder 2"/>
+          <p:cNvSpPr>
+            <a:spLocks noGrp="1"/>
+          </p:cNvSpPr>
+          <p:nvPr>
+            <p:ph idx="1"/>
+          </p:nvPr>
+        </p:nvSpPr>
+        <p:spPr/>
+        <p:txBody>
+          <a:bodyPr>
+            <a:normAutofit fontScale="92500" lnSpcReduction="10000"/>
+          </a:bodyPr>
+          <a:lstStyle/>
+          <a:p>
+            <a:r>
+              <a:rPr lang="en-GB" dirty="0"/>
+              <a:t>The Observer pattern addresses the following problems:</a:t>
+            </a:r>
+          </a:p>
+          <a:p>
+            <a:pPr lvl="1"/>
+            <a:r>
+              <a:rPr lang="en-GB" dirty="0"/>
+              <a:t>A one-to-many dependency between objects should be defined without making the objects tightly coupled.</a:t>
+            </a:r>
+          </a:p>
+          <a:p>
+            <a:pPr lvl="1"/>
+            <a:r>
+              <a:rPr lang="en-GB" dirty="0"/>
+              <a:t>It should be ensured that when one object changes state an open-ended number of dependent objects are updated automatically.</a:t>
+            </a:r>
+          </a:p>
+          <a:p>
+            <a:pPr lvl="1"/>
+            <a:r>
+              <a:rPr lang="en-GB" dirty="0"/>
+              <a:t>It should be possible that one object can notify an open-ended number of other objects.</a:t>
+            </a:r>
+          </a:p>
+          <a:p>
+            <a:endParaRPr lang="en-GB" dirty="0"/>
+          </a:p>
+          <a:p>
+            <a:r>
+              <a:rPr lang="en-GB" dirty="0"/>
+              <a:t>What solution does the Observer design pattern describe?</a:t>
+            </a:r>
+          </a:p>
+          <a:p>
+            <a:pPr lvl="1"/>
+            <a:r>
+              <a:rPr lang="en-GB" dirty="0"/>
+              <a:t>Define Subject and Observer objects</a:t>
+            </a:r>
+          </a:p>
+          <a:p>
+            <a:pPr lvl="1"/>
+            <a:r>
+              <a:rPr lang="en-GB" dirty="0"/>
+              <a:t>so that when a subject changes state, all registered observers are notified and updated automatically.</a:t>
+            </a:r>
+            <a:endParaRPr lang="en-US" altLang="zh-CN" dirty="0"/>
+          </a:p>
+        </p:txBody>
+      </p:sp>
+      <p:sp>
+        <p:nvSpPr>
+          <p:cNvPr id="5" name="Slide Number Placeholder 4"/>
+          <p:cNvSpPr>
+            <a:spLocks noGrp="1"/>
+          </p:cNvSpPr>
+          <p:nvPr>
+            <p:ph type="sldNum" sz="quarter" idx="12"/>
+          </p:nvPr>
+        </p:nvSpPr>
+        <p:spPr/>
+        <p:txBody>
+          <a:bodyPr/>
+          <a:lstStyle/>
+          <a:p>
+            <a:fld id="{AD0626D4-4E0B-403F-918B-E82125F5E912}" type="slidenum">
+              <a:rPr lang="en-GB" smtClean="0"/>
+              <a:t>76</a:t>
+            </a:fld>
+            <a:endParaRPr lang="en-GB" dirty="0"/>
+          </a:p>
+        </p:txBody>
+      </p:sp>
+    </p:spTree>
+    <p:extLst>
+      <p:ext uri="{BB962C8B-B14F-4D97-AF65-F5344CB8AC3E}">
+        <p14:creationId xmlns:p14="http://schemas.microsoft.com/office/powerpoint/2010/main" val="3889584516"/>
+      </p:ext>
+    </p:extLst>
+  </p:cSld>
+  <p:clrMapOvr>
+    <a:masterClrMapping/>
+  </p:clrMapOvr>
+</p:sld>
+</file>
+
+<file path=ppt/slides/slide77.xml><?xml version="1.0" encoding="utf-8"?>
+<p:sld xmlns:a="http://schemas.openxmlformats.org/drawingml/2006/main" xmlns:r="http://schemas.openxmlformats.org/officeDocument/2006/relationships" xmlns:p="http://schemas.openxmlformats.org/presentationml/2006/main">
+  <p:cSld>
+    <p:bg>
+      <p:bgPr>
+        <a:gradFill>
+          <a:gsLst>
+            <a:gs pos="0">
+              <a:schemeClr val="accent4">
+                <a:lumMod val="20000"/>
+                <a:lumOff val="80000"/>
+              </a:schemeClr>
+            </a:gs>
+            <a:gs pos="74000">
+              <a:schemeClr val="accent1">
+                <a:lumMod val="45000"/>
+                <a:lumOff val="55000"/>
+              </a:schemeClr>
+            </a:gs>
+            <a:gs pos="83000">
+              <a:schemeClr val="accent1">
+                <a:lumMod val="45000"/>
+                <a:lumOff val="55000"/>
+              </a:schemeClr>
+            </a:gs>
+            <a:gs pos="100000">
+              <a:schemeClr val="accent1">
+                <a:lumMod val="30000"/>
+                <a:lumOff val="70000"/>
+              </a:schemeClr>
+            </a:gs>
+          </a:gsLst>
+          <a:lin ang="5400000" scaled="1"/>
+        </a:gradFill>
+        <a:effectLst/>
+      </p:bgPr>
+    </p:bg>
+    <p:spTree>
+      <p:nvGrpSpPr>
+        <p:cNvPr id="1" name=""/>
+        <p:cNvGrpSpPr/>
+        <p:nvPr/>
+      </p:nvGrpSpPr>
+      <p:grpSpPr>
+        <a:xfrm>
+          <a:off x="0" y="0"/>
+          <a:ext cx="0" cy="0"/>
+          <a:chOff x="0" y="0"/>
+          <a:chExt cx="0" cy="0"/>
+        </a:xfrm>
+      </p:grpSpPr>
+      <p:sp>
+        <p:nvSpPr>
+          <p:cNvPr id="2" name="Title 1"/>
+          <p:cNvSpPr>
+            <a:spLocks noGrp="1"/>
+          </p:cNvSpPr>
+          <p:nvPr>
+            <p:ph type="title"/>
+          </p:nvPr>
+        </p:nvSpPr>
+        <p:spPr/>
+        <p:txBody>
+          <a:bodyPr/>
+          <a:lstStyle/>
+          <a:p>
+            <a:r>
+              <a:rPr lang="en-GB" b="1" dirty="0">
+                <a:solidFill>
+                  <a:srgbClr val="FF0000"/>
+                </a:solidFill>
+              </a:rPr>
+              <a:t>Observer</a:t>
+            </a:r>
+          </a:p>
+        </p:txBody>
+      </p:sp>
+      <p:sp>
+        <p:nvSpPr>
+          <p:cNvPr id="3" name="Content Placeholder 2"/>
+          <p:cNvSpPr>
+            <a:spLocks noGrp="1"/>
+          </p:cNvSpPr>
+          <p:nvPr>
+            <p:ph idx="1"/>
+          </p:nvPr>
+        </p:nvSpPr>
+        <p:spPr/>
+        <p:txBody>
+          <a:bodyPr>
+            <a:normAutofit/>
+          </a:bodyPr>
+          <a:lstStyle/>
+          <a:p>
+            <a:r>
+              <a:rPr lang="en-GB" dirty="0"/>
+              <a:t>C</a:t>
+            </a:r>
+            <a:r>
+              <a:rPr lang="en-US" dirty="0"/>
+              <a:t>an you think out a scenario to use </a:t>
+            </a:r>
+            <a:r>
+              <a:rPr lang="en-GB" dirty="0"/>
+              <a:t>observer</a:t>
+            </a:r>
+            <a:r>
+              <a:rPr lang="en-US" dirty="0"/>
+              <a:t> pattern in your previous coding task</a:t>
+            </a:r>
+            <a:r>
+              <a:rPr lang="en-US" altLang="zh-CN" dirty="0"/>
+              <a:t>?</a:t>
+            </a:r>
+          </a:p>
+        </p:txBody>
+      </p:sp>
+      <p:sp>
+        <p:nvSpPr>
+          <p:cNvPr id="5" name="Slide Number Placeholder 4"/>
+          <p:cNvSpPr>
+            <a:spLocks noGrp="1"/>
+          </p:cNvSpPr>
+          <p:nvPr>
+            <p:ph type="sldNum" sz="quarter" idx="12"/>
+          </p:nvPr>
+        </p:nvSpPr>
+        <p:spPr/>
+        <p:txBody>
+          <a:bodyPr/>
+          <a:lstStyle/>
+          <a:p>
+            <a:fld id="{AD0626D4-4E0B-403F-918B-E82125F5E912}" type="slidenum">
+              <a:rPr lang="en-GB" smtClean="0"/>
+              <a:t>77</a:t>
+            </a:fld>
+            <a:endParaRPr lang="en-GB" dirty="0"/>
+          </a:p>
+        </p:txBody>
+      </p:sp>
+    </p:spTree>
+    <p:extLst>
+      <p:ext uri="{BB962C8B-B14F-4D97-AF65-F5344CB8AC3E}">
+        <p14:creationId xmlns:p14="http://schemas.microsoft.com/office/powerpoint/2010/main" val="1841640210"/>
+      </p:ext>
+    </p:extLst>
+  </p:cSld>
+  <p:clrMapOvr>
+    <a:masterClrMapping/>
+  </p:clrMapOvr>
+</p:sld>
+</file>
+
+<file path=ppt/slides/slide78.xml><?xml version="1.0" encoding="utf-8"?>
+<p:sld xmlns:a="http://schemas.openxmlformats.org/drawingml/2006/main" xmlns:r="http://schemas.openxmlformats.org/officeDocument/2006/relationships" xmlns:p="http://schemas.openxmlformats.org/presentationml/2006/main">
+  <p:cSld>
+    <p:bg>
+      <p:bgPr>
+        <a:gradFill>
+          <a:gsLst>
+            <a:gs pos="0">
+              <a:schemeClr val="accent4">
+                <a:lumMod val="20000"/>
+                <a:lumOff val="80000"/>
+              </a:schemeClr>
+            </a:gs>
+            <a:gs pos="74000">
+              <a:schemeClr val="accent1">
+                <a:lumMod val="45000"/>
+                <a:lumOff val="55000"/>
+              </a:schemeClr>
+            </a:gs>
+            <a:gs pos="83000">
+              <a:schemeClr val="accent1">
+                <a:lumMod val="45000"/>
+                <a:lumOff val="55000"/>
+              </a:schemeClr>
+            </a:gs>
+            <a:gs pos="100000">
+              <a:schemeClr val="accent1">
+                <a:lumMod val="30000"/>
+                <a:lumOff val="70000"/>
+              </a:schemeClr>
+            </a:gs>
+          </a:gsLst>
+          <a:lin ang="5400000" scaled="1"/>
+        </a:gradFill>
+        <a:effectLst/>
+      </p:bgPr>
+    </p:bg>
+    <p:spTree>
+      <p:nvGrpSpPr>
+        <p:cNvPr id="1" name=""/>
+        <p:cNvGrpSpPr/>
+        <p:nvPr/>
+      </p:nvGrpSpPr>
+      <p:grpSpPr>
+        <a:xfrm>
+          <a:off x="0" y="0"/>
+          <a:ext cx="0" cy="0"/>
+          <a:chOff x="0" y="0"/>
+          <a:chExt cx="0" cy="0"/>
+        </a:xfrm>
+      </p:grpSpPr>
+      <p:sp>
+        <p:nvSpPr>
+          <p:cNvPr id="2" name="Title 1"/>
+          <p:cNvSpPr>
+            <a:spLocks noGrp="1"/>
+          </p:cNvSpPr>
+          <p:nvPr>
+            <p:ph type="title"/>
+          </p:nvPr>
+        </p:nvSpPr>
+        <p:spPr/>
+        <p:txBody>
+          <a:bodyPr/>
+          <a:lstStyle/>
+          <a:p>
+            <a:r>
+              <a:rPr lang="en-GB" b="1" dirty="0">
+                <a:solidFill>
+                  <a:srgbClr val="FF0000"/>
+                </a:solidFill>
+              </a:rPr>
+              <a:t>Strategy</a:t>
+            </a:r>
+          </a:p>
+        </p:txBody>
+      </p:sp>
+      <p:sp>
+        <p:nvSpPr>
+          <p:cNvPr id="3" name="Content Placeholder 2"/>
+          <p:cNvSpPr>
+            <a:spLocks noGrp="1"/>
+          </p:cNvSpPr>
+          <p:nvPr>
+            <p:ph idx="1"/>
+          </p:nvPr>
+        </p:nvSpPr>
+        <p:spPr/>
+        <p:txBody>
+          <a:bodyPr>
+            <a:normAutofit/>
+          </a:bodyPr>
+          <a:lstStyle/>
+          <a:p>
+            <a:r>
+              <a:rPr lang="en-GB" dirty="0"/>
+              <a:t>In computer programming, the strategy pattern (also known as the policy pattern) is a </a:t>
+            </a:r>
+            <a:r>
+              <a:rPr lang="en-GB" dirty="0" err="1"/>
+              <a:t>behavioral</a:t>
+            </a:r>
+            <a:r>
+              <a:rPr lang="en-GB" dirty="0"/>
+              <a:t> software design pattern that enables selecting an algorithm at runtime. The strategy pattern</a:t>
+            </a:r>
+          </a:p>
+          <a:p>
+            <a:pPr lvl="1"/>
+            <a:r>
+              <a:rPr lang="en-GB" dirty="0"/>
+              <a:t>defines a family of algorithms,</a:t>
+            </a:r>
+          </a:p>
+          <a:p>
+            <a:pPr lvl="1"/>
+            <a:r>
+              <a:rPr lang="en-GB" dirty="0"/>
+              <a:t>encapsulates each algorithm, and</a:t>
+            </a:r>
+          </a:p>
+          <a:p>
+            <a:pPr lvl="1"/>
+            <a:r>
+              <a:rPr lang="en-GB" dirty="0"/>
+              <a:t>makes the algorithms interchangeable within that family.</a:t>
+            </a:r>
+            <a:endParaRPr lang="en-US" altLang="zh-CN" dirty="0"/>
+          </a:p>
+        </p:txBody>
+      </p:sp>
+      <p:sp>
+        <p:nvSpPr>
+          <p:cNvPr id="5" name="Slide Number Placeholder 4"/>
+          <p:cNvSpPr>
+            <a:spLocks noGrp="1"/>
+          </p:cNvSpPr>
+          <p:nvPr>
+            <p:ph type="sldNum" sz="quarter" idx="12"/>
+          </p:nvPr>
+        </p:nvSpPr>
+        <p:spPr/>
+        <p:txBody>
+          <a:bodyPr/>
+          <a:lstStyle/>
+          <a:p>
+            <a:fld id="{AD0626D4-4E0B-403F-918B-E82125F5E912}" type="slidenum">
+              <a:rPr lang="en-GB" smtClean="0"/>
+              <a:t>78</a:t>
+            </a:fld>
+            <a:endParaRPr lang="en-GB" dirty="0"/>
+          </a:p>
+        </p:txBody>
+      </p:sp>
+    </p:spTree>
+    <p:extLst>
+      <p:ext uri="{BB962C8B-B14F-4D97-AF65-F5344CB8AC3E}">
+        <p14:creationId xmlns:p14="http://schemas.microsoft.com/office/powerpoint/2010/main" val="1478442060"/>
+      </p:ext>
+    </p:extLst>
+  </p:cSld>
+  <p:clrMapOvr>
+    <a:masterClrMapping/>
+  </p:clrMapOvr>
+</p:sld>
+</file>
+
+<file path=ppt/slides/slide79.xml><?xml version="1.0" encoding="utf-8"?>
+<p:sld xmlns:a="http://schemas.openxmlformats.org/drawingml/2006/main" xmlns:r="http://schemas.openxmlformats.org/officeDocument/2006/relationships" xmlns:p="http://schemas.openxmlformats.org/presentationml/2006/main">
+  <p:cSld>
+    <p:bg>
+      <p:bgPr>
+        <a:gradFill>
+          <a:gsLst>
+            <a:gs pos="0">
+              <a:schemeClr val="accent4">
+                <a:lumMod val="20000"/>
+                <a:lumOff val="80000"/>
+              </a:schemeClr>
+            </a:gs>
+            <a:gs pos="74000">
+              <a:schemeClr val="accent1">
+                <a:lumMod val="45000"/>
+                <a:lumOff val="55000"/>
+              </a:schemeClr>
+            </a:gs>
+            <a:gs pos="83000">
+              <a:schemeClr val="accent1">
+                <a:lumMod val="45000"/>
+                <a:lumOff val="55000"/>
+              </a:schemeClr>
+            </a:gs>
+            <a:gs pos="100000">
+              <a:schemeClr val="accent1">
+                <a:lumMod val="30000"/>
+                <a:lumOff val="70000"/>
+              </a:schemeClr>
+            </a:gs>
+          </a:gsLst>
+          <a:lin ang="5400000" scaled="1"/>
+        </a:gradFill>
+        <a:effectLst/>
+      </p:bgPr>
+    </p:bg>
+    <p:spTree>
+      <p:nvGrpSpPr>
+        <p:cNvPr id="1" name=""/>
+        <p:cNvGrpSpPr/>
+        <p:nvPr/>
+      </p:nvGrpSpPr>
+      <p:grpSpPr>
+        <a:xfrm>
+          <a:off x="0" y="0"/>
+          <a:ext cx="0" cy="0"/>
+          <a:chOff x="0" y="0"/>
+          <a:chExt cx="0" cy="0"/>
+        </a:xfrm>
+      </p:grpSpPr>
+      <p:sp>
+        <p:nvSpPr>
+          <p:cNvPr id="2" name="Title 1"/>
+          <p:cNvSpPr>
+            <a:spLocks noGrp="1"/>
+          </p:cNvSpPr>
+          <p:nvPr>
+            <p:ph type="title"/>
+          </p:nvPr>
+        </p:nvSpPr>
+        <p:spPr/>
+        <p:txBody>
+          <a:bodyPr/>
+          <a:lstStyle/>
+          <a:p>
+            <a:r>
+              <a:rPr lang="en-GB" b="1" dirty="0">
+                <a:solidFill>
+                  <a:srgbClr val="FF0000"/>
+                </a:solidFill>
+              </a:rPr>
+              <a:t>Strategy</a:t>
+            </a:r>
+          </a:p>
+        </p:txBody>
+      </p:sp>
+      <p:sp>
+        <p:nvSpPr>
+          <p:cNvPr id="5" name="Slide Number Placeholder 4"/>
+          <p:cNvSpPr>
+            <a:spLocks noGrp="1"/>
+          </p:cNvSpPr>
+          <p:nvPr>
+            <p:ph type="sldNum" sz="quarter" idx="12"/>
+          </p:nvPr>
+        </p:nvSpPr>
+        <p:spPr/>
+        <p:txBody>
+          <a:bodyPr/>
+          <a:lstStyle/>
+          <a:p>
+            <a:fld id="{AD0626D4-4E0B-403F-918B-E82125F5E912}" type="slidenum">
+              <a:rPr lang="en-GB" smtClean="0"/>
+              <a:t>79</a:t>
+            </a:fld>
+            <a:endParaRPr lang="en-GB" dirty="0"/>
+          </a:p>
+        </p:txBody>
+      </p:sp>
+      <p:pic>
+        <p:nvPicPr>
+          <p:cNvPr id="2050" name="Picture 2" descr="https://upload.wikimedia.org/wikipedia/commons/4/45/W3sDesign_Strategy_Design_Pattern_UML.jpg">
+            <a:extLst>
+              <a:ext uri="{FF2B5EF4-FFF2-40B4-BE49-F238E27FC236}">
+                <a16:creationId xmlns:a16="http://schemas.microsoft.com/office/drawing/2014/main" id="{532F9975-1AB8-4053-B399-9A8EE965CAC9}"/>
+              </a:ext>
+            </a:extLst>
+          </p:cNvPr>
+          <p:cNvPicPr>
+            <a:picLocks noGrp="1" noChangeAspect="1" noChangeArrowheads="1"/>
+          </p:cNvPicPr>
+          <p:nvPr>
+            <p:ph idx="1"/>
+          </p:nvPr>
+        </p:nvPicPr>
+        <p:blipFill>
+          <a:blip r:embed="rId2">
+            <a:extLst>
+              <a:ext uri="{28A0092B-C50C-407E-A947-70E740481C1C}">
+                <a14:useLocalDpi xmlns:a14="http://schemas.microsoft.com/office/drawing/2010/main" val="0"/>
+              </a:ext>
+            </a:extLst>
+          </a:blip>
+          <a:srcRect/>
+          <a:stretch>
+            <a:fillRect/>
+          </a:stretch>
+        </p:blipFill>
+        <p:spPr bwMode="auto">
+          <a:xfrm>
+            <a:off x="838200" y="1690688"/>
+            <a:ext cx="10965852" cy="4048930"/>
+          </a:xfrm>
+          <a:prstGeom prst="rect">
+            <a:avLst/>
+          </a:prstGeom>
+          <a:noFill/>
+          <a:extLst>
+            <a:ext uri="{909E8E84-426E-40DD-AFC4-6F175D3DCCD1}">
+              <a14:hiddenFill xmlns:a14="http://schemas.microsoft.com/office/drawing/2010/main">
+                <a:solidFill>
+                  <a:srgbClr val="FFFFFF"/>
+                </a:solidFill>
+              </a14:hiddenFill>
+            </a:ext>
+          </a:extLst>
+        </p:spPr>
+      </p:pic>
+    </p:spTree>
+    <p:extLst>
+      <p:ext uri="{BB962C8B-B14F-4D97-AF65-F5344CB8AC3E}">
+        <p14:creationId xmlns:p14="http://schemas.microsoft.com/office/powerpoint/2010/main" val="1054354520"/>
+      </p:ext>
+    </p:extLst>
+  </p:cSld>
+  <p:clrMapOvr>
+    <a:masterClrMapping/>
+  </p:clrMapOvr>
+</p:sld>
+</file>
+
+<file path=ppt/slides/slide8.xml><?xml version="1.0" encoding="utf-8"?>
+<p:sld xmlns:a="http://schemas.openxmlformats.org/drawingml/2006/main" xmlns:r="http://schemas.openxmlformats.org/officeDocument/2006/relationships" xmlns:p="http://schemas.openxmlformats.org/presentationml/2006/main">
+  <p:cSld>
+    <p:bg>
+      <p:bgPr>
+        <a:gradFill>
+          <a:gsLst>
+            <a:gs pos="0">
+              <a:schemeClr val="accent1">
+                <a:lumMod val="5000"/>
+                <a:lumOff val="95000"/>
+              </a:schemeClr>
+            </a:gs>
+            <a:gs pos="74000">
+              <a:schemeClr val="accent1">
+                <a:lumMod val="45000"/>
+                <a:lumOff val="55000"/>
+              </a:schemeClr>
+            </a:gs>
+            <a:gs pos="83000">
+              <a:schemeClr val="accent1">
+                <a:lumMod val="45000"/>
+                <a:lumOff val="55000"/>
+              </a:schemeClr>
+            </a:gs>
+            <a:gs pos="100000">
+              <a:schemeClr val="accent1">
+                <a:lumMod val="30000"/>
+                <a:lumOff val="70000"/>
+              </a:schemeClr>
+            </a:gs>
+          </a:gsLst>
+          <a:lin ang="5400000" scaled="1"/>
+        </a:gradFill>
+        <a:effectLst/>
+      </p:bgPr>
+    </p:bg>
+    <p:spTree>
+      <p:nvGrpSpPr>
+        <p:cNvPr id="1" name=""/>
+        <p:cNvGrpSpPr/>
+        <p:nvPr/>
+      </p:nvGrpSpPr>
+      <p:grpSpPr>
+        <a:xfrm>
+          <a:off x="0" y="0"/>
+          <a:ext cx="0" cy="0"/>
+          <a:chOff x="0" y="0"/>
+          <a:chExt cx="0" cy="0"/>
+        </a:xfrm>
+      </p:grpSpPr>
+      <p:sp>
+        <p:nvSpPr>
+          <p:cNvPr id="2" name="Title 1"/>
+          <p:cNvSpPr>
+            <a:spLocks noGrp="1"/>
+          </p:cNvSpPr>
+          <p:nvPr>
+            <p:ph type="title"/>
+          </p:nvPr>
+        </p:nvSpPr>
+        <p:spPr/>
+        <p:txBody>
+          <a:bodyPr/>
+          <a:lstStyle/>
+          <a:p>
+            <a:r>
+              <a:rPr lang="en-US" b="1" dirty="0">
+                <a:solidFill>
+                  <a:srgbClr val="FF0000"/>
+                </a:solidFill>
+              </a:rPr>
+              <a:t>Abstract Factory</a:t>
+            </a:r>
+            <a:endParaRPr lang="en-GB" b="1" dirty="0">
+              <a:solidFill>
+                <a:srgbClr val="FF0000"/>
+              </a:solidFill>
+            </a:endParaRPr>
+          </a:p>
+        </p:txBody>
+      </p:sp>
+      <p:sp>
+        <p:nvSpPr>
+          <p:cNvPr id="3" name="Content Placeholder 2"/>
+          <p:cNvSpPr>
+            <a:spLocks noGrp="1"/>
+          </p:cNvSpPr>
+          <p:nvPr>
+            <p:ph idx="1"/>
+          </p:nvPr>
+        </p:nvSpPr>
+        <p:spPr/>
+        <p:txBody>
+          <a:bodyPr/>
+          <a:lstStyle/>
+          <a:p>
+            <a:r>
+              <a:rPr lang="en-GB" dirty="0"/>
+              <a:t>Abstract Factory pattern provides an interface for creating families of related or dependent objects without specifying their concrete classes.</a:t>
+            </a:r>
+          </a:p>
+        </p:txBody>
+      </p:sp>
+      <p:pic>
+        <p:nvPicPr>
+          <p:cNvPr id="4" name="Picture 3"/>
           <p:cNvPicPr>
             <a:picLocks noChangeAspect="1"/>
           </p:cNvPicPr>
@@ -15035,18 +16044,41 @@
         </p:blipFill>
         <p:spPr>
           <a:xfrm>
-            <a:off x="2649985" y="3544063"/>
-            <a:ext cx="7832070" cy="2702718"/>
+            <a:off x="3294821" y="2722249"/>
+            <a:ext cx="8058979" cy="3589651"/>
           </a:xfrm>
           <a:prstGeom prst="rect">
             <a:avLst/>
           </a:prstGeom>
         </p:spPr>
       </p:pic>
+      <p:sp>
+        <p:nvSpPr>
+          <p:cNvPr id="5" name="Slide Number Placeholder 4"/>
+          <p:cNvSpPr>
+            <a:spLocks noGrp="1"/>
+          </p:cNvSpPr>
+          <p:nvPr>
+            <p:ph type="sldNum" sz="quarter" idx="12"/>
+          </p:nvPr>
+        </p:nvSpPr>
+        <p:spPr/>
+        <p:txBody>
+          <a:bodyPr/>
+          <a:lstStyle/>
+          <a:p>
+            <a:fld id="{AD0626D4-4E0B-403F-918B-E82125F5E912}" type="slidenum">
+              <a:rPr lang="en-GB" smtClean="0"/>
+              <a:t>8</a:t>
+            </a:fld>
+            <a:endParaRPr lang="en-GB" dirty="0"/>
+          </a:p>
+        </p:txBody>
+      </p:sp>
     </p:spTree>
     <p:extLst>
       <p:ext uri="{BB962C8B-B14F-4D97-AF65-F5344CB8AC3E}">
-        <p14:creationId xmlns:p14="http://schemas.microsoft.com/office/powerpoint/2010/main" val="2564867790"/>
+        <p14:creationId xmlns:p14="http://schemas.microsoft.com/office/powerpoint/2010/main" val="861589813"/>
       </p:ext>
     </p:extLst>
   </p:cSld>
@@ -15056,7 +16088,1003 @@
 </p:sld>
 </file>
 
-<file path=ppt/slides/slide75.xml><?xml version="1.0" encoding="utf-8"?>
+<file path=ppt/slides/slide80.xml><?xml version="1.0" encoding="utf-8"?>
+<p:sld xmlns:a="http://schemas.openxmlformats.org/drawingml/2006/main" xmlns:r="http://schemas.openxmlformats.org/officeDocument/2006/relationships" xmlns:p="http://schemas.openxmlformats.org/presentationml/2006/main">
+  <p:cSld>
+    <p:bg>
+      <p:bgPr>
+        <a:gradFill>
+          <a:gsLst>
+            <a:gs pos="0">
+              <a:schemeClr val="accent4">
+                <a:lumMod val="20000"/>
+                <a:lumOff val="80000"/>
+              </a:schemeClr>
+            </a:gs>
+            <a:gs pos="74000">
+              <a:schemeClr val="accent1">
+                <a:lumMod val="45000"/>
+                <a:lumOff val="55000"/>
+              </a:schemeClr>
+            </a:gs>
+            <a:gs pos="83000">
+              <a:schemeClr val="accent1">
+                <a:lumMod val="45000"/>
+                <a:lumOff val="55000"/>
+              </a:schemeClr>
+            </a:gs>
+            <a:gs pos="100000">
+              <a:schemeClr val="accent1">
+                <a:lumMod val="30000"/>
+                <a:lumOff val="70000"/>
+              </a:schemeClr>
+            </a:gs>
+          </a:gsLst>
+          <a:lin ang="5400000" scaled="1"/>
+        </a:gradFill>
+        <a:effectLst/>
+      </p:bgPr>
+    </p:bg>
+    <p:spTree>
+      <p:nvGrpSpPr>
+        <p:cNvPr id="1" name=""/>
+        <p:cNvGrpSpPr/>
+        <p:nvPr/>
+      </p:nvGrpSpPr>
+      <p:grpSpPr>
+        <a:xfrm>
+          <a:off x="0" y="0"/>
+          <a:ext cx="0" cy="0"/>
+          <a:chOff x="0" y="0"/>
+          <a:chExt cx="0" cy="0"/>
+        </a:xfrm>
+      </p:grpSpPr>
+      <p:sp>
+        <p:nvSpPr>
+          <p:cNvPr id="2" name="Title 1"/>
+          <p:cNvSpPr>
+            <a:spLocks noGrp="1"/>
+          </p:cNvSpPr>
+          <p:nvPr>
+            <p:ph type="title"/>
+          </p:nvPr>
+        </p:nvSpPr>
+        <p:spPr/>
+        <p:txBody>
+          <a:bodyPr/>
+          <a:lstStyle/>
+          <a:p>
+            <a:r>
+              <a:rPr lang="en-GB" b="1" dirty="0">
+                <a:solidFill>
+                  <a:srgbClr val="FF0000"/>
+                </a:solidFill>
+              </a:rPr>
+              <a:t>Strategy</a:t>
+            </a:r>
+          </a:p>
+        </p:txBody>
+      </p:sp>
+      <p:sp>
+        <p:nvSpPr>
+          <p:cNvPr id="5" name="Slide Number Placeholder 4"/>
+          <p:cNvSpPr>
+            <a:spLocks noGrp="1"/>
+          </p:cNvSpPr>
+          <p:nvPr>
+            <p:ph type="sldNum" sz="quarter" idx="12"/>
+          </p:nvPr>
+        </p:nvSpPr>
+        <p:spPr/>
+        <p:txBody>
+          <a:bodyPr/>
+          <a:lstStyle/>
+          <a:p>
+            <a:fld id="{AD0626D4-4E0B-403F-918B-E82125F5E912}" type="slidenum">
+              <a:rPr lang="en-GB" smtClean="0"/>
+              <a:t>80</a:t>
+            </a:fld>
+            <a:endParaRPr lang="en-GB" dirty="0"/>
+          </a:p>
+        </p:txBody>
+      </p:sp>
+      <p:sp>
+        <p:nvSpPr>
+          <p:cNvPr id="4" name="Content Placeholder 3">
+            <a:extLst>
+              <a:ext uri="{FF2B5EF4-FFF2-40B4-BE49-F238E27FC236}">
+                <a16:creationId xmlns:a16="http://schemas.microsoft.com/office/drawing/2014/main" id="{D84B5803-A885-4E6F-84FA-031FB117A874}"/>
+              </a:ext>
+            </a:extLst>
+          </p:cNvPr>
+          <p:cNvSpPr>
+            <a:spLocks noGrp="1"/>
+          </p:cNvSpPr>
+          <p:nvPr>
+            <p:ph idx="1"/>
+          </p:nvPr>
+        </p:nvSpPr>
+        <p:spPr/>
+        <p:txBody>
+          <a:bodyPr>
+            <a:normAutofit fontScale="92500" lnSpcReduction="10000"/>
+          </a:bodyPr>
+          <a:lstStyle/>
+          <a:p>
+            <a:r>
+              <a:rPr lang="en-GB" dirty="0"/>
+              <a:t>What problems can the Strategy design pattern solve?</a:t>
+            </a:r>
+          </a:p>
+          <a:p>
+            <a:pPr lvl="1"/>
+            <a:r>
+              <a:rPr lang="en-GB" dirty="0"/>
+              <a:t>A class should be configured with an algorithm instead of implementing an algorithm directly.</a:t>
+            </a:r>
+          </a:p>
+          <a:p>
+            <a:pPr lvl="1"/>
+            <a:r>
+              <a:rPr lang="en-GB" dirty="0"/>
+              <a:t>An algorithm should be selected and exchanged at run-time.</a:t>
+            </a:r>
+          </a:p>
+          <a:p>
+            <a:endParaRPr lang="en-GB" dirty="0"/>
+          </a:p>
+          <a:p>
+            <a:r>
+              <a:rPr lang="en-GB" dirty="0"/>
+              <a:t>What solution does the Strategy design pattern describe?</a:t>
+            </a:r>
+          </a:p>
+          <a:p>
+            <a:pPr lvl="1"/>
+            <a:r>
+              <a:rPr lang="en-GB" dirty="0"/>
+              <a:t>Define a separate (strategy) object that encapsulates an algorithm. That is, define an interface (Strategy) for performing an algorithm, and define classes that implement the interface (algorithm) in different ways.</a:t>
+            </a:r>
+          </a:p>
+          <a:p>
+            <a:pPr lvl="1"/>
+            <a:r>
+              <a:rPr lang="en-GB" dirty="0"/>
+              <a:t>A class delegates an algorithm to a strategy object at run-time instead of implementing an algorithm directly (that is, instead of committing to an algorithm at compile-time).</a:t>
+            </a:r>
+          </a:p>
+        </p:txBody>
+      </p:sp>
+    </p:spTree>
+    <p:extLst>
+      <p:ext uri="{BB962C8B-B14F-4D97-AF65-F5344CB8AC3E}">
+        <p14:creationId xmlns:p14="http://schemas.microsoft.com/office/powerpoint/2010/main" val="971112000"/>
+      </p:ext>
+    </p:extLst>
+  </p:cSld>
+  <p:clrMapOvr>
+    <a:masterClrMapping/>
+  </p:clrMapOvr>
+</p:sld>
+</file>
+
+<file path=ppt/slides/slide81.xml><?xml version="1.0" encoding="utf-8"?>
+<p:sld xmlns:a="http://schemas.openxmlformats.org/drawingml/2006/main" xmlns:r="http://schemas.openxmlformats.org/officeDocument/2006/relationships" xmlns:p="http://schemas.openxmlformats.org/presentationml/2006/main">
+  <p:cSld>
+    <p:bg>
+      <p:bgPr>
+        <a:gradFill>
+          <a:gsLst>
+            <a:gs pos="0">
+              <a:schemeClr val="accent4">
+                <a:lumMod val="20000"/>
+                <a:lumOff val="80000"/>
+              </a:schemeClr>
+            </a:gs>
+            <a:gs pos="74000">
+              <a:schemeClr val="accent1">
+                <a:lumMod val="45000"/>
+                <a:lumOff val="55000"/>
+              </a:schemeClr>
+            </a:gs>
+            <a:gs pos="83000">
+              <a:schemeClr val="accent1">
+                <a:lumMod val="45000"/>
+                <a:lumOff val="55000"/>
+              </a:schemeClr>
+            </a:gs>
+            <a:gs pos="100000">
+              <a:schemeClr val="accent1">
+                <a:lumMod val="30000"/>
+                <a:lumOff val="70000"/>
+              </a:schemeClr>
+            </a:gs>
+          </a:gsLst>
+          <a:lin ang="5400000" scaled="1"/>
+        </a:gradFill>
+        <a:effectLst/>
+      </p:bgPr>
+    </p:bg>
+    <p:spTree>
+      <p:nvGrpSpPr>
+        <p:cNvPr id="1" name=""/>
+        <p:cNvGrpSpPr/>
+        <p:nvPr/>
+      </p:nvGrpSpPr>
+      <p:grpSpPr>
+        <a:xfrm>
+          <a:off x="0" y="0"/>
+          <a:ext cx="0" cy="0"/>
+          <a:chOff x="0" y="0"/>
+          <a:chExt cx="0" cy="0"/>
+        </a:xfrm>
+      </p:grpSpPr>
+      <p:sp>
+        <p:nvSpPr>
+          <p:cNvPr id="2" name="Title 1"/>
+          <p:cNvSpPr>
+            <a:spLocks noGrp="1"/>
+          </p:cNvSpPr>
+          <p:nvPr>
+            <p:ph type="title"/>
+          </p:nvPr>
+        </p:nvSpPr>
+        <p:spPr/>
+        <p:txBody>
+          <a:bodyPr/>
+          <a:lstStyle/>
+          <a:p>
+            <a:r>
+              <a:rPr lang="en-GB" b="1" dirty="0">
+                <a:solidFill>
+                  <a:srgbClr val="FF0000"/>
+                </a:solidFill>
+              </a:rPr>
+              <a:t>Strategy</a:t>
+            </a:r>
+          </a:p>
+        </p:txBody>
+      </p:sp>
+      <p:sp>
+        <p:nvSpPr>
+          <p:cNvPr id="3" name="Content Placeholder 2"/>
+          <p:cNvSpPr>
+            <a:spLocks noGrp="1"/>
+          </p:cNvSpPr>
+          <p:nvPr>
+            <p:ph idx="1"/>
+          </p:nvPr>
+        </p:nvSpPr>
+        <p:spPr/>
+        <p:txBody>
+          <a:bodyPr>
+            <a:normAutofit/>
+          </a:bodyPr>
+          <a:lstStyle/>
+          <a:p>
+            <a:r>
+              <a:rPr lang="en-GB" dirty="0"/>
+              <a:t>C</a:t>
+            </a:r>
+            <a:r>
+              <a:rPr lang="en-US" dirty="0"/>
+              <a:t>an you think out a scenario to use </a:t>
+            </a:r>
+            <a:r>
+              <a:rPr lang="en-GB" dirty="0"/>
+              <a:t>strategy</a:t>
+            </a:r>
+            <a:r>
+              <a:rPr lang="en-US" dirty="0"/>
+              <a:t> pattern in your previous coding task</a:t>
+            </a:r>
+            <a:r>
+              <a:rPr lang="en-US" altLang="zh-CN" dirty="0"/>
+              <a:t>?</a:t>
+            </a:r>
+          </a:p>
+        </p:txBody>
+      </p:sp>
+      <p:sp>
+        <p:nvSpPr>
+          <p:cNvPr id="5" name="Slide Number Placeholder 4"/>
+          <p:cNvSpPr>
+            <a:spLocks noGrp="1"/>
+          </p:cNvSpPr>
+          <p:nvPr>
+            <p:ph type="sldNum" sz="quarter" idx="12"/>
+          </p:nvPr>
+        </p:nvSpPr>
+        <p:spPr/>
+        <p:txBody>
+          <a:bodyPr/>
+          <a:lstStyle/>
+          <a:p>
+            <a:fld id="{AD0626D4-4E0B-403F-918B-E82125F5E912}" type="slidenum">
+              <a:rPr lang="en-GB" smtClean="0"/>
+              <a:t>81</a:t>
+            </a:fld>
+            <a:endParaRPr lang="en-GB" dirty="0"/>
+          </a:p>
+        </p:txBody>
+      </p:sp>
+    </p:spTree>
+    <p:extLst>
+      <p:ext uri="{BB962C8B-B14F-4D97-AF65-F5344CB8AC3E}">
+        <p14:creationId xmlns:p14="http://schemas.microsoft.com/office/powerpoint/2010/main" val="2265864203"/>
+      </p:ext>
+    </p:extLst>
+  </p:cSld>
+  <p:clrMapOvr>
+    <a:masterClrMapping/>
+  </p:clrMapOvr>
+</p:sld>
+</file>
+
+<file path=ppt/slides/slide82.xml><?xml version="1.0" encoding="utf-8"?>
+<p:sld xmlns:a="http://schemas.openxmlformats.org/drawingml/2006/main" xmlns:r="http://schemas.openxmlformats.org/officeDocument/2006/relationships" xmlns:p="http://schemas.openxmlformats.org/presentationml/2006/main">
+  <p:cSld>
+    <p:bg>
+      <p:bgPr>
+        <a:gradFill>
+          <a:gsLst>
+            <a:gs pos="0">
+              <a:schemeClr val="accent4">
+                <a:lumMod val="20000"/>
+                <a:lumOff val="80000"/>
+              </a:schemeClr>
+            </a:gs>
+            <a:gs pos="74000">
+              <a:schemeClr val="accent1">
+                <a:lumMod val="45000"/>
+                <a:lumOff val="55000"/>
+              </a:schemeClr>
+            </a:gs>
+            <a:gs pos="83000">
+              <a:schemeClr val="accent1">
+                <a:lumMod val="45000"/>
+                <a:lumOff val="55000"/>
+              </a:schemeClr>
+            </a:gs>
+            <a:gs pos="100000">
+              <a:schemeClr val="accent1">
+                <a:lumMod val="30000"/>
+                <a:lumOff val="70000"/>
+              </a:schemeClr>
+            </a:gs>
+          </a:gsLst>
+          <a:lin ang="5400000" scaled="1"/>
+        </a:gradFill>
+        <a:effectLst/>
+      </p:bgPr>
+    </p:bg>
+    <p:spTree>
+      <p:nvGrpSpPr>
+        <p:cNvPr id="1" name=""/>
+        <p:cNvGrpSpPr/>
+        <p:nvPr/>
+      </p:nvGrpSpPr>
+      <p:grpSpPr>
+        <a:xfrm>
+          <a:off x="0" y="0"/>
+          <a:ext cx="0" cy="0"/>
+          <a:chOff x="0" y="0"/>
+          <a:chExt cx="0" cy="0"/>
+        </a:xfrm>
+      </p:grpSpPr>
+      <p:sp>
+        <p:nvSpPr>
+          <p:cNvPr id="2" name="Title 1"/>
+          <p:cNvSpPr>
+            <a:spLocks noGrp="1"/>
+          </p:cNvSpPr>
+          <p:nvPr>
+            <p:ph type="title"/>
+          </p:nvPr>
+        </p:nvSpPr>
+        <p:spPr/>
+        <p:txBody>
+          <a:bodyPr/>
+          <a:lstStyle/>
+          <a:p>
+            <a:r>
+              <a:rPr lang="en-GB" b="1" dirty="0">
+                <a:solidFill>
+                  <a:srgbClr val="FF0000"/>
+                </a:solidFill>
+              </a:rPr>
+              <a:t>Template Method</a:t>
+            </a:r>
+          </a:p>
+        </p:txBody>
+      </p:sp>
+      <p:sp>
+        <p:nvSpPr>
+          <p:cNvPr id="3" name="Content Placeholder 2"/>
+          <p:cNvSpPr>
+            <a:spLocks noGrp="1"/>
+          </p:cNvSpPr>
+          <p:nvPr>
+            <p:ph idx="1"/>
+          </p:nvPr>
+        </p:nvSpPr>
+        <p:spPr/>
+        <p:txBody>
+          <a:bodyPr>
+            <a:normAutofit/>
+          </a:bodyPr>
+          <a:lstStyle/>
+          <a:p>
+            <a:r>
+              <a:rPr lang="en-GB" dirty="0"/>
+              <a:t>Template method pattern is a </a:t>
+            </a:r>
+            <a:r>
+              <a:rPr lang="en-GB" dirty="0" err="1"/>
+              <a:t>behavioral</a:t>
+            </a:r>
+            <a:r>
+              <a:rPr lang="en-GB" dirty="0"/>
+              <a:t> design pattern that defines the program skeleton of an algorithm in an operation, deferring some steps to subclasses.[1] It lets one redefine certain steps of an algorithm without changing the algorithm's structure.</a:t>
+            </a:r>
+          </a:p>
+        </p:txBody>
+      </p:sp>
+      <p:sp>
+        <p:nvSpPr>
+          <p:cNvPr id="5" name="Slide Number Placeholder 4"/>
+          <p:cNvSpPr>
+            <a:spLocks noGrp="1"/>
+          </p:cNvSpPr>
+          <p:nvPr>
+            <p:ph type="sldNum" sz="quarter" idx="12"/>
+          </p:nvPr>
+        </p:nvSpPr>
+        <p:spPr/>
+        <p:txBody>
+          <a:bodyPr/>
+          <a:lstStyle/>
+          <a:p>
+            <a:fld id="{AD0626D4-4E0B-403F-918B-E82125F5E912}" type="slidenum">
+              <a:rPr lang="en-GB" smtClean="0"/>
+              <a:t>82</a:t>
+            </a:fld>
+            <a:endParaRPr lang="en-GB" dirty="0"/>
+          </a:p>
+        </p:txBody>
+      </p:sp>
+    </p:spTree>
+    <p:extLst>
+      <p:ext uri="{BB962C8B-B14F-4D97-AF65-F5344CB8AC3E}">
+        <p14:creationId xmlns:p14="http://schemas.microsoft.com/office/powerpoint/2010/main" val="3254114362"/>
+      </p:ext>
+    </p:extLst>
+  </p:cSld>
+  <p:clrMapOvr>
+    <a:masterClrMapping/>
+  </p:clrMapOvr>
+</p:sld>
+</file>
+
+<file path=ppt/slides/slide83.xml><?xml version="1.0" encoding="utf-8"?>
+<p:sld xmlns:a="http://schemas.openxmlformats.org/drawingml/2006/main" xmlns:r="http://schemas.openxmlformats.org/officeDocument/2006/relationships" xmlns:p="http://schemas.openxmlformats.org/presentationml/2006/main">
+  <p:cSld>
+    <p:bg>
+      <p:bgPr>
+        <a:gradFill>
+          <a:gsLst>
+            <a:gs pos="0">
+              <a:schemeClr val="accent4">
+                <a:lumMod val="20000"/>
+                <a:lumOff val="80000"/>
+              </a:schemeClr>
+            </a:gs>
+            <a:gs pos="74000">
+              <a:schemeClr val="accent1">
+                <a:lumMod val="45000"/>
+                <a:lumOff val="55000"/>
+              </a:schemeClr>
+            </a:gs>
+            <a:gs pos="83000">
+              <a:schemeClr val="accent1">
+                <a:lumMod val="45000"/>
+                <a:lumOff val="55000"/>
+              </a:schemeClr>
+            </a:gs>
+            <a:gs pos="100000">
+              <a:schemeClr val="accent1">
+                <a:lumMod val="30000"/>
+                <a:lumOff val="70000"/>
+              </a:schemeClr>
+            </a:gs>
+          </a:gsLst>
+          <a:lin ang="5400000" scaled="1"/>
+        </a:gradFill>
+        <a:effectLst/>
+      </p:bgPr>
+    </p:bg>
+    <p:spTree>
+      <p:nvGrpSpPr>
+        <p:cNvPr id="1" name=""/>
+        <p:cNvGrpSpPr/>
+        <p:nvPr/>
+      </p:nvGrpSpPr>
+      <p:grpSpPr>
+        <a:xfrm>
+          <a:off x="0" y="0"/>
+          <a:ext cx="0" cy="0"/>
+          <a:chOff x="0" y="0"/>
+          <a:chExt cx="0" cy="0"/>
+        </a:xfrm>
+      </p:grpSpPr>
+      <p:sp>
+        <p:nvSpPr>
+          <p:cNvPr id="2" name="Title 1"/>
+          <p:cNvSpPr>
+            <a:spLocks noGrp="1"/>
+          </p:cNvSpPr>
+          <p:nvPr>
+            <p:ph type="title"/>
+          </p:nvPr>
+        </p:nvSpPr>
+        <p:spPr/>
+        <p:txBody>
+          <a:bodyPr/>
+          <a:lstStyle/>
+          <a:p>
+            <a:r>
+              <a:rPr lang="en-GB" b="1" dirty="0">
+                <a:solidFill>
+                  <a:srgbClr val="FF0000"/>
+                </a:solidFill>
+              </a:rPr>
+              <a:t>Template Method</a:t>
+            </a:r>
+          </a:p>
+        </p:txBody>
+      </p:sp>
+      <p:sp>
+        <p:nvSpPr>
+          <p:cNvPr id="5" name="Slide Number Placeholder 4"/>
+          <p:cNvSpPr>
+            <a:spLocks noGrp="1"/>
+          </p:cNvSpPr>
+          <p:nvPr>
+            <p:ph type="sldNum" sz="quarter" idx="12"/>
+          </p:nvPr>
+        </p:nvSpPr>
+        <p:spPr/>
+        <p:txBody>
+          <a:bodyPr/>
+          <a:lstStyle/>
+          <a:p>
+            <a:fld id="{AD0626D4-4E0B-403F-918B-E82125F5E912}" type="slidenum">
+              <a:rPr lang="en-GB" smtClean="0"/>
+              <a:t>83</a:t>
+            </a:fld>
+            <a:endParaRPr lang="en-GB" dirty="0"/>
+          </a:p>
+        </p:txBody>
+      </p:sp>
+      <p:pic>
+        <p:nvPicPr>
+          <p:cNvPr id="3074" name="Picture 2" descr="https://upload.wikimedia.org/wikipedia/commons/2/2a/W3sDesign_Template_Method_Design_Pattern_UML.jpg">
+            <a:extLst>
+              <a:ext uri="{FF2B5EF4-FFF2-40B4-BE49-F238E27FC236}">
+                <a16:creationId xmlns:a16="http://schemas.microsoft.com/office/drawing/2014/main" id="{E0CEF9D6-FC7C-467C-ACD4-5476DC0E5A65}"/>
+              </a:ext>
+            </a:extLst>
+          </p:cNvPr>
+          <p:cNvPicPr>
+            <a:picLocks noGrp="1" noChangeAspect="1" noChangeArrowheads="1"/>
+          </p:cNvPicPr>
+          <p:nvPr>
+            <p:ph idx="1"/>
+          </p:nvPr>
+        </p:nvPicPr>
+        <p:blipFill>
+          <a:blip r:embed="rId2">
+            <a:extLst>
+              <a:ext uri="{28A0092B-C50C-407E-A947-70E740481C1C}">
+                <a14:useLocalDpi xmlns:a14="http://schemas.microsoft.com/office/drawing/2010/main" val="0"/>
+              </a:ext>
+            </a:extLst>
+          </a:blip>
+          <a:srcRect/>
+          <a:stretch>
+            <a:fillRect/>
+          </a:stretch>
+        </p:blipFill>
+        <p:spPr bwMode="auto">
+          <a:xfrm>
+            <a:off x="838200" y="1690688"/>
+            <a:ext cx="9684434" cy="4648528"/>
+          </a:xfrm>
+          <a:prstGeom prst="rect">
+            <a:avLst/>
+          </a:prstGeom>
+          <a:noFill/>
+          <a:extLst>
+            <a:ext uri="{909E8E84-426E-40DD-AFC4-6F175D3DCCD1}">
+              <a14:hiddenFill xmlns:a14="http://schemas.microsoft.com/office/drawing/2010/main">
+                <a:solidFill>
+                  <a:srgbClr val="FFFFFF"/>
+                </a:solidFill>
+              </a14:hiddenFill>
+            </a:ext>
+          </a:extLst>
+        </p:spPr>
+      </p:pic>
+    </p:spTree>
+    <p:extLst>
+      <p:ext uri="{BB962C8B-B14F-4D97-AF65-F5344CB8AC3E}">
+        <p14:creationId xmlns:p14="http://schemas.microsoft.com/office/powerpoint/2010/main" val="1559111806"/>
+      </p:ext>
+    </p:extLst>
+  </p:cSld>
+  <p:clrMapOvr>
+    <a:masterClrMapping/>
+  </p:clrMapOvr>
+</p:sld>
+</file>
+
+<file path=ppt/slides/slide84.xml><?xml version="1.0" encoding="utf-8"?>
+<p:sld xmlns:a="http://schemas.openxmlformats.org/drawingml/2006/main" xmlns:r="http://schemas.openxmlformats.org/officeDocument/2006/relationships" xmlns:p="http://schemas.openxmlformats.org/presentationml/2006/main">
+  <p:cSld>
+    <p:bg>
+      <p:bgPr>
+        <a:gradFill>
+          <a:gsLst>
+            <a:gs pos="0">
+              <a:schemeClr val="accent4">
+                <a:lumMod val="20000"/>
+                <a:lumOff val="80000"/>
+              </a:schemeClr>
+            </a:gs>
+            <a:gs pos="74000">
+              <a:schemeClr val="accent1">
+                <a:lumMod val="45000"/>
+                <a:lumOff val="55000"/>
+              </a:schemeClr>
+            </a:gs>
+            <a:gs pos="83000">
+              <a:schemeClr val="accent1">
+                <a:lumMod val="45000"/>
+                <a:lumOff val="55000"/>
+              </a:schemeClr>
+            </a:gs>
+            <a:gs pos="100000">
+              <a:schemeClr val="accent1">
+                <a:lumMod val="30000"/>
+                <a:lumOff val="70000"/>
+              </a:schemeClr>
+            </a:gs>
+          </a:gsLst>
+          <a:lin ang="5400000" scaled="1"/>
+        </a:gradFill>
+        <a:effectLst/>
+      </p:bgPr>
+    </p:bg>
+    <p:spTree>
+      <p:nvGrpSpPr>
+        <p:cNvPr id="1" name=""/>
+        <p:cNvGrpSpPr/>
+        <p:nvPr/>
+      </p:nvGrpSpPr>
+      <p:grpSpPr>
+        <a:xfrm>
+          <a:off x="0" y="0"/>
+          <a:ext cx="0" cy="0"/>
+          <a:chOff x="0" y="0"/>
+          <a:chExt cx="0" cy="0"/>
+        </a:xfrm>
+      </p:grpSpPr>
+      <p:sp>
+        <p:nvSpPr>
+          <p:cNvPr id="2" name="Title 1"/>
+          <p:cNvSpPr>
+            <a:spLocks noGrp="1"/>
+          </p:cNvSpPr>
+          <p:nvPr>
+            <p:ph type="title"/>
+          </p:nvPr>
+        </p:nvSpPr>
+        <p:spPr/>
+        <p:txBody>
+          <a:bodyPr/>
+          <a:lstStyle/>
+          <a:p>
+            <a:r>
+              <a:rPr lang="en-GB" b="1" dirty="0">
+                <a:solidFill>
+                  <a:srgbClr val="FF0000"/>
+                </a:solidFill>
+              </a:rPr>
+              <a:t>Template Method</a:t>
+            </a:r>
+          </a:p>
+        </p:txBody>
+      </p:sp>
+      <p:sp>
+        <p:nvSpPr>
+          <p:cNvPr id="5" name="Slide Number Placeholder 4"/>
+          <p:cNvSpPr>
+            <a:spLocks noGrp="1"/>
+          </p:cNvSpPr>
+          <p:nvPr>
+            <p:ph type="sldNum" sz="quarter" idx="12"/>
+          </p:nvPr>
+        </p:nvSpPr>
+        <p:spPr/>
+        <p:txBody>
+          <a:bodyPr/>
+          <a:lstStyle/>
+          <a:p>
+            <a:fld id="{AD0626D4-4E0B-403F-918B-E82125F5E912}" type="slidenum">
+              <a:rPr lang="en-GB" smtClean="0"/>
+              <a:t>84</a:t>
+            </a:fld>
+            <a:endParaRPr lang="en-GB" dirty="0"/>
+          </a:p>
+        </p:txBody>
+      </p:sp>
+      <p:sp>
+        <p:nvSpPr>
+          <p:cNvPr id="4" name="Content Placeholder 3">
+            <a:extLst>
+              <a:ext uri="{FF2B5EF4-FFF2-40B4-BE49-F238E27FC236}">
+                <a16:creationId xmlns:a16="http://schemas.microsoft.com/office/drawing/2014/main" id="{B0D5D456-0033-4F71-A30B-6ACE0481CAFA}"/>
+              </a:ext>
+            </a:extLst>
+          </p:cNvPr>
+          <p:cNvSpPr>
+            <a:spLocks noGrp="1"/>
+          </p:cNvSpPr>
+          <p:nvPr>
+            <p:ph idx="1"/>
+          </p:nvPr>
+        </p:nvSpPr>
+        <p:spPr/>
+        <p:txBody>
+          <a:bodyPr>
+            <a:normAutofit fontScale="92500" lnSpcReduction="10000"/>
+          </a:bodyPr>
+          <a:lstStyle/>
+          <a:p>
+            <a:endParaRPr lang="en-GB" dirty="0"/>
+          </a:p>
+          <a:p>
+            <a:r>
+              <a:rPr lang="en-GB" dirty="0"/>
+              <a:t>What problems can the Template Method design pattern solve?</a:t>
+            </a:r>
+          </a:p>
+          <a:p>
+            <a:pPr lvl="1"/>
+            <a:r>
+              <a:rPr lang="en-GB" dirty="0"/>
+              <a:t>The invariant parts of a behavior should be implemented only once so that subclasses can implement the variant parts.</a:t>
+            </a:r>
+          </a:p>
+          <a:p>
+            <a:pPr lvl="1"/>
+            <a:r>
+              <a:rPr lang="en-GB" dirty="0"/>
+              <a:t>Subclasses should redefine only certain parts of a behavior without changing the other parts.</a:t>
+            </a:r>
+          </a:p>
+          <a:p>
+            <a:endParaRPr lang="en-GB" dirty="0"/>
+          </a:p>
+          <a:p>
+            <a:r>
+              <a:rPr lang="en-GB" dirty="0"/>
+              <a:t>What solution does the Template Method design pattern describe?</a:t>
+            </a:r>
+          </a:p>
+          <a:p>
+            <a:pPr lvl="1"/>
+            <a:r>
+              <a:rPr lang="en-GB" dirty="0"/>
+              <a:t>Define abstract operations (primitives) for the variant parts of a behavior.</a:t>
+            </a:r>
+          </a:p>
+          <a:p>
+            <a:pPr marL="457200" lvl="1" indent="0">
+              <a:buNone/>
+            </a:pPr>
+            <a:r>
+              <a:rPr lang="en-GB"/>
+              <a:t>    Define </a:t>
+            </a:r>
+            <a:r>
+              <a:rPr lang="en-GB" dirty="0"/>
+              <a:t>a template method that</a:t>
+            </a:r>
+          </a:p>
+          <a:p>
+            <a:pPr lvl="1"/>
+            <a:r>
+              <a:rPr lang="en-GB" dirty="0"/>
+              <a:t>implements the invariant parts of a behavior and</a:t>
+            </a:r>
+          </a:p>
+          <a:p>
+            <a:pPr lvl="1"/>
+            <a:r>
+              <a:rPr lang="en-GB" dirty="0"/>
+              <a:t>calls abstract operations (primitives) that subclasses implement.</a:t>
+            </a:r>
+          </a:p>
+        </p:txBody>
+      </p:sp>
+    </p:spTree>
+    <p:extLst>
+      <p:ext uri="{BB962C8B-B14F-4D97-AF65-F5344CB8AC3E}">
+        <p14:creationId xmlns:p14="http://schemas.microsoft.com/office/powerpoint/2010/main" val="52703705"/>
+      </p:ext>
+    </p:extLst>
+  </p:cSld>
+  <p:clrMapOvr>
+    <a:masterClrMapping/>
+  </p:clrMapOvr>
+</p:sld>
+</file>
+
+<file path=ppt/slides/slide85.xml><?xml version="1.0" encoding="utf-8"?>
+<p:sld xmlns:a="http://schemas.openxmlformats.org/drawingml/2006/main" xmlns:r="http://schemas.openxmlformats.org/officeDocument/2006/relationships" xmlns:p="http://schemas.openxmlformats.org/presentationml/2006/main">
+  <p:cSld>
+    <p:bg>
+      <p:bgPr>
+        <a:gradFill>
+          <a:gsLst>
+            <a:gs pos="0">
+              <a:schemeClr val="accent4">
+                <a:lumMod val="20000"/>
+                <a:lumOff val="80000"/>
+              </a:schemeClr>
+            </a:gs>
+            <a:gs pos="74000">
+              <a:schemeClr val="accent1">
+                <a:lumMod val="45000"/>
+                <a:lumOff val="55000"/>
+              </a:schemeClr>
+            </a:gs>
+            <a:gs pos="83000">
+              <a:schemeClr val="accent1">
+                <a:lumMod val="45000"/>
+                <a:lumOff val="55000"/>
+              </a:schemeClr>
+            </a:gs>
+            <a:gs pos="100000">
+              <a:schemeClr val="accent1">
+                <a:lumMod val="30000"/>
+                <a:lumOff val="70000"/>
+              </a:schemeClr>
+            </a:gs>
+          </a:gsLst>
+          <a:lin ang="5400000" scaled="1"/>
+        </a:gradFill>
+        <a:effectLst/>
+      </p:bgPr>
+    </p:bg>
+    <p:spTree>
+      <p:nvGrpSpPr>
+        <p:cNvPr id="1" name=""/>
+        <p:cNvGrpSpPr/>
+        <p:nvPr/>
+      </p:nvGrpSpPr>
+      <p:grpSpPr>
+        <a:xfrm>
+          <a:off x="0" y="0"/>
+          <a:ext cx="0" cy="0"/>
+          <a:chOff x="0" y="0"/>
+          <a:chExt cx="0" cy="0"/>
+        </a:xfrm>
+      </p:grpSpPr>
+      <p:sp>
+        <p:nvSpPr>
+          <p:cNvPr id="2" name="Title 1"/>
+          <p:cNvSpPr>
+            <a:spLocks noGrp="1"/>
+          </p:cNvSpPr>
+          <p:nvPr>
+            <p:ph type="title"/>
+          </p:nvPr>
+        </p:nvSpPr>
+        <p:spPr/>
+        <p:txBody>
+          <a:bodyPr/>
+          <a:lstStyle/>
+          <a:p>
+            <a:r>
+              <a:rPr lang="en-GB" b="1" dirty="0">
+                <a:solidFill>
+                  <a:srgbClr val="FF0000"/>
+                </a:solidFill>
+              </a:rPr>
+              <a:t>Template Method</a:t>
+            </a:r>
+          </a:p>
+        </p:txBody>
+      </p:sp>
+      <p:sp>
+        <p:nvSpPr>
+          <p:cNvPr id="3" name="Content Placeholder 2"/>
+          <p:cNvSpPr>
+            <a:spLocks noGrp="1"/>
+          </p:cNvSpPr>
+          <p:nvPr>
+            <p:ph idx="1"/>
+          </p:nvPr>
+        </p:nvSpPr>
+        <p:spPr/>
+        <p:txBody>
+          <a:bodyPr>
+            <a:normAutofit/>
+          </a:bodyPr>
+          <a:lstStyle/>
+          <a:p>
+            <a:r>
+              <a:rPr lang="en-GB" dirty="0"/>
+              <a:t>C</a:t>
+            </a:r>
+            <a:r>
+              <a:rPr lang="en-US" dirty="0"/>
+              <a:t>an you think out a scenario to use </a:t>
+            </a:r>
+            <a:r>
+              <a:rPr lang="en-GB" dirty="0"/>
+              <a:t>template method</a:t>
+            </a:r>
+            <a:r>
+              <a:rPr lang="en-US" dirty="0"/>
+              <a:t> pattern in your previous coding task</a:t>
+            </a:r>
+            <a:r>
+              <a:rPr lang="en-US" altLang="zh-CN" dirty="0"/>
+              <a:t>?</a:t>
+            </a:r>
+          </a:p>
+        </p:txBody>
+      </p:sp>
+      <p:sp>
+        <p:nvSpPr>
+          <p:cNvPr id="5" name="Slide Number Placeholder 4"/>
+          <p:cNvSpPr>
+            <a:spLocks noGrp="1"/>
+          </p:cNvSpPr>
+          <p:nvPr>
+            <p:ph type="sldNum" sz="quarter" idx="12"/>
+          </p:nvPr>
+        </p:nvSpPr>
+        <p:spPr/>
+        <p:txBody>
+          <a:bodyPr/>
+          <a:lstStyle/>
+          <a:p>
+            <a:fld id="{AD0626D4-4E0B-403F-918B-E82125F5E912}" type="slidenum">
+              <a:rPr lang="en-GB" smtClean="0"/>
+              <a:t>85</a:t>
+            </a:fld>
+            <a:endParaRPr lang="en-GB" dirty="0"/>
+          </a:p>
+        </p:txBody>
+      </p:sp>
+    </p:spTree>
+    <p:extLst>
+      <p:ext uri="{BB962C8B-B14F-4D97-AF65-F5344CB8AC3E}">
+        <p14:creationId xmlns:p14="http://schemas.microsoft.com/office/powerpoint/2010/main" val="4248310202"/>
+      </p:ext>
+    </p:extLst>
+  </p:cSld>
+  <p:clrMapOvr>
+    <a:masterClrMapping/>
+  </p:clrMapOvr>
+</p:sld>
+</file>
+
+<file path=ppt/slides/slide86.xml><?xml version="1.0" encoding="utf-8"?>
 <p:sld xmlns:a="http://schemas.openxmlformats.org/drawingml/2006/main" xmlns:r="http://schemas.openxmlformats.org/officeDocument/2006/relationships" xmlns:p="http://schemas.openxmlformats.org/presentationml/2006/main">
   <p:cSld>
     <p:spTree>
@@ -15138,7 +17166,7 @@
           <a:p>
             <a:fld id="{AD0626D4-4E0B-403F-918B-E82125F5E912}" type="slidenum">
               <a:rPr lang="en-GB" smtClean="0"/>
-              <a:t>75</a:t>
+              <a:t>86</a:t>
             </a:fld>
             <a:endParaRPr lang="en-GB" dirty="0"/>
           </a:p>
@@ -15172,170 +17200,6 @@
     <p:extLst>
       <p:ext uri="{BB962C8B-B14F-4D97-AF65-F5344CB8AC3E}">
         <p14:creationId xmlns:p14="http://schemas.microsoft.com/office/powerpoint/2010/main" val="1216053560"/>
-      </p:ext>
-    </p:extLst>
-  </p:cSld>
-  <p:clrMapOvr>
-    <a:masterClrMapping/>
-  </p:clrMapOvr>
-</p:sld>
-</file>
-
-<file path=ppt/slides/slide8.xml><?xml version="1.0" encoding="utf-8"?>
-<p:sld xmlns:a="http://schemas.openxmlformats.org/drawingml/2006/main" xmlns:r="http://schemas.openxmlformats.org/officeDocument/2006/relationships" xmlns:p="http://schemas.openxmlformats.org/presentationml/2006/main">
-  <p:cSld>
-    <p:bg>
-      <p:bgPr>
-        <a:gradFill>
-          <a:gsLst>
-            <a:gs pos="0">
-              <a:schemeClr val="accent1">
-                <a:lumMod val="5000"/>
-                <a:lumOff val="95000"/>
-              </a:schemeClr>
-            </a:gs>
-            <a:gs pos="74000">
-              <a:schemeClr val="accent1">
-                <a:lumMod val="45000"/>
-                <a:lumOff val="55000"/>
-              </a:schemeClr>
-            </a:gs>
-            <a:gs pos="83000">
-              <a:schemeClr val="accent1">
-                <a:lumMod val="45000"/>
-                <a:lumOff val="55000"/>
-              </a:schemeClr>
-            </a:gs>
-            <a:gs pos="100000">
-              <a:schemeClr val="accent1">
-                <a:lumMod val="30000"/>
-                <a:lumOff val="70000"/>
-              </a:schemeClr>
-            </a:gs>
-          </a:gsLst>
-          <a:lin ang="5400000" scaled="1"/>
-        </a:gradFill>
-        <a:effectLst/>
-      </p:bgPr>
-    </p:bg>
-    <p:spTree>
-      <p:nvGrpSpPr>
-        <p:cNvPr id="1" name=""/>
-        <p:cNvGrpSpPr/>
-        <p:nvPr/>
-      </p:nvGrpSpPr>
-      <p:grpSpPr>
-        <a:xfrm>
-          <a:off x="0" y="0"/>
-          <a:ext cx="0" cy="0"/>
-          <a:chOff x="0" y="0"/>
-          <a:chExt cx="0" cy="0"/>
-        </a:xfrm>
-      </p:grpSpPr>
-      <p:sp>
-        <p:nvSpPr>
-          <p:cNvPr id="2" name="Title 1"/>
-          <p:cNvSpPr>
-            <a:spLocks noGrp="1"/>
-          </p:cNvSpPr>
-          <p:nvPr>
-            <p:ph type="title"/>
-          </p:nvPr>
-        </p:nvSpPr>
-        <p:spPr/>
-        <p:txBody>
-          <a:bodyPr/>
-          <a:lstStyle/>
-          <a:p>
-            <a:r>
-              <a:rPr lang="en-US" b="1" dirty="0">
-                <a:solidFill>
-                  <a:srgbClr val="FF0000"/>
-                </a:solidFill>
-              </a:rPr>
-              <a:t>Abstract Factory</a:t>
-            </a:r>
-            <a:endParaRPr lang="en-GB" b="1" dirty="0">
-              <a:solidFill>
-                <a:srgbClr val="FF0000"/>
-              </a:solidFill>
-            </a:endParaRPr>
-          </a:p>
-        </p:txBody>
-      </p:sp>
-      <p:sp>
-        <p:nvSpPr>
-          <p:cNvPr id="3" name="Content Placeholder 2"/>
-          <p:cNvSpPr>
-            <a:spLocks noGrp="1"/>
-          </p:cNvSpPr>
-          <p:nvPr>
-            <p:ph idx="1"/>
-          </p:nvPr>
-        </p:nvSpPr>
-        <p:spPr/>
-        <p:txBody>
-          <a:bodyPr/>
-          <a:lstStyle/>
-          <a:p>
-            <a:r>
-              <a:rPr lang="en-GB" dirty="0"/>
-              <a:t>Abstract Factory pattern provides an interface for creating families of related or dependent objects without specifying their concrete classes.</a:t>
-            </a:r>
-          </a:p>
-        </p:txBody>
-      </p:sp>
-      <p:pic>
-        <p:nvPicPr>
-          <p:cNvPr id="4" name="Picture 3"/>
-          <p:cNvPicPr>
-            <a:picLocks noChangeAspect="1"/>
-          </p:cNvPicPr>
-          <p:nvPr/>
-        </p:nvPicPr>
-        <p:blipFill>
-          <a:blip r:embed="rId2"/>
-          <a:stretch>
-            <a:fillRect/>
-          </a:stretch>
-        </p:blipFill>
-        <p:spPr>
-          <a:xfrm>
-            <a:off x="3294821" y="2722249"/>
-            <a:ext cx="8058979" cy="3589651"/>
-          </a:xfrm>
-          <a:prstGeom prst="rect">
-            <a:avLst/>
-          </a:prstGeom>
-        </p:spPr>
-      </p:pic>
-      <p:sp>
-        <p:nvSpPr>
-          <p:cNvPr id="5" name="Slide Number Placeholder 4"/>
-          <p:cNvSpPr>
-            <a:spLocks noGrp="1"/>
-          </p:cNvSpPr>
-          <p:nvPr>
-            <p:ph type="sldNum" sz="quarter" idx="12"/>
-          </p:nvPr>
-        </p:nvSpPr>
-        <p:spPr/>
-        <p:txBody>
-          <a:bodyPr/>
-          <a:lstStyle/>
-          <a:p>
-            <a:fld id="{AD0626D4-4E0B-403F-918B-E82125F5E912}" type="slidenum">
-              <a:rPr lang="en-GB" smtClean="0"/>
-              <a:t>8</a:t>
-            </a:fld>
-            <a:endParaRPr lang="en-GB" dirty="0"/>
-          </a:p>
-        </p:txBody>
-      </p:sp>
-    </p:spTree>
-    <p:extLst>
-      <p:ext uri="{BB962C8B-B14F-4D97-AF65-F5344CB8AC3E}">
-        <p14:creationId xmlns:p14="http://schemas.microsoft.com/office/powerpoint/2010/main" val="861589813"/>
       </p:ext>
     </p:extLst>
   </p:cSld>

--- a/ppt/Design Patterns.pptx
+++ b/ppt/Design Patterns.pptx
@@ -5,7 +5,7 @@
     <p:sldMasterId id="2147483648" r:id="rId1"/>
   </p:sldMasterIdLst>
   <p:notesMasterIdLst>
-    <p:notesMasterId r:id="rId102"/>
+    <p:notesMasterId r:id="rId106"/>
   </p:notesMasterIdLst>
   <p:sldIdLst>
     <p:sldId id="256" r:id="rId2"/>
@@ -108,6 +108,10 @@
     <p:sldId id="349" r:id="rId99"/>
     <p:sldId id="351" r:id="rId100"/>
     <p:sldId id="350" r:id="rId101"/>
+    <p:sldId id="359" r:id="rId102"/>
+    <p:sldId id="360" r:id="rId103"/>
+    <p:sldId id="361" r:id="rId104"/>
+    <p:sldId id="362" r:id="rId105"/>
   </p:sldIdLst>
   <p:sldSz cx="12192000" cy="6858000"/>
   <p:notesSz cx="6858000" cy="9144000"/>
@@ -208,7 +212,18 @@
   </p:defaultTextStyle>
   <p:extLst>
     <p:ext uri="{EFAFB233-063F-42B5-8137-9DF3F51BA10A}">
-      <p15:sldGuideLst xmlns:p15="http://schemas.microsoft.com/office/powerpoint/2012/main" xmlns=""/>
+      <p15:sldGuideLst xmlns:p15="http://schemas.microsoft.com/office/powerpoint/2012/main">
+        <p15:guide id="1" orient="horz" pos="2160">
+          <p15:clr>
+            <a:srgbClr val="A4A3A4"/>
+          </p15:clr>
+        </p15:guide>
+        <p15:guide id="2" pos="3840">
+          <p15:clr>
+            <a:srgbClr val="A4A3A4"/>
+          </p15:clr>
+        </p15:guide>
+      </p15:sldGuideLst>
     </p:ext>
   </p:extLst>
 </p:presentation>
@@ -297,7 +312,7 @@
             <a:fld id="{731F1C48-79F5-4BAD-8B53-D4AFE2610AD0}" type="datetimeFigureOut">
               <a:rPr lang="en-GB" smtClean="0"/>
               <a:pPr/>
-              <a:t>11/03/2018</a:t>
+              <a:t>12/03/2018</a:t>
             </a:fld>
             <a:endParaRPr lang="en-GB"/>
           </a:p>
@@ -466,7 +481,7 @@
     </p:spTree>
     <p:extLst>
       <p:ext uri="{BB962C8B-B14F-4D97-AF65-F5344CB8AC3E}">
-        <p14:creationId xmlns:p14="http://schemas.microsoft.com/office/powerpoint/2010/main" xmlns="" val="3533634918"/>
+        <p14:creationId xmlns:p14="http://schemas.microsoft.com/office/powerpoint/2010/main" val="3533634918"/>
       </p:ext>
     </p:extLst>
   </p:cSld>
@@ -698,7 +713,7 @@
             <a:fld id="{87E6C9CD-7379-441C-A6A8-29C9B7334156}" type="datetime1">
               <a:rPr lang="en-GB" smtClean="0"/>
               <a:pPr/>
-              <a:t>11/03/2018</a:t>
+              <a:t>12/03/2018</a:t>
             </a:fld>
             <a:endParaRPr lang="en-GB"/>
           </a:p>
@@ -750,7 +765,7 @@
     </p:spTree>
     <p:extLst>
       <p:ext uri="{BB962C8B-B14F-4D97-AF65-F5344CB8AC3E}">
-        <p14:creationId xmlns:p14="http://schemas.microsoft.com/office/powerpoint/2010/main" xmlns="" val="2539530457"/>
+        <p14:creationId xmlns:p14="http://schemas.microsoft.com/office/powerpoint/2010/main" val="2539530457"/>
       </p:ext>
     </p:extLst>
   </p:cSld>
@@ -870,7 +885,7 @@
             <a:fld id="{D60197C0-B356-47C3-9791-41E3470C4812}" type="datetime1">
               <a:rPr lang="en-GB" smtClean="0"/>
               <a:pPr/>
-              <a:t>11/03/2018</a:t>
+              <a:t>12/03/2018</a:t>
             </a:fld>
             <a:endParaRPr lang="en-GB"/>
           </a:p>
@@ -922,7 +937,7 @@
     </p:spTree>
     <p:extLst>
       <p:ext uri="{BB962C8B-B14F-4D97-AF65-F5344CB8AC3E}">
-        <p14:creationId xmlns:p14="http://schemas.microsoft.com/office/powerpoint/2010/main" xmlns="" val="1994550386"/>
+        <p14:creationId xmlns:p14="http://schemas.microsoft.com/office/powerpoint/2010/main" val="1994550386"/>
       </p:ext>
     </p:extLst>
   </p:cSld>
@@ -1052,7 +1067,7 @@
             <a:fld id="{A1CCBD52-4404-4679-AD0E-5B1A181093B3}" type="datetime1">
               <a:rPr lang="en-GB" smtClean="0"/>
               <a:pPr/>
-              <a:t>11/03/2018</a:t>
+              <a:t>12/03/2018</a:t>
             </a:fld>
             <a:endParaRPr lang="en-GB"/>
           </a:p>
@@ -1104,7 +1119,7 @@
     </p:spTree>
     <p:extLst>
       <p:ext uri="{BB962C8B-B14F-4D97-AF65-F5344CB8AC3E}">
-        <p14:creationId xmlns:p14="http://schemas.microsoft.com/office/powerpoint/2010/main" xmlns="" val="1662345149"/>
+        <p14:creationId xmlns:p14="http://schemas.microsoft.com/office/powerpoint/2010/main" val="1662345149"/>
       </p:ext>
     </p:extLst>
   </p:cSld>
@@ -1224,7 +1239,7 @@
             <a:fld id="{99CAAF4C-DA43-4B0B-B89D-B6BA7DD681AB}" type="datetime1">
               <a:rPr lang="en-GB" smtClean="0"/>
               <a:pPr/>
-              <a:t>11/03/2018</a:t>
+              <a:t>12/03/2018</a:t>
             </a:fld>
             <a:endParaRPr lang="en-GB"/>
           </a:p>
@@ -1276,7 +1291,7 @@
     </p:spTree>
     <p:extLst>
       <p:ext uri="{BB962C8B-B14F-4D97-AF65-F5344CB8AC3E}">
-        <p14:creationId xmlns:p14="http://schemas.microsoft.com/office/powerpoint/2010/main" xmlns="" val="2564167233"/>
+        <p14:creationId xmlns:p14="http://schemas.microsoft.com/office/powerpoint/2010/main" val="2564167233"/>
       </p:ext>
     </p:extLst>
   </p:cSld>
@@ -1472,7 +1487,7 @@
             <a:fld id="{108F6306-0CCA-4980-82C6-D3068F6305C7}" type="datetime1">
               <a:rPr lang="en-GB" smtClean="0"/>
               <a:pPr/>
-              <a:t>11/03/2018</a:t>
+              <a:t>12/03/2018</a:t>
             </a:fld>
             <a:endParaRPr lang="en-GB"/>
           </a:p>
@@ -1524,7 +1539,7 @@
     </p:spTree>
     <p:extLst>
       <p:ext uri="{BB962C8B-B14F-4D97-AF65-F5344CB8AC3E}">
-        <p14:creationId xmlns:p14="http://schemas.microsoft.com/office/powerpoint/2010/main" xmlns="" val="591460599"/>
+        <p14:creationId xmlns:p14="http://schemas.microsoft.com/office/powerpoint/2010/main" val="591460599"/>
       </p:ext>
     </p:extLst>
   </p:cSld>
@@ -1706,7 +1721,7 @@
             <a:fld id="{33696CE2-01E0-4DF1-A106-95799929B187}" type="datetime1">
               <a:rPr lang="en-GB" smtClean="0"/>
               <a:pPr/>
-              <a:t>11/03/2018</a:t>
+              <a:t>12/03/2018</a:t>
             </a:fld>
             <a:endParaRPr lang="en-GB"/>
           </a:p>
@@ -1758,7 +1773,7 @@
     </p:spTree>
     <p:extLst>
       <p:ext uri="{BB962C8B-B14F-4D97-AF65-F5344CB8AC3E}">
-        <p14:creationId xmlns:p14="http://schemas.microsoft.com/office/powerpoint/2010/main" xmlns="" val="3314429956"/>
+        <p14:creationId xmlns:p14="http://schemas.microsoft.com/office/powerpoint/2010/main" val="3314429956"/>
       </p:ext>
     </p:extLst>
   </p:cSld>
@@ -2075,7 +2090,7 @@
             <a:fld id="{A2090FD3-D285-4179-92BD-591F158C5418}" type="datetime1">
               <a:rPr lang="en-GB" smtClean="0"/>
               <a:pPr/>
-              <a:t>11/03/2018</a:t>
+              <a:t>12/03/2018</a:t>
             </a:fld>
             <a:endParaRPr lang="en-GB"/>
           </a:p>
@@ -2127,7 +2142,7 @@
     </p:spTree>
     <p:extLst>
       <p:ext uri="{BB962C8B-B14F-4D97-AF65-F5344CB8AC3E}">
-        <p14:creationId xmlns:p14="http://schemas.microsoft.com/office/powerpoint/2010/main" xmlns="" val="68490092"/>
+        <p14:creationId xmlns:p14="http://schemas.microsoft.com/office/powerpoint/2010/main" val="68490092"/>
       </p:ext>
     </p:extLst>
   </p:cSld>
@@ -2195,7 +2210,7 @@
             <a:fld id="{544E45B7-A622-4222-A80E-196BC8CCA7F7}" type="datetime1">
               <a:rPr lang="en-GB" smtClean="0"/>
               <a:pPr/>
-              <a:t>11/03/2018</a:t>
+              <a:t>12/03/2018</a:t>
             </a:fld>
             <a:endParaRPr lang="en-GB"/>
           </a:p>
@@ -2247,7 +2262,7 @@
     </p:spTree>
     <p:extLst>
       <p:ext uri="{BB962C8B-B14F-4D97-AF65-F5344CB8AC3E}">
-        <p14:creationId xmlns:p14="http://schemas.microsoft.com/office/powerpoint/2010/main" xmlns="" val="3751603015"/>
+        <p14:creationId xmlns:p14="http://schemas.microsoft.com/office/powerpoint/2010/main" val="3751603015"/>
       </p:ext>
     </p:extLst>
   </p:cSld>
@@ -2292,7 +2307,7 @@
             <a:fld id="{F8B7BAF0-324E-4D1E-AA07-C2DCEDCFE6FC}" type="datetime1">
               <a:rPr lang="en-GB" smtClean="0"/>
               <a:pPr/>
-              <a:t>11/03/2018</a:t>
+              <a:t>12/03/2018</a:t>
             </a:fld>
             <a:endParaRPr lang="en-GB"/>
           </a:p>
@@ -2344,7 +2359,7 @@
     </p:spTree>
     <p:extLst>
       <p:ext uri="{BB962C8B-B14F-4D97-AF65-F5344CB8AC3E}">
-        <p14:creationId xmlns:p14="http://schemas.microsoft.com/office/powerpoint/2010/main" xmlns="" val="2048243216"/>
+        <p14:creationId xmlns:p14="http://schemas.microsoft.com/office/powerpoint/2010/main" val="2048243216"/>
       </p:ext>
     </p:extLst>
   </p:cSld>
@@ -2571,7 +2586,7 @@
             <a:fld id="{92B207E2-AE5D-4291-9605-29BA914D2E47}" type="datetime1">
               <a:rPr lang="en-GB" smtClean="0"/>
               <a:pPr/>
-              <a:t>11/03/2018</a:t>
+              <a:t>12/03/2018</a:t>
             </a:fld>
             <a:endParaRPr lang="en-GB"/>
           </a:p>
@@ -2623,7 +2638,7 @@
     </p:spTree>
     <p:extLst>
       <p:ext uri="{BB962C8B-B14F-4D97-AF65-F5344CB8AC3E}">
-        <p14:creationId xmlns:p14="http://schemas.microsoft.com/office/powerpoint/2010/main" xmlns="" val="2845267197"/>
+        <p14:creationId xmlns:p14="http://schemas.microsoft.com/office/powerpoint/2010/main" val="2845267197"/>
       </p:ext>
     </p:extLst>
   </p:cSld>
@@ -2826,7 +2841,7 @@
             <a:fld id="{F0477EFB-93AB-4F72-AA71-BF558E1492A4}" type="datetime1">
               <a:rPr lang="en-GB" smtClean="0"/>
               <a:pPr/>
-              <a:t>11/03/2018</a:t>
+              <a:t>12/03/2018</a:t>
             </a:fld>
             <a:endParaRPr lang="en-GB"/>
           </a:p>
@@ -2878,7 +2893,7 @@
     </p:spTree>
     <p:extLst>
       <p:ext uri="{BB962C8B-B14F-4D97-AF65-F5344CB8AC3E}">
-        <p14:creationId xmlns:p14="http://schemas.microsoft.com/office/powerpoint/2010/main" xmlns="" val="1731599073"/>
+        <p14:creationId xmlns:p14="http://schemas.microsoft.com/office/powerpoint/2010/main" val="1731599073"/>
       </p:ext>
     </p:extLst>
   </p:cSld>
@@ -3041,7 +3056,7 @@
             <a:fld id="{4348BB12-A9A3-46E3-AA03-D86BBABF0BA4}" type="datetime1">
               <a:rPr lang="en-GB" smtClean="0"/>
               <a:pPr/>
-              <a:t>11/03/2018</a:t>
+              <a:t>12/03/2018</a:t>
             </a:fld>
             <a:endParaRPr lang="en-GB"/>
           </a:p>
@@ -3129,7 +3144,7 @@
     </p:spTree>
     <p:extLst>
       <p:ext uri="{BB962C8B-B14F-4D97-AF65-F5344CB8AC3E}">
-        <p14:creationId xmlns:p14="http://schemas.microsoft.com/office/powerpoint/2010/main" xmlns="" val="3223456879"/>
+        <p14:creationId xmlns:p14="http://schemas.microsoft.com/office/powerpoint/2010/main" val="3223456879"/>
       </p:ext>
     </p:extLst>
   </p:cSld>
@@ -3473,7 +3488,7 @@
           <a:lstStyle/>
           <a:p>
             <a:r>
-              <a:rPr lang="en-US" dirty="0" smtClean="0"/>
+              <a:rPr lang="en-US" dirty="0"/>
               <a:t>Software Design Principles</a:t>
             </a:r>
             <a:endParaRPr lang="en-GB" dirty="0"/>
@@ -3496,21 +3511,21 @@
           <a:lstStyle/>
           <a:p>
             <a:r>
-              <a:rPr lang="en-US" smtClean="0"/>
+              <a:rPr lang="en-US"/>
               <a:t>Ken Ye</a:t>
             </a:r>
           </a:p>
           <a:p>
-            <a:endParaRPr lang="en-US" dirty="0" smtClean="0"/>
-          </a:p>
-          <a:p>
-            <a:r>
-              <a:rPr lang="en-US" u="sng" dirty="0" smtClean="0">
+            <a:endParaRPr lang="en-US" dirty="0"/>
+          </a:p>
+          <a:p>
+            <a:r>
+              <a:rPr lang="en-US" u="sng" dirty="0">
                 <a:hlinkClick r:id="rId3"/>
               </a:rPr>
               <a:t>https://github.com/rainyheart/bjc-protoss-design_patten-demo.git</a:t>
             </a:r>
-            <a:endParaRPr lang="en-US" u="sng" dirty="0" smtClean="0"/>
+            <a:endParaRPr lang="en-US" u="sng" dirty="0"/>
           </a:p>
         </p:txBody>
       </p:sp>
@@ -3541,7 +3556,7 @@
     </p:spTree>
     <p:extLst>
       <p:ext uri="{BB962C8B-B14F-4D97-AF65-F5344CB8AC3E}">
-        <p14:creationId xmlns:p14="http://schemas.microsoft.com/office/powerpoint/2010/main" xmlns="" val="1223645285"/>
+        <p14:creationId xmlns:p14="http://schemas.microsoft.com/office/powerpoint/2010/main" val="1223645285"/>
       </p:ext>
     </p:extLst>
   </p:cSld>
@@ -3706,7 +3721,7 @@
     </p:spTree>
     <p:extLst>
       <p:ext uri="{BB962C8B-B14F-4D97-AF65-F5344CB8AC3E}">
-        <p14:creationId xmlns:p14="http://schemas.microsoft.com/office/powerpoint/2010/main" xmlns="" val="2072142124"/>
+        <p14:creationId xmlns:p14="http://schemas.microsoft.com/office/powerpoint/2010/main" val="2072142124"/>
       </p:ext>
     </p:extLst>
   </p:cSld>
@@ -3777,13 +3792,18 @@
             <p:ph type="title"/>
           </p:nvPr>
         </p:nvSpPr>
-        <p:spPr/>
-        <p:txBody>
-          <a:bodyPr/>
-          <a:lstStyle/>
-          <a:p>
-            <a:r>
-              <a:rPr lang="en-GB" b="1" dirty="0" smtClean="0">
+        <p:spPr>
+          <a:xfrm>
+            <a:off x="838200" y="365125"/>
+            <a:ext cx="10515600" cy="1325563"/>
+          </a:xfrm>
+        </p:spPr>
+        <p:txBody>
+          <a:bodyPr/>
+          <a:lstStyle/>
+          <a:p>
+            <a:r>
+              <a:rPr lang="en-GB" b="1">
                 <a:solidFill>
                   <a:srgbClr val="FF0000"/>
                 </a:solidFill>
@@ -3808,7 +3828,12 @@
             <p:ph idx="1"/>
           </p:nvPr>
         </p:nvSpPr>
-        <p:spPr/>
+        <p:spPr>
+          <a:xfrm>
+            <a:off x="838200" y="1825625"/>
+            <a:ext cx="10515600" cy="4351338"/>
+          </a:xfrm>
+        </p:spPr>
         <p:txBody>
           <a:bodyPr>
             <a:normAutofit/>
@@ -3816,29 +3841,26 @@
           <a:lstStyle/>
           <a:p>
             <a:r>
-              <a:rPr lang="en-GB" dirty="0"/>
+              <a:rPr lang="en-GB"/>
               <a:t>C</a:t>
             </a:r>
             <a:r>
-              <a:rPr lang="en-US" dirty="0"/>
+              <a:rPr lang="en-US"/>
               <a:t>an you think out a scenario to use </a:t>
             </a:r>
             <a:r>
-              <a:rPr lang="en-GB" dirty="0" smtClean="0"/>
+              <a:rPr lang="en-GB"/>
               <a:t>visitor</a:t>
             </a:r>
             <a:r>
-              <a:rPr lang="en-US" dirty="0" smtClean="0"/>
-              <a:t> </a:t>
-            </a:r>
-            <a:r>
-              <a:rPr lang="en-US" dirty="0"/>
-              <a:t>pattern in your previous coding task</a:t>
-            </a:r>
-            <a:r>
-              <a:rPr lang="en-US" altLang="zh-CN" dirty="0"/>
+              <a:rPr lang="en-US"/>
+              <a:t> pattern in your previous coding task</a:t>
+            </a:r>
+            <a:r>
+              <a:rPr lang="en-US" altLang="zh-CN"/>
               <a:t>?</a:t>
             </a:r>
+            <a:endParaRPr lang="en-US" altLang="zh-CN" dirty="0"/>
           </a:p>
         </p:txBody>
       </p:sp>
@@ -3852,7 +3874,12 @@
             <p:ph type="sldNum" sz="quarter" idx="12"/>
           </p:nvPr>
         </p:nvSpPr>
-        <p:spPr/>
+        <p:spPr>
+          <a:xfrm>
+            <a:off x="8610600" y="6356350"/>
+            <a:ext cx="2743200" cy="365125"/>
+          </a:xfrm>
+        </p:spPr>
         <p:txBody>
           <a:bodyPr/>
           <a:lstStyle/>
@@ -3869,7 +3896,696 @@
     </p:spTree>
     <p:extLst>
       <p:ext uri="{BB962C8B-B14F-4D97-AF65-F5344CB8AC3E}">
-        <p14:creationId xmlns:p14="http://schemas.microsoft.com/office/powerpoint/2010/main" xmlns="" val="4248310202"/>
+        <p14:creationId xmlns:p14="http://schemas.microsoft.com/office/powerpoint/2010/main" val="4248310202"/>
+      </p:ext>
+    </p:extLst>
+  </p:cSld>
+  <p:clrMapOvr>
+    <a:masterClrMapping/>
+  </p:clrMapOvr>
+</p:sld>
+</file>
+
+<file path=ppt/slides/slide101.xml><?xml version="1.0" encoding="utf-8"?>
+<p:sld xmlns:a="http://schemas.openxmlformats.org/drawingml/2006/main" xmlns:r="http://schemas.openxmlformats.org/officeDocument/2006/relationships" xmlns:p="http://schemas.openxmlformats.org/presentationml/2006/main">
+  <p:cSld>
+    <p:bg>
+      <p:bgPr>
+        <a:gradFill>
+          <a:gsLst>
+            <a:gs pos="0">
+              <a:srgbClr val="92D050"/>
+            </a:gs>
+            <a:gs pos="74000">
+              <a:schemeClr val="accent1">
+                <a:lumMod val="45000"/>
+                <a:lumOff val="55000"/>
+              </a:schemeClr>
+            </a:gs>
+            <a:gs pos="83000">
+              <a:schemeClr val="accent1">
+                <a:lumMod val="45000"/>
+                <a:lumOff val="55000"/>
+              </a:schemeClr>
+            </a:gs>
+            <a:gs pos="100000">
+              <a:schemeClr val="accent1">
+                <a:lumMod val="30000"/>
+                <a:lumOff val="70000"/>
+              </a:schemeClr>
+            </a:gs>
+          </a:gsLst>
+          <a:lin ang="5400000" scaled="1"/>
+        </a:gradFill>
+        <a:effectLst/>
+      </p:bgPr>
+    </p:bg>
+    <p:spTree>
+      <p:nvGrpSpPr>
+        <p:cNvPr id="1" name=""/>
+        <p:cNvGrpSpPr/>
+        <p:nvPr/>
+      </p:nvGrpSpPr>
+      <p:grpSpPr>
+        <a:xfrm>
+          <a:off x="0" y="0"/>
+          <a:ext cx="0" cy="0"/>
+          <a:chOff x="0" y="0"/>
+          <a:chExt cx="0" cy="0"/>
+        </a:xfrm>
+      </p:grpSpPr>
+      <p:sp>
+        <p:nvSpPr>
+          <p:cNvPr id="2" name="Title 1"/>
+          <p:cNvSpPr>
+            <a:spLocks noGrp="1"/>
+          </p:cNvSpPr>
+          <p:nvPr>
+            <p:ph type="title"/>
+          </p:nvPr>
+        </p:nvSpPr>
+        <p:spPr/>
+        <p:txBody>
+          <a:bodyPr/>
+          <a:lstStyle/>
+          <a:p>
+            <a:r>
+              <a:rPr lang="en-GB" b="1" dirty="0">
+                <a:solidFill>
+                  <a:srgbClr val="FF0000"/>
+                </a:solidFill>
+              </a:rPr>
+              <a:t>When should you use design pattern?</a:t>
+            </a:r>
+          </a:p>
+        </p:txBody>
+      </p:sp>
+      <p:sp>
+        <p:nvSpPr>
+          <p:cNvPr id="3" name="Content Placeholder 2"/>
+          <p:cNvSpPr>
+            <a:spLocks noGrp="1"/>
+          </p:cNvSpPr>
+          <p:nvPr>
+            <p:ph idx="1"/>
+          </p:nvPr>
+        </p:nvSpPr>
+        <p:spPr/>
+        <p:txBody>
+          <a:bodyPr>
+            <a:normAutofit/>
+          </a:bodyPr>
+          <a:lstStyle/>
+          <a:p>
+            <a:r>
+              <a:rPr lang="en-US" altLang="zh-CN" dirty="0"/>
+              <a:t>Requirement</a:t>
+            </a:r>
+          </a:p>
+          <a:p>
+            <a:r>
+              <a:rPr lang="en-US" altLang="zh-CN" dirty="0"/>
+              <a:t>Requirement</a:t>
+            </a:r>
+          </a:p>
+          <a:p>
+            <a:r>
+              <a:rPr lang="en-US" altLang="zh-CN" dirty="0"/>
+              <a:t>Requirement</a:t>
+            </a:r>
+          </a:p>
+          <a:p>
+            <a:endParaRPr lang="en-US" altLang="zh-CN" dirty="0"/>
+          </a:p>
+          <a:p>
+            <a:pPr marL="0" indent="0" algn="ctr">
+              <a:buNone/>
+            </a:pPr>
+            <a:r>
+              <a:rPr lang="en-US" altLang="zh-CN" b="1" dirty="0">
+                <a:solidFill>
+                  <a:srgbClr val="FF0000"/>
+                </a:solidFill>
+              </a:rPr>
+              <a:t>Do not use design pattern for design pattern!</a:t>
+            </a:r>
+          </a:p>
+        </p:txBody>
+      </p:sp>
+      <p:sp>
+        <p:nvSpPr>
+          <p:cNvPr id="5" name="Slide Number Placeholder 4"/>
+          <p:cNvSpPr>
+            <a:spLocks noGrp="1"/>
+          </p:cNvSpPr>
+          <p:nvPr>
+            <p:ph type="sldNum" sz="quarter" idx="12"/>
+          </p:nvPr>
+        </p:nvSpPr>
+        <p:spPr/>
+        <p:txBody>
+          <a:bodyPr/>
+          <a:lstStyle/>
+          <a:p>
+            <a:fld id="{AD0626D4-4E0B-403F-918B-E82125F5E912}" type="slidenum">
+              <a:rPr lang="en-GB" smtClean="0"/>
+              <a:pPr/>
+              <a:t>101</a:t>
+            </a:fld>
+            <a:endParaRPr lang="en-GB" dirty="0"/>
+          </a:p>
+        </p:txBody>
+      </p:sp>
+    </p:spTree>
+    <p:extLst>
+      <p:ext uri="{BB962C8B-B14F-4D97-AF65-F5344CB8AC3E}">
+        <p14:creationId xmlns:p14="http://schemas.microsoft.com/office/powerpoint/2010/main" val="4051233929"/>
+      </p:ext>
+    </p:extLst>
+  </p:cSld>
+  <p:clrMapOvr>
+    <a:masterClrMapping/>
+  </p:clrMapOvr>
+</p:sld>
+</file>
+
+<file path=ppt/slides/slide102.xml><?xml version="1.0" encoding="utf-8"?>
+<p:sld xmlns:a="http://schemas.openxmlformats.org/drawingml/2006/main" xmlns:r="http://schemas.openxmlformats.org/officeDocument/2006/relationships" xmlns:p="http://schemas.openxmlformats.org/presentationml/2006/main">
+  <p:cSld>
+    <p:bg>
+      <p:bgPr>
+        <a:gradFill>
+          <a:gsLst>
+            <a:gs pos="0">
+              <a:srgbClr val="92D050"/>
+            </a:gs>
+            <a:gs pos="74000">
+              <a:schemeClr val="accent1">
+                <a:lumMod val="45000"/>
+                <a:lumOff val="55000"/>
+              </a:schemeClr>
+            </a:gs>
+            <a:gs pos="83000">
+              <a:schemeClr val="accent1">
+                <a:lumMod val="45000"/>
+                <a:lumOff val="55000"/>
+              </a:schemeClr>
+            </a:gs>
+            <a:gs pos="100000">
+              <a:schemeClr val="accent1">
+                <a:lumMod val="30000"/>
+                <a:lumOff val="70000"/>
+              </a:schemeClr>
+            </a:gs>
+          </a:gsLst>
+          <a:lin ang="5400000" scaled="1"/>
+        </a:gradFill>
+        <a:effectLst/>
+      </p:bgPr>
+    </p:bg>
+    <p:spTree>
+      <p:nvGrpSpPr>
+        <p:cNvPr id="1" name=""/>
+        <p:cNvGrpSpPr/>
+        <p:nvPr/>
+      </p:nvGrpSpPr>
+      <p:grpSpPr>
+        <a:xfrm>
+          <a:off x="0" y="0"/>
+          <a:ext cx="0" cy="0"/>
+          <a:chOff x="0" y="0"/>
+          <a:chExt cx="0" cy="0"/>
+        </a:xfrm>
+      </p:grpSpPr>
+      <p:sp>
+        <p:nvSpPr>
+          <p:cNvPr id="2" name="Title 1"/>
+          <p:cNvSpPr>
+            <a:spLocks noGrp="1"/>
+          </p:cNvSpPr>
+          <p:nvPr>
+            <p:ph type="title"/>
+          </p:nvPr>
+        </p:nvSpPr>
+        <p:spPr/>
+        <p:txBody>
+          <a:bodyPr/>
+          <a:lstStyle/>
+          <a:p>
+            <a:r>
+              <a:rPr lang="en-GB" b="1" dirty="0">
+                <a:solidFill>
+                  <a:srgbClr val="FF0000"/>
+                </a:solidFill>
+              </a:rPr>
+              <a:t>R</a:t>
+            </a:r>
+            <a:r>
+              <a:rPr lang="en-US" altLang="zh-CN" b="1" dirty="0" err="1">
+                <a:solidFill>
+                  <a:srgbClr val="FF0000"/>
+                </a:solidFill>
+              </a:rPr>
+              <a:t>elax</a:t>
+            </a:r>
+            <a:endParaRPr lang="en-GB" b="1" dirty="0">
+              <a:solidFill>
+                <a:srgbClr val="FF0000"/>
+              </a:solidFill>
+            </a:endParaRPr>
+          </a:p>
+        </p:txBody>
+      </p:sp>
+      <p:sp>
+        <p:nvSpPr>
+          <p:cNvPr id="3" name="Content Placeholder 2"/>
+          <p:cNvSpPr>
+            <a:spLocks noGrp="1"/>
+          </p:cNvSpPr>
+          <p:nvPr>
+            <p:ph idx="1"/>
+          </p:nvPr>
+        </p:nvSpPr>
+        <p:spPr/>
+        <p:txBody>
+          <a:bodyPr>
+            <a:normAutofit/>
+          </a:bodyPr>
+          <a:lstStyle/>
+          <a:p>
+            <a:pPr marL="0" indent="0">
+              <a:buNone/>
+            </a:pPr>
+            <a:r>
+              <a:rPr lang="en-US" altLang="zh-CN" b="1" dirty="0">
+                <a:solidFill>
+                  <a:srgbClr val="FF0000"/>
+                </a:solidFill>
+              </a:rPr>
+              <a:t>https://www.bilibili.com/video/av14539601/</a:t>
+            </a:r>
+          </a:p>
+        </p:txBody>
+      </p:sp>
+      <p:sp>
+        <p:nvSpPr>
+          <p:cNvPr id="5" name="Slide Number Placeholder 4"/>
+          <p:cNvSpPr>
+            <a:spLocks noGrp="1"/>
+          </p:cNvSpPr>
+          <p:nvPr>
+            <p:ph type="sldNum" sz="quarter" idx="12"/>
+          </p:nvPr>
+        </p:nvSpPr>
+        <p:spPr/>
+        <p:txBody>
+          <a:bodyPr/>
+          <a:lstStyle/>
+          <a:p>
+            <a:fld id="{AD0626D4-4E0B-403F-918B-E82125F5E912}" type="slidenum">
+              <a:rPr lang="en-GB" smtClean="0"/>
+              <a:pPr/>
+              <a:t>102</a:t>
+            </a:fld>
+            <a:endParaRPr lang="en-GB" dirty="0"/>
+          </a:p>
+        </p:txBody>
+      </p:sp>
+    </p:spTree>
+    <p:extLst>
+      <p:ext uri="{BB962C8B-B14F-4D97-AF65-F5344CB8AC3E}">
+        <p14:creationId xmlns:p14="http://schemas.microsoft.com/office/powerpoint/2010/main" val="3638342065"/>
+      </p:ext>
+    </p:extLst>
+  </p:cSld>
+  <p:clrMapOvr>
+    <a:masterClrMapping/>
+  </p:clrMapOvr>
+</p:sld>
+</file>
+
+<file path=ppt/slides/slide103.xml><?xml version="1.0" encoding="utf-8"?>
+<p:sld xmlns:a="http://schemas.openxmlformats.org/drawingml/2006/main" xmlns:r="http://schemas.openxmlformats.org/officeDocument/2006/relationships" xmlns:p="http://schemas.openxmlformats.org/presentationml/2006/main">
+  <p:cSld>
+    <p:bg>
+      <p:bgPr>
+        <a:gradFill>
+          <a:gsLst>
+            <a:gs pos="0">
+              <a:srgbClr val="92D050"/>
+            </a:gs>
+            <a:gs pos="74000">
+              <a:schemeClr val="accent1">
+                <a:lumMod val="45000"/>
+                <a:lumOff val="55000"/>
+              </a:schemeClr>
+            </a:gs>
+            <a:gs pos="83000">
+              <a:schemeClr val="accent1">
+                <a:lumMod val="45000"/>
+                <a:lumOff val="55000"/>
+              </a:schemeClr>
+            </a:gs>
+            <a:gs pos="100000">
+              <a:schemeClr val="accent1">
+                <a:lumMod val="30000"/>
+                <a:lumOff val="70000"/>
+              </a:schemeClr>
+            </a:gs>
+          </a:gsLst>
+          <a:lin ang="5400000" scaled="1"/>
+        </a:gradFill>
+        <a:effectLst/>
+      </p:bgPr>
+    </p:bg>
+    <p:spTree>
+      <p:nvGrpSpPr>
+        <p:cNvPr id="1" name=""/>
+        <p:cNvGrpSpPr/>
+        <p:nvPr/>
+      </p:nvGrpSpPr>
+      <p:grpSpPr>
+        <a:xfrm>
+          <a:off x="0" y="0"/>
+          <a:ext cx="0" cy="0"/>
+          <a:chOff x="0" y="0"/>
+          <a:chExt cx="0" cy="0"/>
+        </a:xfrm>
+      </p:grpSpPr>
+      <p:sp>
+        <p:nvSpPr>
+          <p:cNvPr id="2" name="Title 1"/>
+          <p:cNvSpPr>
+            <a:spLocks noGrp="1"/>
+          </p:cNvSpPr>
+          <p:nvPr>
+            <p:ph type="title"/>
+          </p:nvPr>
+        </p:nvSpPr>
+        <p:spPr/>
+        <p:txBody>
+          <a:bodyPr>
+            <a:normAutofit/>
+          </a:bodyPr>
+          <a:lstStyle/>
+          <a:p>
+            <a:r>
+              <a:rPr lang="zh-CN" altLang="en-US" b="1" dirty="0">
+                <a:solidFill>
+                  <a:srgbClr val="FF0000"/>
+                </a:solidFill>
+              </a:rPr>
+              <a:t>五剑境界</a:t>
+            </a:r>
+          </a:p>
+        </p:txBody>
+      </p:sp>
+      <p:sp>
+        <p:nvSpPr>
+          <p:cNvPr id="3" name="Content Placeholder 2"/>
+          <p:cNvSpPr>
+            <a:spLocks noGrp="1"/>
+          </p:cNvSpPr>
+          <p:nvPr>
+            <p:ph idx="1"/>
+          </p:nvPr>
+        </p:nvSpPr>
+        <p:spPr/>
+        <p:txBody>
+          <a:bodyPr>
+            <a:normAutofit/>
+          </a:bodyPr>
+          <a:lstStyle/>
+          <a:p>
+            <a:r>
+              <a:rPr lang="zh-CN" altLang="en-US" dirty="0"/>
+              <a:t>利剑无意</a:t>
+            </a:r>
+            <a:endParaRPr lang="en-GB" altLang="zh-CN" dirty="0"/>
+          </a:p>
+          <a:p>
+            <a:r>
+              <a:rPr lang="zh-CN" altLang="en-US" dirty="0"/>
+              <a:t>软剑无常</a:t>
+            </a:r>
+          </a:p>
+          <a:p>
+            <a:r>
+              <a:rPr lang="zh-CN" altLang="en-US" dirty="0"/>
+              <a:t>重剑无锋</a:t>
+            </a:r>
+          </a:p>
+          <a:p>
+            <a:r>
+              <a:rPr lang="zh-CN" altLang="en-US" dirty="0"/>
+              <a:t>木剑无俦</a:t>
+            </a:r>
+          </a:p>
+          <a:p>
+            <a:r>
+              <a:rPr lang="zh-CN" altLang="en-US" dirty="0"/>
+              <a:t>无剑无招</a:t>
+            </a:r>
+            <a:endParaRPr lang="en-GB" altLang="zh-CN" dirty="0"/>
+          </a:p>
+          <a:p>
+            <a:pPr marL="0" indent="0" algn="ctr">
+              <a:buNone/>
+            </a:pPr>
+            <a:r>
+              <a:rPr lang="zh-CN" altLang="en-US" dirty="0"/>
+              <a:t>手中无剑，心中有剑！</a:t>
+            </a:r>
+            <a:br>
+              <a:rPr lang="zh-CN" altLang="en-US" dirty="0"/>
+            </a:br>
+            <a:br>
+              <a:rPr lang="zh-CN" altLang="en-US" dirty="0"/>
+            </a:br>
+            <a:br>
+              <a:rPr lang="zh-CN" altLang="en-US" dirty="0"/>
+            </a:br>
+            <a:endParaRPr lang="zh-CN" altLang="en-US" dirty="0"/>
+          </a:p>
+        </p:txBody>
+      </p:sp>
+      <p:sp>
+        <p:nvSpPr>
+          <p:cNvPr id="5" name="Slide Number Placeholder 4"/>
+          <p:cNvSpPr>
+            <a:spLocks noGrp="1"/>
+          </p:cNvSpPr>
+          <p:nvPr>
+            <p:ph type="sldNum" sz="quarter" idx="12"/>
+          </p:nvPr>
+        </p:nvSpPr>
+        <p:spPr/>
+        <p:txBody>
+          <a:bodyPr/>
+          <a:lstStyle/>
+          <a:p>
+            <a:fld id="{AD0626D4-4E0B-403F-918B-E82125F5E912}" type="slidenum">
+              <a:rPr lang="en-GB" smtClean="0"/>
+              <a:pPr/>
+              <a:t>103</a:t>
+            </a:fld>
+            <a:endParaRPr lang="en-GB" dirty="0"/>
+          </a:p>
+        </p:txBody>
+      </p:sp>
+    </p:spTree>
+    <p:extLst>
+      <p:ext uri="{BB962C8B-B14F-4D97-AF65-F5344CB8AC3E}">
+        <p14:creationId xmlns:p14="http://schemas.microsoft.com/office/powerpoint/2010/main" val="560287455"/>
+      </p:ext>
+    </p:extLst>
+  </p:cSld>
+  <p:clrMapOvr>
+    <a:masterClrMapping/>
+  </p:clrMapOvr>
+</p:sld>
+</file>
+
+<file path=ppt/slides/slide104.xml><?xml version="1.0" encoding="utf-8"?>
+<p:sld xmlns:a="http://schemas.openxmlformats.org/drawingml/2006/main" xmlns:r="http://schemas.openxmlformats.org/officeDocument/2006/relationships" xmlns:p="http://schemas.openxmlformats.org/presentationml/2006/main">
+  <p:cSld>
+    <p:bg>
+      <p:bgPr>
+        <a:gradFill>
+          <a:gsLst>
+            <a:gs pos="0">
+              <a:srgbClr val="92D050"/>
+            </a:gs>
+            <a:gs pos="74000">
+              <a:schemeClr val="accent1">
+                <a:lumMod val="45000"/>
+                <a:lumOff val="55000"/>
+              </a:schemeClr>
+            </a:gs>
+            <a:gs pos="83000">
+              <a:schemeClr val="accent1">
+                <a:lumMod val="45000"/>
+                <a:lumOff val="55000"/>
+              </a:schemeClr>
+            </a:gs>
+            <a:gs pos="100000">
+              <a:schemeClr val="accent1">
+                <a:lumMod val="30000"/>
+                <a:lumOff val="70000"/>
+              </a:schemeClr>
+            </a:gs>
+          </a:gsLst>
+          <a:lin ang="5400000" scaled="1"/>
+        </a:gradFill>
+        <a:effectLst/>
+      </p:bgPr>
+    </p:bg>
+    <p:spTree>
+      <p:nvGrpSpPr>
+        <p:cNvPr id="1" name=""/>
+        <p:cNvGrpSpPr/>
+        <p:nvPr/>
+      </p:nvGrpSpPr>
+      <p:grpSpPr>
+        <a:xfrm>
+          <a:off x="0" y="0"/>
+          <a:ext cx="0" cy="0"/>
+          <a:chOff x="0" y="0"/>
+          <a:chExt cx="0" cy="0"/>
+        </a:xfrm>
+      </p:grpSpPr>
+      <p:sp>
+        <p:nvSpPr>
+          <p:cNvPr id="3" name="Content Placeholder 2"/>
+          <p:cNvSpPr>
+            <a:spLocks noGrp="1"/>
+          </p:cNvSpPr>
+          <p:nvPr>
+            <p:ph idx="1"/>
+          </p:nvPr>
+        </p:nvSpPr>
+        <p:spPr/>
+        <p:txBody>
+          <a:bodyPr>
+            <a:normAutofit fontScale="77500" lnSpcReduction="20000"/>
+          </a:bodyPr>
+          <a:lstStyle/>
+          <a:p>
+            <a:pPr marL="0" indent="0" algn="ctr">
+              <a:buNone/>
+            </a:pPr>
+            <a:endParaRPr lang="en-GB" altLang="zh-CN" b="1" dirty="0"/>
+          </a:p>
+          <a:p>
+            <a:pPr marL="0" indent="0" algn="ctr">
+              <a:buNone/>
+            </a:pPr>
+            <a:endParaRPr lang="en-GB" altLang="zh-CN" sz="6000" b="1" dirty="0">
+              <a:solidFill>
+                <a:srgbClr val="0070C0"/>
+              </a:solidFill>
+            </a:endParaRPr>
+          </a:p>
+          <a:p>
+            <a:pPr marL="0" indent="0" algn="ctr">
+              <a:buNone/>
+            </a:pPr>
+            <a:r>
+              <a:rPr lang="en-GB" altLang="zh-CN" sz="6000" b="1" dirty="0">
+                <a:solidFill>
+                  <a:srgbClr val="0070C0"/>
+                </a:solidFill>
+              </a:rPr>
+              <a:t>Thank you !</a:t>
+            </a:r>
+          </a:p>
+          <a:p>
+            <a:pPr marL="0" indent="0" algn="ctr">
+              <a:buNone/>
+            </a:pPr>
+            <a:endParaRPr lang="en-GB" altLang="zh-CN" b="1" dirty="0"/>
+          </a:p>
+          <a:p>
+            <a:pPr marL="0" indent="0" algn="ctr">
+              <a:buNone/>
+            </a:pPr>
+            <a:r>
+              <a:rPr lang="en-US" altLang="zh-CN" b="1" dirty="0"/>
+              <a:t>Lecturer: Ken Ye</a:t>
+            </a:r>
+          </a:p>
+          <a:p>
+            <a:pPr marL="0" indent="0" algn="ctr">
+              <a:buNone/>
+            </a:pPr>
+            <a:r>
+              <a:rPr lang="en-US" altLang="zh-CN" b="1" dirty="0" err="1"/>
+              <a:t>Wechat</a:t>
+            </a:r>
+            <a:r>
+              <a:rPr lang="en-US" altLang="zh-CN" b="1" dirty="0"/>
+              <a:t>: </a:t>
+            </a:r>
+            <a:r>
+              <a:rPr lang="en-US" altLang="zh-CN" b="1" dirty="0" err="1"/>
+              <a:t>kenjzyip</a:t>
+            </a:r>
+            <a:endParaRPr lang="en-GB" altLang="zh-CN" b="1" dirty="0"/>
+          </a:p>
+          <a:p>
+            <a:pPr marL="0" indent="0" algn="ctr">
+              <a:buNone/>
+            </a:pPr>
+            <a:r>
+              <a:rPr lang="en-US" altLang="zh-CN" b="1" dirty="0"/>
+              <a:t>Mobile: 13570548910</a:t>
+            </a:r>
+          </a:p>
+          <a:p>
+            <a:pPr marL="0" indent="0" algn="ctr">
+              <a:buNone/>
+            </a:pPr>
+            <a:br>
+              <a:rPr lang="zh-CN" altLang="en-US" b="1" dirty="0"/>
+            </a:br>
+            <a:br>
+              <a:rPr lang="zh-CN" altLang="en-US" b="1" dirty="0"/>
+            </a:br>
+            <a:br>
+              <a:rPr lang="zh-CN" altLang="en-US" b="1" dirty="0"/>
+            </a:br>
+            <a:endParaRPr lang="zh-CN" altLang="en-US" b="1" dirty="0"/>
+          </a:p>
+        </p:txBody>
+      </p:sp>
+      <p:sp>
+        <p:nvSpPr>
+          <p:cNvPr id="5" name="Slide Number Placeholder 4"/>
+          <p:cNvSpPr>
+            <a:spLocks noGrp="1"/>
+          </p:cNvSpPr>
+          <p:nvPr>
+            <p:ph type="sldNum" sz="quarter" idx="12"/>
+          </p:nvPr>
+        </p:nvSpPr>
+        <p:spPr/>
+        <p:txBody>
+          <a:bodyPr/>
+          <a:lstStyle/>
+          <a:p>
+            <a:fld id="{AD0626D4-4E0B-403F-918B-E82125F5E912}" type="slidenum">
+              <a:rPr lang="en-GB" smtClean="0"/>
+              <a:pPr/>
+              <a:t>104</a:t>
+            </a:fld>
+            <a:endParaRPr lang="en-GB" dirty="0"/>
+          </a:p>
+        </p:txBody>
+      </p:sp>
+    </p:spTree>
+    <p:extLst>
+      <p:ext uri="{BB962C8B-B14F-4D97-AF65-F5344CB8AC3E}">
+        <p14:creationId xmlns:p14="http://schemas.microsoft.com/office/powerpoint/2010/main" val="621900737"/>
       </p:ext>
     </p:extLst>
   </p:cSld>
@@ -4024,7 +4740,7 @@
     </p:spTree>
     <p:extLst>
       <p:ext uri="{BB962C8B-B14F-4D97-AF65-F5344CB8AC3E}">
-        <p14:creationId xmlns:p14="http://schemas.microsoft.com/office/powerpoint/2010/main" xmlns="" val="563566725"/>
+        <p14:creationId xmlns:p14="http://schemas.microsoft.com/office/powerpoint/2010/main" val="563566725"/>
       </p:ext>
     </p:extLst>
   </p:cSld>
@@ -4167,7 +4883,7 @@
     </p:spTree>
     <p:extLst>
       <p:ext uri="{BB962C8B-B14F-4D97-AF65-F5344CB8AC3E}">
-        <p14:creationId xmlns:p14="http://schemas.microsoft.com/office/powerpoint/2010/main" xmlns="" val="2873196214"/>
+        <p14:creationId xmlns:p14="http://schemas.microsoft.com/office/powerpoint/2010/main" val="2873196214"/>
       </p:ext>
     </p:extLst>
   </p:cSld>
@@ -4364,7 +5080,7 @@
     </p:spTree>
     <p:extLst>
       <p:ext uri="{BB962C8B-B14F-4D97-AF65-F5344CB8AC3E}">
-        <p14:creationId xmlns:p14="http://schemas.microsoft.com/office/powerpoint/2010/main" xmlns="" val="549879323"/>
+        <p14:creationId xmlns:p14="http://schemas.microsoft.com/office/powerpoint/2010/main" val="549879323"/>
       </p:ext>
     </p:extLst>
   </p:cSld>
@@ -4536,7 +5252,7 @@
     </p:spTree>
     <p:extLst>
       <p:ext uri="{BB962C8B-B14F-4D97-AF65-F5344CB8AC3E}">
-        <p14:creationId xmlns:p14="http://schemas.microsoft.com/office/powerpoint/2010/main" xmlns="" val="4249957460"/>
+        <p14:creationId xmlns:p14="http://schemas.microsoft.com/office/powerpoint/2010/main" val="4249957460"/>
       </p:ext>
     </p:extLst>
   </p:cSld>
@@ -4701,7 +5417,7 @@
     </p:spTree>
     <p:extLst>
       <p:ext uri="{BB962C8B-B14F-4D97-AF65-F5344CB8AC3E}">
-        <p14:creationId xmlns:p14="http://schemas.microsoft.com/office/powerpoint/2010/main" xmlns="" val="861589813"/>
+        <p14:creationId xmlns:p14="http://schemas.microsoft.com/office/powerpoint/2010/main" val="861589813"/>
       </p:ext>
     </p:extLst>
   </p:cSld>
@@ -4902,7 +5618,7 @@
     </p:spTree>
     <p:extLst>
       <p:ext uri="{BB962C8B-B14F-4D97-AF65-F5344CB8AC3E}">
-        <p14:creationId xmlns:p14="http://schemas.microsoft.com/office/powerpoint/2010/main" xmlns="" val="1738276796"/>
+        <p14:creationId xmlns:p14="http://schemas.microsoft.com/office/powerpoint/2010/main" val="1738276796"/>
       </p:ext>
     </p:extLst>
   </p:cSld>
@@ -5051,7 +5767,7 @@
     </p:spTree>
     <p:extLst>
       <p:ext uri="{BB962C8B-B14F-4D97-AF65-F5344CB8AC3E}">
-        <p14:creationId xmlns:p14="http://schemas.microsoft.com/office/powerpoint/2010/main" xmlns="" val="3510177083"/>
+        <p14:creationId xmlns:p14="http://schemas.microsoft.com/office/powerpoint/2010/main" val="3510177083"/>
       </p:ext>
     </p:extLst>
   </p:cSld>
@@ -5194,7 +5910,7 @@
           <p:cNvPr id="2050" name="Picture 2" descr="https://upload.wikimedia.org/wikipedia/commons/4/43/W3sDesign_Factory_Method_Design_Pattern_UML.jpg">
             <a:extLst>
               <a:ext uri="{FF2B5EF4-FFF2-40B4-BE49-F238E27FC236}">
-                <a16:creationId xmlns:a16="http://schemas.microsoft.com/office/drawing/2014/main" xmlns="" id="{6B658869-7A9F-40EE-9B98-5B21EFD762E7}"/>
+                <a16:creationId xmlns:a16="http://schemas.microsoft.com/office/drawing/2014/main" id="{6B658869-7A9F-40EE-9B98-5B21EFD762E7}"/>
               </a:ext>
             </a:extLst>
           </p:cNvPr>
@@ -5207,7 +5923,7 @@
           <a:blip r:embed="rId2">
             <a:extLst>
               <a:ext uri="{28A0092B-C50C-407E-A947-70E740481C1C}">
-                <a14:useLocalDpi xmlns:a14="http://schemas.microsoft.com/office/drawing/2010/main" xmlns="" val="0"/>
+                <a14:useLocalDpi xmlns:a14="http://schemas.microsoft.com/office/drawing/2010/main" val="0"/>
               </a:ext>
             </a:extLst>
           </a:blip>
@@ -5227,7 +5943,7 @@
           <a:noFill/>
           <a:extLst>
             <a:ext uri="{909E8E84-426E-40DD-AFC4-6F175D3DCCD1}">
-              <a14:hiddenFill xmlns:a14="http://schemas.microsoft.com/office/drawing/2010/main" xmlns="">
+              <a14:hiddenFill xmlns:a14="http://schemas.microsoft.com/office/drawing/2010/main">
                 <a:solidFill>
                   <a:srgbClr val="FFFFFF"/>
                 </a:solidFill>
@@ -5239,7 +5955,7 @@
     </p:spTree>
     <p:extLst>
       <p:ext uri="{BB962C8B-B14F-4D97-AF65-F5344CB8AC3E}">
-        <p14:creationId xmlns:p14="http://schemas.microsoft.com/office/powerpoint/2010/main" xmlns="" val="1821338493"/>
+        <p14:creationId xmlns:p14="http://schemas.microsoft.com/office/powerpoint/2010/main" val="1821338493"/>
       </p:ext>
     </p:extLst>
   </p:cSld>
@@ -5434,7 +6150,7 @@
     </p:spTree>
     <p:extLst>
       <p:ext uri="{BB962C8B-B14F-4D97-AF65-F5344CB8AC3E}">
-        <p14:creationId xmlns:p14="http://schemas.microsoft.com/office/powerpoint/2010/main" xmlns="" val="3014271110"/>
+        <p14:creationId xmlns:p14="http://schemas.microsoft.com/office/powerpoint/2010/main" val="3014271110"/>
       </p:ext>
     </p:extLst>
   </p:cSld>
@@ -5488,20 +6204,12 @@
           <a:lstStyle/>
           <a:p>
             <a:r>
-              <a:rPr lang="en-US" b="1" dirty="0" smtClean="0">
+              <a:rPr lang="en-US" b="1" dirty="0">
                 <a:solidFill>
                   <a:srgbClr val="FF0000"/>
                 </a:solidFill>
               </a:rPr>
-              <a:t>What </a:t>
-            </a:r>
-            <a:r>
-              <a:rPr lang="en-US" b="1" dirty="0" smtClean="0">
-                <a:solidFill>
-                  <a:srgbClr val="FF0000"/>
-                </a:solidFill>
-              </a:rPr>
-              <a:t>are Software Design Principles?</a:t>
+              <a:t>What are Software Design Principles?</a:t>
             </a:r>
             <a:endParaRPr lang="en-GB" b="1" dirty="0">
               <a:solidFill>
@@ -5529,37 +6237,28 @@
           <a:lstStyle/>
           <a:p>
             <a:r>
-              <a:rPr lang="en-US" dirty="0" smtClean="0"/>
-              <a:t>Software </a:t>
-            </a:r>
-            <a:r>
-              <a:rPr lang="en-US" dirty="0" smtClean="0"/>
-              <a:t>design principles represent a set of guidelines that helps us to avoid having a bad design. The design principles are associated to Robert Martin who gathered them in "Agile Software Development: Principles, Patterns, and Practices". According to Robert Martin there are 3 important characteristics of a bad design that should be avoided</a:t>
-            </a:r>
-            <a:r>
-              <a:rPr lang="en-US" dirty="0" smtClean="0"/>
-              <a:t>:</a:t>
-            </a:r>
-            <a:endParaRPr lang="en-US" dirty="0" smtClean="0"/>
+              <a:rPr lang="en-US" dirty="0"/>
+              <a:t>Software design principles represent a set of guidelines that helps us to avoid having a bad design. The design principles are associated to Robert Martin who gathered them in "Agile Software Development: Principles, Patterns, and Practices". According to Robert Martin there are 3 important characteristics of a bad design that should be avoided:</a:t>
+            </a:r>
           </a:p>
           <a:p>
             <a:pPr lvl="1"/>
             <a:r>
-              <a:rPr lang="en-US" dirty="0" smtClean="0"/>
+              <a:rPr lang="en-US" dirty="0"/>
               <a:t>Rigidity - It is hard to change because every change affects too many other parts of the system.</a:t>
             </a:r>
           </a:p>
           <a:p>
             <a:pPr lvl="1"/>
             <a:r>
-              <a:rPr lang="en-US" dirty="0" smtClean="0"/>
+              <a:rPr lang="en-US" dirty="0"/>
               <a:t>Fragility - When you make a change, unexpected parts of the system break.</a:t>
             </a:r>
           </a:p>
           <a:p>
             <a:pPr lvl="1"/>
             <a:r>
-              <a:rPr lang="en-US" dirty="0" smtClean="0"/>
+              <a:rPr lang="en-US" dirty="0"/>
               <a:t>Immobility - It is hard to reuse in another application because it cannot be disentangled from the current application.</a:t>
             </a:r>
             <a:endParaRPr lang="en-GB" dirty="0"/>
@@ -5593,7 +6292,7 @@
     </p:spTree>
     <p:extLst>
       <p:ext uri="{BB962C8B-B14F-4D97-AF65-F5344CB8AC3E}">
-        <p14:creationId xmlns:p14="http://schemas.microsoft.com/office/powerpoint/2010/main" xmlns="" val="2208283651"/>
+        <p14:creationId xmlns:p14="http://schemas.microsoft.com/office/powerpoint/2010/main" val="2208283651"/>
       </p:ext>
     </p:extLst>
   </p:cSld>
@@ -5750,7 +6449,7 @@
     </p:spTree>
     <p:extLst>
       <p:ext uri="{BB962C8B-B14F-4D97-AF65-F5344CB8AC3E}">
-        <p14:creationId xmlns:p14="http://schemas.microsoft.com/office/powerpoint/2010/main" xmlns="" val="3173946243"/>
+        <p14:creationId xmlns:p14="http://schemas.microsoft.com/office/powerpoint/2010/main" val="3173946243"/>
       </p:ext>
     </p:extLst>
   </p:cSld>
@@ -5914,7 +6613,7 @@
     </p:spTree>
     <p:extLst>
       <p:ext uri="{BB962C8B-B14F-4D97-AF65-F5344CB8AC3E}">
-        <p14:creationId xmlns:p14="http://schemas.microsoft.com/office/powerpoint/2010/main" xmlns="" val="717504942"/>
+        <p14:creationId xmlns:p14="http://schemas.microsoft.com/office/powerpoint/2010/main" val="717504942"/>
       </p:ext>
     </p:extLst>
   </p:cSld>
@@ -6114,7 +6813,7 @@
     </p:spTree>
     <p:extLst>
       <p:ext uri="{BB962C8B-B14F-4D97-AF65-F5344CB8AC3E}">
-        <p14:creationId xmlns:p14="http://schemas.microsoft.com/office/powerpoint/2010/main" xmlns="" val="3931057726"/>
+        <p14:creationId xmlns:p14="http://schemas.microsoft.com/office/powerpoint/2010/main" val="3931057726"/>
       </p:ext>
     </p:extLst>
   </p:cSld>
@@ -6271,7 +6970,7 @@
     </p:spTree>
     <p:extLst>
       <p:ext uri="{BB962C8B-B14F-4D97-AF65-F5344CB8AC3E}">
-        <p14:creationId xmlns:p14="http://schemas.microsoft.com/office/powerpoint/2010/main" xmlns="" val="2934620543"/>
+        <p14:creationId xmlns:p14="http://schemas.microsoft.com/office/powerpoint/2010/main" val="2934620543"/>
       </p:ext>
     </p:extLst>
   </p:cSld>
@@ -6415,7 +7114,7 @@
           <p:cNvPr id="1026" name="Picture 2" descr="https://upload.wikimedia.org/wikipedia/commons/8/87/W3sDesign_Builder_Design_Pattern_UML.jpg">
             <a:extLst>
               <a:ext uri="{FF2B5EF4-FFF2-40B4-BE49-F238E27FC236}">
-                <a16:creationId xmlns:a16="http://schemas.microsoft.com/office/drawing/2014/main" xmlns="" id="{421F499C-8DE9-43C1-BDB2-4BBA0389242E}"/>
+                <a16:creationId xmlns:a16="http://schemas.microsoft.com/office/drawing/2014/main" id="{421F499C-8DE9-43C1-BDB2-4BBA0389242E}"/>
               </a:ext>
             </a:extLst>
           </p:cNvPr>
@@ -6428,7 +7127,7 @@
           <a:blip r:embed="rId2">
             <a:extLst>
               <a:ext uri="{28A0092B-C50C-407E-A947-70E740481C1C}">
-                <a14:useLocalDpi xmlns:a14="http://schemas.microsoft.com/office/drawing/2010/main" xmlns="" val="0"/>
+                <a14:useLocalDpi xmlns:a14="http://schemas.microsoft.com/office/drawing/2010/main" val="0"/>
               </a:ext>
             </a:extLst>
           </a:blip>
@@ -6448,7 +7147,7 @@
           <a:noFill/>
           <a:extLst>
             <a:ext uri="{909E8E84-426E-40DD-AFC4-6F175D3DCCD1}">
-              <a14:hiddenFill xmlns:a14="http://schemas.microsoft.com/office/drawing/2010/main" xmlns="">
+              <a14:hiddenFill xmlns:a14="http://schemas.microsoft.com/office/drawing/2010/main">
                 <a:solidFill>
                   <a:srgbClr val="FFFFFF"/>
                 </a:solidFill>
@@ -6460,7 +7159,7 @@
     </p:spTree>
     <p:extLst>
       <p:ext uri="{BB962C8B-B14F-4D97-AF65-F5344CB8AC3E}">
-        <p14:creationId xmlns:p14="http://schemas.microsoft.com/office/powerpoint/2010/main" xmlns="" val="1321155437"/>
+        <p14:creationId xmlns:p14="http://schemas.microsoft.com/office/powerpoint/2010/main" val="1321155437"/>
       </p:ext>
     </p:extLst>
   </p:cSld>
@@ -6638,7 +7337,7 @@
     </p:spTree>
     <p:extLst>
       <p:ext uri="{BB962C8B-B14F-4D97-AF65-F5344CB8AC3E}">
-        <p14:creationId xmlns:p14="http://schemas.microsoft.com/office/powerpoint/2010/main" xmlns="" val="922231922"/>
+        <p14:creationId xmlns:p14="http://schemas.microsoft.com/office/powerpoint/2010/main" val="922231922"/>
       </p:ext>
     </p:extLst>
   </p:cSld>
@@ -6787,7 +7486,7 @@
     </p:spTree>
     <p:extLst>
       <p:ext uri="{BB962C8B-B14F-4D97-AF65-F5344CB8AC3E}">
-        <p14:creationId xmlns:p14="http://schemas.microsoft.com/office/powerpoint/2010/main" xmlns="" val="3485370990"/>
+        <p14:creationId xmlns:p14="http://schemas.microsoft.com/office/powerpoint/2010/main" val="3485370990"/>
       </p:ext>
     </p:extLst>
   </p:cSld>
@@ -6943,7 +7642,7 @@
     </p:spTree>
     <p:extLst>
       <p:ext uri="{BB962C8B-B14F-4D97-AF65-F5344CB8AC3E}">
-        <p14:creationId xmlns:p14="http://schemas.microsoft.com/office/powerpoint/2010/main" xmlns="" val="2957235579"/>
+        <p14:creationId xmlns:p14="http://schemas.microsoft.com/office/powerpoint/2010/main" val="2957235579"/>
       </p:ext>
     </p:extLst>
   </p:cSld>
@@ -7064,7 +7763,7 @@
           <p:cNvPr id="2050" name="Picture 2" descr="https://upload.wikimedia.org/wikipedia/commons/c/c4/W3sDesign_Prototype_Design_Pattern_UML.jpg">
             <a:extLst>
               <a:ext uri="{FF2B5EF4-FFF2-40B4-BE49-F238E27FC236}">
-                <a16:creationId xmlns:a16="http://schemas.microsoft.com/office/drawing/2014/main" xmlns="" id="{D9AB4284-A966-4DB5-B05A-DCBE2CA7E3C3}"/>
+                <a16:creationId xmlns:a16="http://schemas.microsoft.com/office/drawing/2014/main" id="{D9AB4284-A966-4DB5-B05A-DCBE2CA7E3C3}"/>
               </a:ext>
             </a:extLst>
           </p:cNvPr>
@@ -7079,7 +7778,7 @@
           <a:blip r:embed="rId2">
             <a:extLst>
               <a:ext uri="{28A0092B-C50C-407E-A947-70E740481C1C}">
-                <a14:useLocalDpi xmlns:a14="http://schemas.microsoft.com/office/drawing/2010/main" xmlns="" val="0"/>
+                <a14:useLocalDpi xmlns:a14="http://schemas.microsoft.com/office/drawing/2010/main" val="0"/>
               </a:ext>
             </a:extLst>
           </a:blip>
@@ -7099,7 +7798,7 @@
           <a:noFill/>
           <a:extLst>
             <a:ext uri="{909E8E84-426E-40DD-AFC4-6F175D3DCCD1}">
-              <a14:hiddenFill xmlns:a14="http://schemas.microsoft.com/office/drawing/2010/main" xmlns="">
+              <a14:hiddenFill xmlns:a14="http://schemas.microsoft.com/office/drawing/2010/main">
                 <a:solidFill>
                   <a:srgbClr val="FFFFFF"/>
                 </a:solidFill>
@@ -7111,7 +7810,7 @@
     </p:spTree>
     <p:extLst>
       <p:ext uri="{BB962C8B-B14F-4D97-AF65-F5344CB8AC3E}">
-        <p14:creationId xmlns:p14="http://schemas.microsoft.com/office/powerpoint/2010/main" xmlns="" val="3189584854"/>
+        <p14:creationId xmlns:p14="http://schemas.microsoft.com/office/powerpoint/2010/main" val="3189584854"/>
       </p:ext>
     </p:extLst>
   </p:cSld>
@@ -7291,7 +7990,7 @@
     </p:spTree>
     <p:extLst>
       <p:ext uri="{BB962C8B-B14F-4D97-AF65-F5344CB8AC3E}">
-        <p14:creationId xmlns:p14="http://schemas.microsoft.com/office/powerpoint/2010/main" xmlns="" val="2898330940"/>
+        <p14:creationId xmlns:p14="http://schemas.microsoft.com/office/powerpoint/2010/main" val="2898330940"/>
       </p:ext>
     </p:extLst>
   </p:cSld>
@@ -7345,20 +8044,12 @@
           <a:lstStyle/>
           <a:p>
             <a:r>
-              <a:rPr lang="en-US" b="1" dirty="0" smtClean="0">
+              <a:rPr lang="en-US" b="1" dirty="0">
                 <a:solidFill>
                   <a:srgbClr val="FF0000"/>
                 </a:solidFill>
               </a:rPr>
-              <a:t>Open Close </a:t>
-            </a:r>
-            <a:r>
-              <a:rPr lang="en-US" b="1" dirty="0" smtClean="0">
-                <a:solidFill>
-                  <a:srgbClr val="FF0000"/>
-                </a:solidFill>
-              </a:rPr>
-              <a:t>Principle (OCP)</a:t>
+              <a:t>Open Close Principle (OCP)</a:t>
             </a:r>
             <a:endParaRPr lang="en-GB" b="1" dirty="0">
               <a:solidFill>
@@ -7386,19 +8077,19 @@
           <a:lstStyle/>
           <a:p>
             <a:r>
-              <a:rPr lang="en-US" dirty="0" smtClean="0"/>
+              <a:rPr lang="en-US" dirty="0"/>
               <a:t>Software entities like classes, modules and functions should be open for extension but closed for modifications.</a:t>
             </a:r>
           </a:p>
           <a:p>
             <a:r>
-              <a:rPr lang="en-US" dirty="0" smtClean="0"/>
+              <a:rPr lang="en-US" dirty="0"/>
               <a:t>OPC is a generic principle. You can consider it when writing your classes to make sure that when you need to extend their behavior you don’t have to change the class but to extend it. The same principle can be applied for modules, packages, libraries. If you have a library containing a set of classes there are many reasons for which you’ll prefer to extend it without changing the code that was already written (backward compatibility, regression testing, etc). This is why we have to make sure our modules follow Open Closed Principle.</a:t>
             </a:r>
           </a:p>
           <a:p>
             <a:r>
-              <a:rPr lang="en-US" dirty="0" smtClean="0"/>
+              <a:rPr lang="en-US" dirty="0"/>
               <a:t>When referring to the classes Open Close Principle can be ensured by use of Abstract Classes and concrete classes for implementing their behavior. This will enforce having Concrete Classes extending Abstract Classes instead of changing them. Some particular cases of this are Template Pattern and Strategy Pattern.</a:t>
             </a:r>
             <a:endParaRPr lang="en-GB" dirty="0"/>
@@ -7432,7 +8123,7 @@
     </p:spTree>
     <p:extLst>
       <p:ext uri="{BB962C8B-B14F-4D97-AF65-F5344CB8AC3E}">
-        <p14:creationId xmlns:p14="http://schemas.microsoft.com/office/powerpoint/2010/main" xmlns="" val="2208283651"/>
+        <p14:creationId xmlns:p14="http://schemas.microsoft.com/office/powerpoint/2010/main" val="2208283651"/>
       </p:ext>
     </p:extLst>
   </p:cSld>
@@ -7581,7 +8272,7 @@
     </p:spTree>
     <p:extLst>
       <p:ext uri="{BB962C8B-B14F-4D97-AF65-F5344CB8AC3E}">
-        <p14:creationId xmlns:p14="http://schemas.microsoft.com/office/powerpoint/2010/main" xmlns="" val="1856150549"/>
+        <p14:creationId xmlns:p14="http://schemas.microsoft.com/office/powerpoint/2010/main" val="1856150549"/>
       </p:ext>
     </p:extLst>
   </p:cSld>
@@ -7736,7 +8427,7 @@
     </p:spTree>
     <p:extLst>
       <p:ext uri="{BB962C8B-B14F-4D97-AF65-F5344CB8AC3E}">
-        <p14:creationId xmlns:p14="http://schemas.microsoft.com/office/powerpoint/2010/main" xmlns="" val="3113895627"/>
+        <p14:creationId xmlns:p14="http://schemas.microsoft.com/office/powerpoint/2010/main" val="3113895627"/>
       </p:ext>
     </p:extLst>
   </p:cSld>
@@ -7857,7 +8548,7 @@
           <p:cNvPr id="3074" name="Picture 2" descr="https://upload.wikimedia.org/wikipedia/commons/e/e5/W3sDesign_Adapter_Design_Pattern_UML.jpg">
             <a:extLst>
               <a:ext uri="{FF2B5EF4-FFF2-40B4-BE49-F238E27FC236}">
-                <a16:creationId xmlns:a16="http://schemas.microsoft.com/office/drawing/2014/main" xmlns="" id="{89FD5D5B-0B44-41C4-AC7E-31D0284BD0A4}"/>
+                <a16:creationId xmlns:a16="http://schemas.microsoft.com/office/drawing/2014/main" id="{89FD5D5B-0B44-41C4-AC7E-31D0284BD0A4}"/>
               </a:ext>
             </a:extLst>
           </p:cNvPr>
@@ -7872,7 +8563,7 @@
           <a:blip r:embed="rId2">
             <a:extLst>
               <a:ext uri="{28A0092B-C50C-407E-A947-70E740481C1C}">
-                <a14:useLocalDpi xmlns:a14="http://schemas.microsoft.com/office/drawing/2010/main" xmlns="" val="0"/>
+                <a14:useLocalDpi xmlns:a14="http://schemas.microsoft.com/office/drawing/2010/main" val="0"/>
               </a:ext>
             </a:extLst>
           </a:blip>
@@ -7892,7 +8583,7 @@
           <a:noFill/>
           <a:extLst>
             <a:ext uri="{909E8E84-426E-40DD-AFC4-6F175D3DCCD1}">
-              <a14:hiddenFill xmlns:a14="http://schemas.microsoft.com/office/drawing/2010/main" xmlns="">
+              <a14:hiddenFill xmlns:a14="http://schemas.microsoft.com/office/drawing/2010/main">
                 <a:solidFill>
                   <a:srgbClr val="FFFFFF"/>
                 </a:solidFill>
@@ -7904,7 +8595,7 @@
     </p:spTree>
     <p:extLst>
       <p:ext uri="{BB962C8B-B14F-4D97-AF65-F5344CB8AC3E}">
-        <p14:creationId xmlns:p14="http://schemas.microsoft.com/office/powerpoint/2010/main" xmlns="" val="3426626230"/>
+        <p14:creationId xmlns:p14="http://schemas.microsoft.com/office/powerpoint/2010/main" val="3426626230"/>
       </p:ext>
     </p:extLst>
   </p:cSld>
@@ -8102,7 +8793,7 @@
     </p:spTree>
     <p:extLst>
       <p:ext uri="{BB962C8B-B14F-4D97-AF65-F5344CB8AC3E}">
-        <p14:creationId xmlns:p14="http://schemas.microsoft.com/office/powerpoint/2010/main" xmlns="" val="179683201"/>
+        <p14:creationId xmlns:p14="http://schemas.microsoft.com/office/powerpoint/2010/main" val="179683201"/>
       </p:ext>
     </p:extLst>
   </p:cSld>
@@ -8253,7 +8944,7 @@
     </p:spTree>
     <p:extLst>
       <p:ext uri="{BB962C8B-B14F-4D97-AF65-F5344CB8AC3E}">
-        <p14:creationId xmlns:p14="http://schemas.microsoft.com/office/powerpoint/2010/main" xmlns="" val="1644089566"/>
+        <p14:creationId xmlns:p14="http://schemas.microsoft.com/office/powerpoint/2010/main" val="1644089566"/>
       </p:ext>
     </p:extLst>
   </p:cSld>
@@ -8396,7 +9087,7 @@
     </p:spTree>
     <p:extLst>
       <p:ext uri="{BB962C8B-B14F-4D97-AF65-F5344CB8AC3E}">
-        <p14:creationId xmlns:p14="http://schemas.microsoft.com/office/powerpoint/2010/main" xmlns="" val="4041469997"/>
+        <p14:creationId xmlns:p14="http://schemas.microsoft.com/office/powerpoint/2010/main" val="4041469997"/>
       </p:ext>
     </p:extLst>
   </p:cSld>
@@ -8517,7 +9208,7 @@
           <p:cNvPr id="4098" name="Picture 2" descr="https://upload.wikimedia.org/wikipedia/commons/f/fd/W3sDesign_Bridge_Design_Pattern_UML.jpg">
             <a:extLst>
               <a:ext uri="{FF2B5EF4-FFF2-40B4-BE49-F238E27FC236}">
-                <a16:creationId xmlns:a16="http://schemas.microsoft.com/office/drawing/2014/main" xmlns="" id="{A289CB1E-7A51-4E68-ACA5-2923EF24A481}"/>
+                <a16:creationId xmlns:a16="http://schemas.microsoft.com/office/drawing/2014/main" id="{A289CB1E-7A51-4E68-ACA5-2923EF24A481}"/>
               </a:ext>
             </a:extLst>
           </p:cNvPr>
@@ -8532,7 +9223,7 @@
           <a:blip r:embed="rId2">
             <a:extLst>
               <a:ext uri="{28A0092B-C50C-407E-A947-70E740481C1C}">
-                <a14:useLocalDpi xmlns:a14="http://schemas.microsoft.com/office/drawing/2010/main" xmlns="" val="0"/>
+                <a14:useLocalDpi xmlns:a14="http://schemas.microsoft.com/office/drawing/2010/main" val="0"/>
               </a:ext>
             </a:extLst>
           </a:blip>
@@ -8552,7 +9243,7 @@
           <a:noFill/>
           <a:extLst>
             <a:ext uri="{909E8E84-426E-40DD-AFC4-6F175D3DCCD1}">
-              <a14:hiddenFill xmlns:a14="http://schemas.microsoft.com/office/drawing/2010/main" xmlns="">
+              <a14:hiddenFill xmlns:a14="http://schemas.microsoft.com/office/drawing/2010/main">
                 <a:solidFill>
                   <a:srgbClr val="FFFFFF"/>
                 </a:solidFill>
@@ -8564,7 +9255,7 @@
     </p:spTree>
     <p:extLst>
       <p:ext uri="{BB962C8B-B14F-4D97-AF65-F5344CB8AC3E}">
-        <p14:creationId xmlns:p14="http://schemas.microsoft.com/office/powerpoint/2010/main" xmlns="" val="1572806217"/>
+        <p14:creationId xmlns:p14="http://schemas.microsoft.com/office/powerpoint/2010/main" val="1572806217"/>
       </p:ext>
     </p:extLst>
   </p:cSld>
@@ -8685,7 +9376,7 @@
           <p:cNvPr id="4" name="Content Placeholder 3">
             <a:extLst>
               <a:ext uri="{FF2B5EF4-FFF2-40B4-BE49-F238E27FC236}">
-                <a16:creationId xmlns:a16="http://schemas.microsoft.com/office/drawing/2014/main" xmlns="" id="{16C89977-B87C-45BF-8105-414E49C071E8}"/>
+                <a16:creationId xmlns:a16="http://schemas.microsoft.com/office/drawing/2014/main" id="{16C89977-B87C-45BF-8105-414E49C071E8}"/>
               </a:ext>
             </a:extLst>
           </p:cNvPr>
@@ -8750,7 +9441,7 @@
     </p:spTree>
     <p:extLst>
       <p:ext uri="{BB962C8B-B14F-4D97-AF65-F5344CB8AC3E}">
-        <p14:creationId xmlns:p14="http://schemas.microsoft.com/office/powerpoint/2010/main" xmlns="" val="2021111251"/>
+        <p14:creationId xmlns:p14="http://schemas.microsoft.com/office/powerpoint/2010/main" val="2021111251"/>
       </p:ext>
     </p:extLst>
   </p:cSld>
@@ -8901,7 +9592,7 @@
     </p:spTree>
     <p:extLst>
       <p:ext uri="{BB962C8B-B14F-4D97-AF65-F5344CB8AC3E}">
-        <p14:creationId xmlns:p14="http://schemas.microsoft.com/office/powerpoint/2010/main" xmlns="" val="526910325"/>
+        <p14:creationId xmlns:p14="http://schemas.microsoft.com/office/powerpoint/2010/main" val="526910325"/>
       </p:ext>
     </p:extLst>
   </p:cSld>
@@ -9044,7 +9735,7 @@
     </p:spTree>
     <p:extLst>
       <p:ext uri="{BB962C8B-B14F-4D97-AF65-F5344CB8AC3E}">
-        <p14:creationId xmlns:p14="http://schemas.microsoft.com/office/powerpoint/2010/main" xmlns="" val="2383033694"/>
+        <p14:creationId xmlns:p14="http://schemas.microsoft.com/office/powerpoint/2010/main" val="2383033694"/>
       </p:ext>
     </p:extLst>
   </p:cSld>
@@ -9098,28 +9789,12 @@
           <a:lstStyle/>
           <a:p>
             <a:r>
-              <a:rPr lang="en-US" b="1" dirty="0" smtClean="0">
+              <a:rPr lang="en-US" b="1" dirty="0">
                 <a:solidFill>
                   <a:srgbClr val="FF0000"/>
                 </a:solidFill>
               </a:rPr>
-              <a:t>Dependency </a:t>
-            </a:r>
-            <a:r>
-              <a:rPr lang="en-US" b="1" dirty="0" smtClean="0">
-                <a:solidFill>
-                  <a:srgbClr val="FF0000"/>
-                </a:solidFill>
-              </a:rPr>
-              <a:t>Inversion </a:t>
-            </a:r>
-            <a:r>
-              <a:rPr lang="en-US" b="1" dirty="0" smtClean="0">
-                <a:solidFill>
-                  <a:srgbClr val="FF0000"/>
-                </a:solidFill>
-              </a:rPr>
-              <a:t>Principle (DIP)</a:t>
+              <a:t>Dependency Inversion Principle (DIP)</a:t>
             </a:r>
             <a:endParaRPr lang="en-GB" b="1" dirty="0">
               <a:solidFill>
@@ -9147,57 +9822,31 @@
           <a:lstStyle/>
           <a:p>
             <a:r>
-              <a:rPr lang="en-US" dirty="0" smtClean="0"/>
+              <a:rPr lang="en-US" dirty="0"/>
               <a:t>High-level modules should not depend on low-level modules. Both should depend on abstractions.</a:t>
             </a:r>
           </a:p>
           <a:p>
             <a:r>
-              <a:rPr lang="en-US" dirty="0" smtClean="0"/>
+              <a:rPr lang="en-US" dirty="0"/>
               <a:t>Abstractions should not depend on details. Details should depend on abstractions.</a:t>
             </a:r>
           </a:p>
           <a:p>
             <a:r>
-              <a:rPr lang="en-US" dirty="0" smtClean="0"/>
-              <a:t>Dependency Inversion Principle states that we should decouple high level modules from low level modules, introducing an abstraction layer between the high level classes and low level classes. Further more it inverts the dependency: instead of writing our abstractions based on details, the we should write the details based on abstractions</a:t>
-            </a:r>
-            <a:r>
-              <a:rPr lang="en-US" dirty="0" smtClean="0"/>
-              <a:t>.</a:t>
-            </a:r>
-            <a:endParaRPr lang="en-US" dirty="0" smtClean="0"/>
-          </a:p>
-          <a:p>
-            <a:r>
-              <a:rPr lang="en-US" dirty="0" smtClean="0"/>
-              <a:t>Dependency Inversion or Inversion of Control are better know terms referring to the way in which the dependencies are realized. In the classical way when a software module(class, framework, </a:t>
-            </a:r>
-            <a:r>
-              <a:rPr lang="en-US" dirty="0" smtClean="0"/>
-              <a:t>etc) </a:t>
-            </a:r>
-            <a:r>
-              <a:rPr lang="en-US" dirty="0" smtClean="0"/>
-              <a:t>need some other module, it initializes and holds a direct reference to it. This will make the 2 modules tight coupled. In order to decouple them the first module will provide a hook(a property, parameter, </a:t>
-            </a:r>
-            <a:r>
-              <a:rPr lang="en-US" dirty="0" smtClean="0"/>
-              <a:t>etc) </a:t>
-            </a:r>
-            <a:r>
-              <a:rPr lang="en-US" dirty="0" smtClean="0"/>
-              <a:t>and an external module controlling the dependencies will inject the reference to the second one</a:t>
-            </a:r>
-            <a:r>
-              <a:rPr lang="en-US" dirty="0" smtClean="0"/>
-              <a:t>.</a:t>
-            </a:r>
-            <a:endParaRPr lang="en-US" dirty="0" smtClean="0"/>
-          </a:p>
-          <a:p>
-            <a:r>
-              <a:rPr lang="en-US" dirty="0" smtClean="0"/>
+              <a:rPr lang="en-US" dirty="0"/>
+              <a:t>Dependency Inversion Principle states that we should decouple high level modules from low level modules, introducing an abstraction layer between the high level classes and low level classes. Further more it inverts the dependency: instead of writing our abstractions based on details, the we should write the details based on abstractions.</a:t>
+            </a:r>
+          </a:p>
+          <a:p>
+            <a:r>
+              <a:rPr lang="en-US" dirty="0"/>
+              <a:t>Dependency Inversion or Inversion of Control are better know terms referring to the way in which the dependencies are realized. In the classical way when a software module(class, framework, etc) need some other module, it initializes and holds a direct reference to it. This will make the 2 modules tight coupled. In order to decouple them the first module will provide a hook(a property, parameter, etc) and an external module controlling the dependencies will inject the reference to the second one.</a:t>
+            </a:r>
+          </a:p>
+          <a:p>
+            <a:r>
+              <a:rPr lang="en-US" dirty="0"/>
               <a:t>By applying the Dependency Inversion the modules can be easily changed by other modules just changing the dependency module. Factories and Abstract Factories can be used as dependency frameworks, but there are specialized frameworks for that, known as Inversion of Control Container.</a:t>
             </a:r>
             <a:endParaRPr lang="en-GB" dirty="0"/>
@@ -9231,7 +9880,7 @@
     </p:spTree>
     <p:extLst>
       <p:ext uri="{BB962C8B-B14F-4D97-AF65-F5344CB8AC3E}">
-        <p14:creationId xmlns:p14="http://schemas.microsoft.com/office/powerpoint/2010/main" xmlns="" val="2208283651"/>
+        <p14:creationId xmlns:p14="http://schemas.microsoft.com/office/powerpoint/2010/main" val="2208283651"/>
       </p:ext>
     </p:extLst>
   </p:cSld>
@@ -9352,7 +10001,7 @@
           <p:cNvPr id="1026" name="Picture 2" descr="https://upload.wikimedia.org/wikipedia/commons/6/65/W3sDesign_Composite_Design_Pattern_UML.jpg">
             <a:extLst>
               <a:ext uri="{FF2B5EF4-FFF2-40B4-BE49-F238E27FC236}">
-                <a16:creationId xmlns:a16="http://schemas.microsoft.com/office/drawing/2014/main" xmlns="" id="{24D1A555-2C09-49BC-ACEF-C610901E20CF}"/>
+                <a16:creationId xmlns:a16="http://schemas.microsoft.com/office/drawing/2014/main" id="{24D1A555-2C09-49BC-ACEF-C610901E20CF}"/>
               </a:ext>
             </a:extLst>
           </p:cNvPr>
@@ -9367,7 +10016,7 @@
           <a:blip r:embed="rId2">
             <a:extLst>
               <a:ext uri="{28A0092B-C50C-407E-A947-70E740481C1C}">
-                <a14:useLocalDpi xmlns:a14="http://schemas.microsoft.com/office/drawing/2010/main" xmlns="" val="0"/>
+                <a14:useLocalDpi xmlns:a14="http://schemas.microsoft.com/office/drawing/2010/main" val="0"/>
               </a:ext>
             </a:extLst>
           </a:blip>
@@ -9387,7 +10036,7 @@
           <a:noFill/>
           <a:extLst>
             <a:ext uri="{909E8E84-426E-40DD-AFC4-6F175D3DCCD1}">
-              <a14:hiddenFill xmlns:a14="http://schemas.microsoft.com/office/drawing/2010/main" xmlns="">
+              <a14:hiddenFill xmlns:a14="http://schemas.microsoft.com/office/drawing/2010/main">
                 <a:solidFill>
                   <a:srgbClr val="FFFFFF"/>
                 </a:solidFill>
@@ -9399,7 +10048,7 @@
     </p:spTree>
     <p:extLst>
       <p:ext uri="{BB962C8B-B14F-4D97-AF65-F5344CB8AC3E}">
-        <p14:creationId xmlns:p14="http://schemas.microsoft.com/office/powerpoint/2010/main" xmlns="" val="2138746097"/>
+        <p14:creationId xmlns:p14="http://schemas.microsoft.com/office/powerpoint/2010/main" val="2138746097"/>
       </p:ext>
     </p:extLst>
   </p:cSld>
@@ -9580,7 +10229,7 @@
     </p:spTree>
     <p:extLst>
       <p:ext uri="{BB962C8B-B14F-4D97-AF65-F5344CB8AC3E}">
-        <p14:creationId xmlns:p14="http://schemas.microsoft.com/office/powerpoint/2010/main" xmlns="" val="4057795848"/>
+        <p14:creationId xmlns:p14="http://schemas.microsoft.com/office/powerpoint/2010/main" val="4057795848"/>
       </p:ext>
     </p:extLst>
   </p:cSld>
@@ -9731,7 +10380,7 @@
     </p:spTree>
     <p:extLst>
       <p:ext uri="{BB962C8B-B14F-4D97-AF65-F5344CB8AC3E}">
-        <p14:creationId xmlns:p14="http://schemas.microsoft.com/office/powerpoint/2010/main" xmlns="" val="732985269"/>
+        <p14:creationId xmlns:p14="http://schemas.microsoft.com/office/powerpoint/2010/main" val="732985269"/>
       </p:ext>
     </p:extLst>
   </p:cSld>
@@ -9884,7 +10533,7 @@
     </p:spTree>
     <p:extLst>
       <p:ext uri="{BB962C8B-B14F-4D97-AF65-F5344CB8AC3E}">
-        <p14:creationId xmlns:p14="http://schemas.microsoft.com/office/powerpoint/2010/main" xmlns="" val="338326591"/>
+        <p14:creationId xmlns:p14="http://schemas.microsoft.com/office/powerpoint/2010/main" val="338326591"/>
       </p:ext>
     </p:extLst>
   </p:cSld>
@@ -10005,7 +10654,7 @@
           <p:cNvPr id="1026" name="Picture 2" descr="https://upload.wikimedia.org/wikipedia/commons/8/83/W3sDesign_Decorator_Design_Pattern_UML.jpg">
             <a:extLst>
               <a:ext uri="{FF2B5EF4-FFF2-40B4-BE49-F238E27FC236}">
-                <a16:creationId xmlns:a16="http://schemas.microsoft.com/office/drawing/2014/main" xmlns="" id="{99A7585E-EBD2-4718-BBB7-D37C388D1893}"/>
+                <a16:creationId xmlns:a16="http://schemas.microsoft.com/office/drawing/2014/main" id="{99A7585E-EBD2-4718-BBB7-D37C388D1893}"/>
               </a:ext>
             </a:extLst>
           </p:cNvPr>
@@ -10020,7 +10669,7 @@
           <a:blip r:embed="rId2">
             <a:extLst>
               <a:ext uri="{28A0092B-C50C-407E-A947-70E740481C1C}">
-                <a14:useLocalDpi xmlns:a14="http://schemas.microsoft.com/office/drawing/2010/main" xmlns="" val="0"/>
+                <a14:useLocalDpi xmlns:a14="http://schemas.microsoft.com/office/drawing/2010/main" val="0"/>
               </a:ext>
             </a:extLst>
           </a:blip>
@@ -10040,7 +10689,7 @@
           <a:noFill/>
           <a:extLst>
             <a:ext uri="{909E8E84-426E-40DD-AFC4-6F175D3DCCD1}">
-              <a14:hiddenFill xmlns:a14="http://schemas.microsoft.com/office/drawing/2010/main" xmlns="">
+              <a14:hiddenFill xmlns:a14="http://schemas.microsoft.com/office/drawing/2010/main">
                 <a:solidFill>
                   <a:srgbClr val="FFFFFF"/>
                 </a:solidFill>
@@ -10052,7 +10701,7 @@
     </p:spTree>
     <p:extLst>
       <p:ext uri="{BB962C8B-B14F-4D97-AF65-F5344CB8AC3E}">
-        <p14:creationId xmlns:p14="http://schemas.microsoft.com/office/powerpoint/2010/main" xmlns="" val="179018822"/>
+        <p14:creationId xmlns:p14="http://schemas.microsoft.com/office/powerpoint/2010/main" val="179018822"/>
       </p:ext>
     </p:extLst>
   </p:cSld>
@@ -10249,7 +10898,7 @@
     </p:spTree>
     <p:extLst>
       <p:ext uri="{BB962C8B-B14F-4D97-AF65-F5344CB8AC3E}">
-        <p14:creationId xmlns:p14="http://schemas.microsoft.com/office/powerpoint/2010/main" xmlns="" val="2616358945"/>
+        <p14:creationId xmlns:p14="http://schemas.microsoft.com/office/powerpoint/2010/main" val="2616358945"/>
       </p:ext>
     </p:extLst>
   </p:cSld>
@@ -10408,7 +11057,7 @@
     </p:spTree>
     <p:extLst>
       <p:ext uri="{BB962C8B-B14F-4D97-AF65-F5344CB8AC3E}">
-        <p14:creationId xmlns:p14="http://schemas.microsoft.com/office/powerpoint/2010/main" xmlns="" val="2153651980"/>
+        <p14:creationId xmlns:p14="http://schemas.microsoft.com/office/powerpoint/2010/main" val="2153651980"/>
       </p:ext>
     </p:extLst>
   </p:cSld>
@@ -10566,7 +11215,7 @@
     </p:spTree>
     <p:extLst>
       <p:ext uri="{BB962C8B-B14F-4D97-AF65-F5344CB8AC3E}">
-        <p14:creationId xmlns:p14="http://schemas.microsoft.com/office/powerpoint/2010/main" xmlns="" val="3556420572"/>
+        <p14:creationId xmlns:p14="http://schemas.microsoft.com/office/powerpoint/2010/main" val="3556420572"/>
       </p:ext>
     </p:extLst>
   </p:cSld>
@@ -10682,7 +11331,7 @@
           <p:cNvPr id="2050" name="Picture 2" descr="https://upload.wikimedia.org/wikipedia/commons/9/96/W3sDesign_Facade_Design_Pattern_UML.jpg">
             <a:extLst>
               <a:ext uri="{FF2B5EF4-FFF2-40B4-BE49-F238E27FC236}">
-                <a16:creationId xmlns:a16="http://schemas.microsoft.com/office/drawing/2014/main" xmlns="" id="{3AB10537-469C-4CF4-936A-362A36743E20}"/>
+                <a16:creationId xmlns:a16="http://schemas.microsoft.com/office/drawing/2014/main" id="{3AB10537-469C-4CF4-936A-362A36743E20}"/>
               </a:ext>
             </a:extLst>
           </p:cNvPr>
@@ -10697,7 +11346,7 @@
           <a:blip r:embed="rId2">
             <a:extLst>
               <a:ext uri="{28A0092B-C50C-407E-A947-70E740481C1C}">
-                <a14:useLocalDpi xmlns:a14="http://schemas.microsoft.com/office/drawing/2010/main" xmlns="" val="0"/>
+                <a14:useLocalDpi xmlns:a14="http://schemas.microsoft.com/office/drawing/2010/main" val="0"/>
               </a:ext>
             </a:extLst>
           </a:blip>
@@ -10717,7 +11366,7 @@
           <a:noFill/>
           <a:extLst>
             <a:ext uri="{909E8E84-426E-40DD-AFC4-6F175D3DCCD1}">
-              <a14:hiddenFill xmlns:a14="http://schemas.microsoft.com/office/drawing/2010/main" xmlns="">
+              <a14:hiddenFill xmlns:a14="http://schemas.microsoft.com/office/drawing/2010/main">
                 <a:solidFill>
                   <a:srgbClr val="FFFFFF"/>
                 </a:solidFill>
@@ -10729,7 +11378,7 @@
     </p:spTree>
     <p:extLst>
       <p:ext uri="{BB962C8B-B14F-4D97-AF65-F5344CB8AC3E}">
-        <p14:creationId xmlns:p14="http://schemas.microsoft.com/office/powerpoint/2010/main" xmlns="" val="565833365"/>
+        <p14:creationId xmlns:p14="http://schemas.microsoft.com/office/powerpoint/2010/main" val="565833365"/>
       </p:ext>
     </p:extLst>
   </p:cSld>
@@ -10883,7 +11532,7 @@
     </p:spTree>
     <p:extLst>
       <p:ext uri="{BB962C8B-B14F-4D97-AF65-F5344CB8AC3E}">
-        <p14:creationId xmlns:p14="http://schemas.microsoft.com/office/powerpoint/2010/main" xmlns="" val="2059059764"/>
+        <p14:creationId xmlns:p14="http://schemas.microsoft.com/office/powerpoint/2010/main" val="2059059764"/>
       </p:ext>
     </p:extLst>
   </p:cSld>
@@ -10937,28 +11586,12 @@
           <a:lstStyle/>
           <a:p>
             <a:r>
-              <a:rPr lang="en-US" b="1" dirty="0" smtClean="0">
+              <a:rPr lang="en-US" b="1" dirty="0">
                 <a:solidFill>
                   <a:srgbClr val="FF0000"/>
                 </a:solidFill>
               </a:rPr>
-              <a:t>Interface </a:t>
-            </a:r>
-            <a:r>
-              <a:rPr lang="en-US" b="1" dirty="0" smtClean="0">
-                <a:solidFill>
-                  <a:srgbClr val="FF0000"/>
-                </a:solidFill>
-              </a:rPr>
-              <a:t>Segregation </a:t>
-            </a:r>
-            <a:r>
-              <a:rPr lang="en-US" b="1" dirty="0" smtClean="0">
-                <a:solidFill>
-                  <a:srgbClr val="FF0000"/>
-                </a:solidFill>
-              </a:rPr>
-              <a:t>Principle (ISP)</a:t>
+              <a:t>Interface Segregation Principle (ISP)</a:t>
             </a:r>
             <a:endParaRPr lang="en-GB" b="1" dirty="0">
               <a:solidFill>
@@ -10986,27 +11619,21 @@
           <a:lstStyle/>
           <a:p>
             <a:r>
-              <a:rPr lang="en-US" dirty="0" smtClean="0"/>
+              <a:rPr lang="en-US" dirty="0"/>
               <a:t>Clients should not be forced to depend upon interfaces that they don't use.</a:t>
             </a:r>
           </a:p>
           <a:p>
             <a:r>
-              <a:rPr lang="en-US" dirty="0" smtClean="0"/>
-              <a:t>This principle teaches us to take care how we write our interfaces. When we write our interfaces we should take care to add only methods that should be there. If we add methods that should not be there the classes implementing the interface will have to implement those methods as well. For example if we create an interface called Worker and add a method lunch break, all the workers will have to implement it. What if the worker is a robot</a:t>
-            </a:r>
-            <a:r>
-              <a:rPr lang="en-US" dirty="0" smtClean="0"/>
-              <a:t>?</a:t>
-            </a:r>
-            <a:endParaRPr lang="en-US" dirty="0" smtClean="0"/>
-          </a:p>
-          <a:p>
-            <a:r>
-              <a:rPr lang="en-US" dirty="0" smtClean="0"/>
+              <a:rPr lang="en-US" dirty="0"/>
+              <a:t>This principle teaches us to take care how we write our interfaces. When we write our interfaces we should take care to add only methods that should be there. If we add methods that should not be there the classes implementing the interface will have to implement those methods as well. For example if we create an interface called Worker and add a method lunch break, all the workers will have to implement it. What if the worker is a robot?</a:t>
+            </a:r>
+          </a:p>
+          <a:p>
+            <a:r>
+              <a:rPr lang="en-US" dirty="0"/>
               <a:t>As a conclusion Interfaces containing methods that are not specific to it are called polluted or fat interfaces. We should avoid them.</a:t>
             </a:r>
-            <a:endParaRPr lang="en-US" dirty="0" smtClean="0"/>
           </a:p>
         </p:txBody>
       </p:sp>
@@ -11037,7 +11664,7 @@
     </p:spTree>
     <p:extLst>
       <p:ext uri="{BB962C8B-B14F-4D97-AF65-F5344CB8AC3E}">
-        <p14:creationId xmlns:p14="http://schemas.microsoft.com/office/powerpoint/2010/main" xmlns="" val="2208283651"/>
+        <p14:creationId xmlns:p14="http://schemas.microsoft.com/office/powerpoint/2010/main" val="2208283651"/>
       </p:ext>
     </p:extLst>
   </p:cSld>
@@ -11175,7 +11802,7 @@
     </p:spTree>
     <p:extLst>
       <p:ext uri="{BB962C8B-B14F-4D97-AF65-F5344CB8AC3E}">
-        <p14:creationId xmlns:p14="http://schemas.microsoft.com/office/powerpoint/2010/main" xmlns="" val="1507486039"/>
+        <p14:creationId xmlns:p14="http://schemas.microsoft.com/office/powerpoint/2010/main" val="1507486039"/>
       </p:ext>
     </p:extLst>
   </p:cSld>
@@ -11291,7 +11918,7 @@
           <p:cNvPr id="4098" name="Picture 2" descr="https://upload.wikimedia.org/wikipedia/commons/4/4e/W3sDesign_Flyweight_Design_Pattern_UML.jpg">
             <a:extLst>
               <a:ext uri="{FF2B5EF4-FFF2-40B4-BE49-F238E27FC236}">
-                <a16:creationId xmlns:a16="http://schemas.microsoft.com/office/drawing/2014/main" xmlns="" id="{7D90825B-560F-49F1-BEA1-5D937BA44813}"/>
+                <a16:creationId xmlns:a16="http://schemas.microsoft.com/office/drawing/2014/main" id="{7D90825B-560F-49F1-BEA1-5D937BA44813}"/>
               </a:ext>
             </a:extLst>
           </p:cNvPr>
@@ -11306,7 +11933,7 @@
           <a:blip r:embed="rId2">
             <a:extLst>
               <a:ext uri="{28A0092B-C50C-407E-A947-70E740481C1C}">
-                <a14:useLocalDpi xmlns:a14="http://schemas.microsoft.com/office/drawing/2010/main" xmlns="" val="0"/>
+                <a14:useLocalDpi xmlns:a14="http://schemas.microsoft.com/office/drawing/2010/main" val="0"/>
               </a:ext>
             </a:extLst>
           </a:blip>
@@ -11326,7 +11953,7 @@
           <a:noFill/>
           <a:extLst>
             <a:ext uri="{909E8E84-426E-40DD-AFC4-6F175D3DCCD1}">
-              <a14:hiddenFill xmlns:a14="http://schemas.microsoft.com/office/drawing/2010/main" xmlns="">
+              <a14:hiddenFill xmlns:a14="http://schemas.microsoft.com/office/drawing/2010/main">
                 <a:solidFill>
                   <a:srgbClr val="FFFFFF"/>
                 </a:solidFill>
@@ -11338,7 +11965,7 @@
     </p:spTree>
     <p:extLst>
       <p:ext uri="{BB962C8B-B14F-4D97-AF65-F5344CB8AC3E}">
-        <p14:creationId xmlns:p14="http://schemas.microsoft.com/office/powerpoint/2010/main" xmlns="" val="1247557149"/>
+        <p14:creationId xmlns:p14="http://schemas.microsoft.com/office/powerpoint/2010/main" val="1247557149"/>
       </p:ext>
     </p:extLst>
   </p:cSld>
@@ -11454,7 +12081,7 @@
           <p:cNvPr id="4" name="Content Placeholder 3">
             <a:extLst>
               <a:ext uri="{FF2B5EF4-FFF2-40B4-BE49-F238E27FC236}">
-                <a16:creationId xmlns:a16="http://schemas.microsoft.com/office/drawing/2014/main" xmlns="" id="{2D04FDAD-D29B-4FD3-A667-5363AB858A42}"/>
+                <a16:creationId xmlns:a16="http://schemas.microsoft.com/office/drawing/2014/main" id="{2D04FDAD-D29B-4FD3-A667-5363AB858A42}"/>
               </a:ext>
             </a:extLst>
           </p:cNvPr>
@@ -11528,7 +12155,7 @@
     </p:spTree>
     <p:extLst>
       <p:ext uri="{BB962C8B-B14F-4D97-AF65-F5344CB8AC3E}">
-        <p14:creationId xmlns:p14="http://schemas.microsoft.com/office/powerpoint/2010/main" xmlns="" val="1652833765"/>
+        <p14:creationId xmlns:p14="http://schemas.microsoft.com/office/powerpoint/2010/main" val="1652833765"/>
       </p:ext>
     </p:extLst>
   </p:cSld>
@@ -11674,7 +12301,7 @@
     </p:spTree>
     <p:extLst>
       <p:ext uri="{BB962C8B-B14F-4D97-AF65-F5344CB8AC3E}">
-        <p14:creationId xmlns:p14="http://schemas.microsoft.com/office/powerpoint/2010/main" xmlns="" val="1072383477"/>
+        <p14:creationId xmlns:p14="http://schemas.microsoft.com/office/powerpoint/2010/main" val="1072383477"/>
       </p:ext>
     </p:extLst>
   </p:cSld>
@@ -11817,7 +12444,7 @@
           <p:cNvPr id="3074" name="Picture 2" descr="https://upload.wikimedia.org/wikipedia/commons/6/6e/W3sDesign_Proxy_Design_Pattern_UML.jpg">
             <a:extLst>
               <a:ext uri="{FF2B5EF4-FFF2-40B4-BE49-F238E27FC236}">
-                <a16:creationId xmlns:a16="http://schemas.microsoft.com/office/drawing/2014/main" xmlns="" id="{7E26F250-4657-4BA1-9007-0D69892C4D11}"/>
+                <a16:creationId xmlns:a16="http://schemas.microsoft.com/office/drawing/2014/main" id="{7E26F250-4657-4BA1-9007-0D69892C4D11}"/>
               </a:ext>
             </a:extLst>
           </p:cNvPr>
@@ -11830,7 +12457,7 @@
           <a:blip r:embed="rId2">
             <a:extLst>
               <a:ext uri="{28A0092B-C50C-407E-A947-70E740481C1C}">
-                <a14:useLocalDpi xmlns:a14="http://schemas.microsoft.com/office/drawing/2010/main" xmlns="" val="0"/>
+                <a14:useLocalDpi xmlns:a14="http://schemas.microsoft.com/office/drawing/2010/main" val="0"/>
               </a:ext>
             </a:extLst>
           </a:blip>
@@ -11850,7 +12477,7 @@
           <a:noFill/>
           <a:extLst>
             <a:ext uri="{909E8E84-426E-40DD-AFC4-6F175D3DCCD1}">
-              <a14:hiddenFill xmlns:a14="http://schemas.microsoft.com/office/drawing/2010/main" xmlns="">
+              <a14:hiddenFill xmlns:a14="http://schemas.microsoft.com/office/drawing/2010/main">
                 <a:solidFill>
                   <a:srgbClr val="FFFFFF"/>
                 </a:solidFill>
@@ -11862,7 +12489,7 @@
     </p:spTree>
     <p:extLst>
       <p:ext uri="{BB962C8B-B14F-4D97-AF65-F5344CB8AC3E}">
-        <p14:creationId xmlns:p14="http://schemas.microsoft.com/office/powerpoint/2010/main" xmlns="" val="1171909628"/>
+        <p14:creationId xmlns:p14="http://schemas.microsoft.com/office/powerpoint/2010/main" val="1171909628"/>
       </p:ext>
     </p:extLst>
   </p:cSld>
@@ -12051,7 +12678,7 @@
     </p:spTree>
     <p:extLst>
       <p:ext uri="{BB962C8B-B14F-4D97-AF65-F5344CB8AC3E}">
-        <p14:creationId xmlns:p14="http://schemas.microsoft.com/office/powerpoint/2010/main" xmlns="" val="653234670"/>
+        <p14:creationId xmlns:p14="http://schemas.microsoft.com/office/powerpoint/2010/main" val="653234670"/>
       </p:ext>
     </p:extLst>
   </p:cSld>
@@ -12210,7 +12837,7 @@
     </p:spTree>
     <p:extLst>
       <p:ext uri="{BB962C8B-B14F-4D97-AF65-F5344CB8AC3E}">
-        <p14:creationId xmlns:p14="http://schemas.microsoft.com/office/powerpoint/2010/main" xmlns="" val="2709905703"/>
+        <p14:creationId xmlns:p14="http://schemas.microsoft.com/office/powerpoint/2010/main" val="2709905703"/>
       </p:ext>
     </p:extLst>
   </p:cSld>
@@ -12354,7 +12981,7 @@
     </p:spTree>
     <p:extLst>
       <p:ext uri="{BB962C8B-B14F-4D97-AF65-F5344CB8AC3E}">
-        <p14:creationId xmlns:p14="http://schemas.microsoft.com/office/powerpoint/2010/main" xmlns="" val="3909975351"/>
+        <p14:creationId xmlns:p14="http://schemas.microsoft.com/office/powerpoint/2010/main" val="3909975351"/>
       </p:ext>
     </p:extLst>
   </p:cSld>
@@ -12470,7 +13097,7 @@
           <p:cNvPr id="1026" name="Picture 2" descr="https://upload.wikimedia.org/wikipedia/commons/6/6a/W3sDesign_Chain_of_Responsibility_Design_Pattern_UML.jpg">
             <a:extLst>
               <a:ext uri="{FF2B5EF4-FFF2-40B4-BE49-F238E27FC236}">
-                <a16:creationId xmlns:a16="http://schemas.microsoft.com/office/drawing/2014/main" xmlns="" id="{CFD9A966-0B77-4B7D-BF52-F10C951F777E}"/>
+                <a16:creationId xmlns:a16="http://schemas.microsoft.com/office/drawing/2014/main" id="{CFD9A966-0B77-4B7D-BF52-F10C951F777E}"/>
               </a:ext>
             </a:extLst>
           </p:cNvPr>
@@ -12485,7 +13112,7 @@
           <a:blip r:embed="rId2">
             <a:extLst>
               <a:ext uri="{28A0092B-C50C-407E-A947-70E740481C1C}">
-                <a14:useLocalDpi xmlns:a14="http://schemas.microsoft.com/office/drawing/2010/main" xmlns="" val="0"/>
+                <a14:useLocalDpi xmlns:a14="http://schemas.microsoft.com/office/drawing/2010/main" val="0"/>
               </a:ext>
             </a:extLst>
           </a:blip>
@@ -12505,7 +13132,7 @@
           <a:noFill/>
           <a:extLst>
             <a:ext uri="{909E8E84-426E-40DD-AFC4-6F175D3DCCD1}">
-              <a14:hiddenFill xmlns:a14="http://schemas.microsoft.com/office/drawing/2010/main" xmlns="">
+              <a14:hiddenFill xmlns:a14="http://schemas.microsoft.com/office/drawing/2010/main">
                 <a:solidFill>
                   <a:srgbClr val="FFFFFF"/>
                 </a:solidFill>
@@ -12517,7 +13144,7 @@
     </p:spTree>
     <p:extLst>
       <p:ext uri="{BB962C8B-B14F-4D97-AF65-F5344CB8AC3E}">
-        <p14:creationId xmlns:p14="http://schemas.microsoft.com/office/powerpoint/2010/main" xmlns="" val="1905133263"/>
+        <p14:creationId xmlns:p14="http://schemas.microsoft.com/office/powerpoint/2010/main" val="1905133263"/>
       </p:ext>
     </p:extLst>
   </p:cSld>
@@ -12633,7 +13260,7 @@
           <p:cNvPr id="4" name="Content Placeholder 3">
             <a:extLst>
               <a:ext uri="{FF2B5EF4-FFF2-40B4-BE49-F238E27FC236}">
-                <a16:creationId xmlns:a16="http://schemas.microsoft.com/office/drawing/2014/main" xmlns="" id="{B1F59A73-6378-407A-B223-F09C3D92CFA6}"/>
+                <a16:creationId xmlns:a16="http://schemas.microsoft.com/office/drawing/2014/main" id="{B1F59A73-6378-407A-B223-F09C3D92CFA6}"/>
               </a:ext>
             </a:extLst>
           </p:cNvPr>
@@ -12691,7 +13318,7 @@
     </p:spTree>
     <p:extLst>
       <p:ext uri="{BB962C8B-B14F-4D97-AF65-F5344CB8AC3E}">
-        <p14:creationId xmlns:p14="http://schemas.microsoft.com/office/powerpoint/2010/main" xmlns="" val="1595687056"/>
+        <p14:creationId xmlns:p14="http://schemas.microsoft.com/office/powerpoint/2010/main" val="1595687056"/>
       </p:ext>
     </p:extLst>
   </p:cSld>
@@ -12745,20 +13372,12 @@
           <a:lstStyle/>
           <a:p>
             <a:r>
-              <a:rPr lang="en-US" b="1" dirty="0" smtClean="0">
+              <a:rPr lang="en-US" b="1" dirty="0">
                 <a:solidFill>
                   <a:srgbClr val="FF0000"/>
                 </a:solidFill>
               </a:rPr>
-              <a:t>Single Responsibility </a:t>
-            </a:r>
-            <a:r>
-              <a:rPr lang="en-US" b="1" dirty="0" smtClean="0">
-                <a:solidFill>
-                  <a:srgbClr val="FF0000"/>
-                </a:solidFill>
-              </a:rPr>
-              <a:t>Principle (SRP)</a:t>
+              <a:t>Single Responsibility Principle (SRP)</a:t>
             </a:r>
             <a:endParaRPr lang="en-GB" b="1" dirty="0">
               <a:solidFill>
@@ -12786,35 +13405,29 @@
           <a:lstStyle/>
           <a:p>
             <a:r>
-              <a:rPr lang="en-US" dirty="0" smtClean="0"/>
+              <a:rPr lang="en-US" dirty="0"/>
               <a:t>A class should have only one reason to change.</a:t>
             </a:r>
           </a:p>
           <a:p>
             <a:r>
-              <a:rPr lang="en-US" dirty="0" smtClean="0"/>
-              <a:t>In this context a responsibility is considered to be one reason to change. This principle states that if we have 2 reasons to change for a class, we have to split the functionality in two classes. Each class will handle only one responsibility and on future if we need to make one change we are going to make it in the class which handle it. When we need to make a change in a class having more responsibilities the change might affect the other functionality of the classes</a:t>
-            </a:r>
-            <a:r>
-              <a:rPr lang="en-US" dirty="0" smtClean="0"/>
-              <a:t>.</a:t>
-            </a:r>
-            <a:endParaRPr lang="en-US" dirty="0" smtClean="0"/>
-          </a:p>
-          <a:p>
-            <a:r>
-              <a:rPr lang="en-US" dirty="0" smtClean="0"/>
+              <a:rPr lang="en-US" dirty="0"/>
+              <a:t>In this context a responsibility is considered to be one reason to change. This principle states that if we have 2 reasons to change for a class, we have to split the functionality in two classes. Each class will handle only one responsibility and on future if we need to make one change we are going to make it in the class which handle it. When we need to make a change in a class having more responsibilities the change might affect the other functionality of the classes.</a:t>
+            </a:r>
+          </a:p>
+          <a:p>
+            <a:r>
+              <a:rPr lang="en-US" dirty="0"/>
               <a:t>Single Responsibility Principle was introduced Tom </a:t>
             </a:r>
             <a:r>
-              <a:rPr lang="en-US" dirty="0" err="1" smtClean="0"/>
+              <a:rPr lang="en-US" dirty="0" err="1"/>
               <a:t>DeMarco</a:t>
             </a:r>
             <a:r>
-              <a:rPr lang="en-US" dirty="0" smtClean="0"/>
+              <a:rPr lang="en-US" dirty="0"/>
               <a:t> in his book Structured Analysis and Systems Specification, 1979. Robert Martin reinterpreted the concept and defined the responsibility as a reason to change.</a:t>
             </a:r>
-            <a:endParaRPr lang="en-US" dirty="0" smtClean="0"/>
           </a:p>
         </p:txBody>
       </p:sp>
@@ -12845,7 +13458,7 @@
     </p:spTree>
     <p:extLst>
       <p:ext uri="{BB962C8B-B14F-4D97-AF65-F5344CB8AC3E}">
-        <p14:creationId xmlns:p14="http://schemas.microsoft.com/office/powerpoint/2010/main" xmlns="" val="2208283651"/>
+        <p14:creationId xmlns:p14="http://schemas.microsoft.com/office/powerpoint/2010/main" val="2208283651"/>
       </p:ext>
     </p:extLst>
   </p:cSld>
@@ -12999,7 +13612,7 @@
     </p:spTree>
     <p:extLst>
       <p:ext uri="{BB962C8B-B14F-4D97-AF65-F5344CB8AC3E}">
-        <p14:creationId xmlns:p14="http://schemas.microsoft.com/office/powerpoint/2010/main" xmlns="" val="1055213602"/>
+        <p14:creationId xmlns:p14="http://schemas.microsoft.com/office/powerpoint/2010/main" val="1055213602"/>
       </p:ext>
     </p:extLst>
   </p:cSld>
@@ -13145,7 +13758,7 @@
     </p:spTree>
     <p:extLst>
       <p:ext uri="{BB962C8B-B14F-4D97-AF65-F5344CB8AC3E}">
-        <p14:creationId xmlns:p14="http://schemas.microsoft.com/office/powerpoint/2010/main" xmlns="" val="231417342"/>
+        <p14:creationId xmlns:p14="http://schemas.microsoft.com/office/powerpoint/2010/main" val="231417342"/>
       </p:ext>
     </p:extLst>
   </p:cSld>
@@ -13261,7 +13874,7 @@
           <p:cNvPr id="2050" name="Picture 2" descr="https://upload.wikimedia.org/wikipedia/commons/c/c8/W3sDesign_Command_Design_Pattern_UML.jpg">
             <a:extLst>
               <a:ext uri="{FF2B5EF4-FFF2-40B4-BE49-F238E27FC236}">
-                <a16:creationId xmlns:a16="http://schemas.microsoft.com/office/drawing/2014/main" xmlns="" id="{275BAC8B-5F08-418D-A86E-5718E1E2CD62}"/>
+                <a16:creationId xmlns:a16="http://schemas.microsoft.com/office/drawing/2014/main" id="{275BAC8B-5F08-418D-A86E-5718E1E2CD62}"/>
               </a:ext>
             </a:extLst>
           </p:cNvPr>
@@ -13276,7 +13889,7 @@
           <a:blip r:embed="rId2">
             <a:extLst>
               <a:ext uri="{28A0092B-C50C-407E-A947-70E740481C1C}">
-                <a14:useLocalDpi xmlns:a14="http://schemas.microsoft.com/office/drawing/2010/main" xmlns="" val="0"/>
+                <a14:useLocalDpi xmlns:a14="http://schemas.microsoft.com/office/drawing/2010/main" val="0"/>
               </a:ext>
             </a:extLst>
           </a:blip>
@@ -13296,7 +13909,7 @@
           <a:noFill/>
           <a:extLst>
             <a:ext uri="{909E8E84-426E-40DD-AFC4-6F175D3DCCD1}">
-              <a14:hiddenFill xmlns:a14="http://schemas.microsoft.com/office/drawing/2010/main" xmlns="">
+              <a14:hiddenFill xmlns:a14="http://schemas.microsoft.com/office/drawing/2010/main">
                 <a:solidFill>
                   <a:srgbClr val="FFFFFF"/>
                 </a:solidFill>
@@ -13308,7 +13921,7 @@
     </p:spTree>
     <p:extLst>
       <p:ext uri="{BB962C8B-B14F-4D97-AF65-F5344CB8AC3E}">
-        <p14:creationId xmlns:p14="http://schemas.microsoft.com/office/powerpoint/2010/main" xmlns="" val="310259947"/>
+        <p14:creationId xmlns:p14="http://schemas.microsoft.com/office/powerpoint/2010/main" val="310259947"/>
       </p:ext>
     </p:extLst>
   </p:cSld>
@@ -13424,7 +14037,7 @@
           <p:cNvPr id="4" name="Content Placeholder 3">
             <a:extLst>
               <a:ext uri="{FF2B5EF4-FFF2-40B4-BE49-F238E27FC236}">
-                <a16:creationId xmlns:a16="http://schemas.microsoft.com/office/drawing/2014/main" xmlns="" id="{C98332A2-70DD-494A-8166-D7D469A3EFEC}"/>
+                <a16:creationId xmlns:a16="http://schemas.microsoft.com/office/drawing/2014/main" id="{C98332A2-70DD-494A-8166-D7D469A3EFEC}"/>
               </a:ext>
             </a:extLst>
           </p:cNvPr>
@@ -13489,7 +14102,7 @@
     </p:spTree>
     <p:extLst>
       <p:ext uri="{BB962C8B-B14F-4D97-AF65-F5344CB8AC3E}">
-        <p14:creationId xmlns:p14="http://schemas.microsoft.com/office/powerpoint/2010/main" xmlns="" val="1427778543"/>
+        <p14:creationId xmlns:p14="http://schemas.microsoft.com/office/powerpoint/2010/main" val="1427778543"/>
       </p:ext>
     </p:extLst>
   </p:cSld>
@@ -13643,7 +14256,7 @@
     </p:spTree>
     <p:extLst>
       <p:ext uri="{BB962C8B-B14F-4D97-AF65-F5344CB8AC3E}">
-        <p14:creationId xmlns:p14="http://schemas.microsoft.com/office/powerpoint/2010/main" xmlns="" val="1528204792"/>
+        <p14:creationId xmlns:p14="http://schemas.microsoft.com/office/powerpoint/2010/main" val="1528204792"/>
       </p:ext>
     </p:extLst>
   </p:cSld>
@@ -13782,7 +14395,7 @@
     </p:spTree>
     <p:extLst>
       <p:ext uri="{BB962C8B-B14F-4D97-AF65-F5344CB8AC3E}">
-        <p14:creationId xmlns:p14="http://schemas.microsoft.com/office/powerpoint/2010/main" xmlns="" val="4017644433"/>
+        <p14:creationId xmlns:p14="http://schemas.microsoft.com/office/powerpoint/2010/main" val="4017644433"/>
       </p:ext>
     </p:extLst>
   </p:cSld>
@@ -13898,7 +14511,7 @@
           <p:cNvPr id="4098" name="Picture 2" descr="https://upload.wikimedia.org/wikipedia/commons/3/33/W3sDesign_Interpreter_Design_Pattern_UML.jpg">
             <a:extLst>
               <a:ext uri="{FF2B5EF4-FFF2-40B4-BE49-F238E27FC236}">
-                <a16:creationId xmlns:a16="http://schemas.microsoft.com/office/drawing/2014/main" xmlns="" id="{972D7907-A914-4EB7-9F88-B8FE168F75BB}"/>
+                <a16:creationId xmlns:a16="http://schemas.microsoft.com/office/drawing/2014/main" id="{972D7907-A914-4EB7-9F88-B8FE168F75BB}"/>
               </a:ext>
             </a:extLst>
           </p:cNvPr>
@@ -13913,7 +14526,7 @@
           <a:blip r:embed="rId2">
             <a:extLst>
               <a:ext uri="{28A0092B-C50C-407E-A947-70E740481C1C}">
-                <a14:useLocalDpi xmlns:a14="http://schemas.microsoft.com/office/drawing/2010/main" xmlns="" val="0"/>
+                <a14:useLocalDpi xmlns:a14="http://schemas.microsoft.com/office/drawing/2010/main" val="0"/>
               </a:ext>
             </a:extLst>
           </a:blip>
@@ -13933,7 +14546,7 @@
           <a:noFill/>
           <a:extLst>
             <a:ext uri="{909E8E84-426E-40DD-AFC4-6F175D3DCCD1}">
-              <a14:hiddenFill xmlns:a14="http://schemas.microsoft.com/office/drawing/2010/main" xmlns="">
+              <a14:hiddenFill xmlns:a14="http://schemas.microsoft.com/office/drawing/2010/main">
                 <a:solidFill>
                   <a:srgbClr val="FFFFFF"/>
                 </a:solidFill>
@@ -13945,7 +14558,7 @@
     </p:spTree>
     <p:extLst>
       <p:ext uri="{BB962C8B-B14F-4D97-AF65-F5344CB8AC3E}">
-        <p14:creationId xmlns:p14="http://schemas.microsoft.com/office/powerpoint/2010/main" xmlns="" val="350845462"/>
+        <p14:creationId xmlns:p14="http://schemas.microsoft.com/office/powerpoint/2010/main" val="350845462"/>
       </p:ext>
     </p:extLst>
   </p:cSld>
@@ -14061,7 +14674,7 @@
           <p:cNvPr id="4" name="Content Placeholder 3">
             <a:extLst>
               <a:ext uri="{FF2B5EF4-FFF2-40B4-BE49-F238E27FC236}">
-                <a16:creationId xmlns:a16="http://schemas.microsoft.com/office/drawing/2014/main" xmlns="" id="{EEC63B42-21DC-46B7-84E9-637236785123}"/>
+                <a16:creationId xmlns:a16="http://schemas.microsoft.com/office/drawing/2014/main" id="{EEC63B42-21DC-46B7-84E9-637236785123}"/>
               </a:ext>
             </a:extLst>
           </p:cNvPr>
@@ -14133,7 +14746,7 @@
     </p:spTree>
     <p:extLst>
       <p:ext uri="{BB962C8B-B14F-4D97-AF65-F5344CB8AC3E}">
-        <p14:creationId xmlns:p14="http://schemas.microsoft.com/office/powerpoint/2010/main" xmlns="" val="3738115637"/>
+        <p14:creationId xmlns:p14="http://schemas.microsoft.com/office/powerpoint/2010/main" val="3738115637"/>
       </p:ext>
     </p:extLst>
   </p:cSld>
@@ -14287,7 +14900,7 @@
     </p:spTree>
     <p:extLst>
       <p:ext uri="{BB962C8B-B14F-4D97-AF65-F5344CB8AC3E}">
-        <p14:creationId xmlns:p14="http://schemas.microsoft.com/office/powerpoint/2010/main" xmlns="" val="2541098551"/>
+        <p14:creationId xmlns:p14="http://schemas.microsoft.com/office/powerpoint/2010/main" val="2541098551"/>
       </p:ext>
     </p:extLst>
   </p:cSld>
@@ -14425,7 +15038,7 @@
     </p:spTree>
     <p:extLst>
       <p:ext uri="{BB962C8B-B14F-4D97-AF65-F5344CB8AC3E}">
-        <p14:creationId xmlns:p14="http://schemas.microsoft.com/office/powerpoint/2010/main" xmlns="" val="743580038"/>
+        <p14:creationId xmlns:p14="http://schemas.microsoft.com/office/powerpoint/2010/main" val="743580038"/>
       </p:ext>
     </p:extLst>
   </p:cSld>
@@ -14479,7 +15092,7 @@
           <a:lstStyle/>
           <a:p>
             <a:r>
-              <a:rPr lang="en-US" b="1" dirty="0" err="1" smtClean="0">
+              <a:rPr lang="en-US" b="1" dirty="0" err="1">
                 <a:solidFill>
                   <a:srgbClr val="FF0000"/>
                 </a:solidFill>
@@ -14487,20 +15100,12 @@
               <a:t>Liskov's</a:t>
             </a:r>
             <a:r>
-              <a:rPr lang="en-US" b="1" dirty="0" smtClean="0">
+              <a:rPr lang="en-US" b="1" dirty="0">
                 <a:solidFill>
                   <a:srgbClr val="FF0000"/>
                 </a:solidFill>
               </a:rPr>
-              <a:t> Substitution </a:t>
-            </a:r>
-            <a:r>
-              <a:rPr lang="en-US" b="1" dirty="0" smtClean="0">
-                <a:solidFill>
-                  <a:srgbClr val="FF0000"/>
-                </a:solidFill>
-              </a:rPr>
-              <a:t>Principle (LSV)</a:t>
+              <a:t> Substitution Principle (LSV)</a:t>
             </a:r>
             <a:endParaRPr lang="en-GB" b="1" dirty="0">
               <a:solidFill>
@@ -14528,36 +15133,31 @@
           <a:lstStyle/>
           <a:p>
             <a:r>
-              <a:rPr lang="en-US" dirty="0" smtClean="0"/>
+              <a:rPr lang="en-US" dirty="0"/>
               <a:t>Derived types must be completely substitutable for their base types.</a:t>
             </a:r>
           </a:p>
           <a:p>
             <a:r>
-              <a:rPr lang="en-US" dirty="0" smtClean="0"/>
-              <a:t>This principle is just an extension of the Open Close Principle in terms of behavior meaning that we must make sure that new derived classes are extending the base classes without changing their behavior. The new derived classes should be able to replace the base classes without any change in the code</a:t>
-            </a:r>
-            <a:r>
-              <a:rPr lang="en-US" dirty="0" smtClean="0"/>
-              <a:t>.</a:t>
-            </a:r>
-            <a:endParaRPr lang="en-US" dirty="0" smtClean="0"/>
-          </a:p>
-          <a:p>
-            <a:r>
-              <a:rPr lang="en-US" dirty="0" err="1" smtClean="0"/>
+              <a:rPr lang="en-US" dirty="0"/>
+              <a:t>This principle is just an extension of the Open Close Principle in terms of behavior meaning that we must make sure that new derived classes are extending the base classes without changing their behavior. The new derived classes should be able to replace the base classes without any change in the code.</a:t>
+            </a:r>
+          </a:p>
+          <a:p>
+            <a:r>
+              <a:rPr lang="en-US" dirty="0" err="1"/>
               <a:t>Liskov's</a:t>
             </a:r>
             <a:r>
-              <a:rPr lang="en-US" dirty="0" smtClean="0"/>
+              <a:rPr lang="en-US" dirty="0"/>
               <a:t> Substitution Principle was introduced by Barbara </a:t>
             </a:r>
             <a:r>
-              <a:rPr lang="en-US" dirty="0" err="1" smtClean="0"/>
+              <a:rPr lang="en-US" dirty="0" err="1"/>
               <a:t>Liskov</a:t>
             </a:r>
             <a:r>
-              <a:rPr lang="en-US" dirty="0" smtClean="0"/>
+              <a:rPr lang="en-US" dirty="0"/>
               <a:t> in a 1987 Conference on Object Oriented Programming Systems Languages and Applications, in Data abstraction and hierarchy</a:t>
             </a:r>
           </a:p>
@@ -14590,7 +15190,7 @@
     </p:spTree>
     <p:extLst>
       <p:ext uri="{BB962C8B-B14F-4D97-AF65-F5344CB8AC3E}">
-        <p14:creationId xmlns:p14="http://schemas.microsoft.com/office/powerpoint/2010/main" xmlns="" val="2208283651"/>
+        <p14:creationId xmlns:p14="http://schemas.microsoft.com/office/powerpoint/2010/main" val="2208283651"/>
       </p:ext>
     </p:extLst>
   </p:cSld>
@@ -14706,7 +15306,7 @@
           <p:cNvPr id="6146" name="Picture 2" descr="https://upload.wikimedia.org/wikipedia/commons/c/c5/W3sDesign_Iterator_Design_Pattern_UML.jpg">
             <a:extLst>
               <a:ext uri="{FF2B5EF4-FFF2-40B4-BE49-F238E27FC236}">
-                <a16:creationId xmlns:a16="http://schemas.microsoft.com/office/drawing/2014/main" xmlns="" id="{73CF20FA-616A-4E20-AB01-88BBEE6D6EC4}"/>
+                <a16:creationId xmlns:a16="http://schemas.microsoft.com/office/drawing/2014/main" id="{73CF20FA-616A-4E20-AB01-88BBEE6D6EC4}"/>
               </a:ext>
             </a:extLst>
           </p:cNvPr>
@@ -14721,7 +15321,7 @@
           <a:blip r:embed="rId2">
             <a:extLst>
               <a:ext uri="{28A0092B-C50C-407E-A947-70E740481C1C}">
-                <a14:useLocalDpi xmlns:a14="http://schemas.microsoft.com/office/drawing/2010/main" xmlns="" val="0"/>
+                <a14:useLocalDpi xmlns:a14="http://schemas.microsoft.com/office/drawing/2010/main" val="0"/>
               </a:ext>
             </a:extLst>
           </a:blip>
@@ -14741,7 +15341,7 @@
           <a:noFill/>
           <a:extLst>
             <a:ext uri="{909E8E84-426E-40DD-AFC4-6F175D3DCCD1}">
-              <a14:hiddenFill xmlns:a14="http://schemas.microsoft.com/office/drawing/2010/main" xmlns="">
+              <a14:hiddenFill xmlns:a14="http://schemas.microsoft.com/office/drawing/2010/main">
                 <a:solidFill>
                   <a:srgbClr val="FFFFFF"/>
                 </a:solidFill>
@@ -14753,7 +15353,7 @@
     </p:spTree>
     <p:extLst>
       <p:ext uri="{BB962C8B-B14F-4D97-AF65-F5344CB8AC3E}">
-        <p14:creationId xmlns:p14="http://schemas.microsoft.com/office/powerpoint/2010/main" xmlns="" val="1475508884"/>
+        <p14:creationId xmlns:p14="http://schemas.microsoft.com/office/powerpoint/2010/main" val="1475508884"/>
       </p:ext>
     </p:extLst>
   </p:cSld>
@@ -14869,7 +15469,7 @@
           <p:cNvPr id="4" name="Content Placeholder 3">
             <a:extLst>
               <a:ext uri="{FF2B5EF4-FFF2-40B4-BE49-F238E27FC236}">
-                <a16:creationId xmlns:a16="http://schemas.microsoft.com/office/drawing/2014/main" xmlns="" id="{B0D449F4-BE6C-4196-B1D7-5942B96FEC4B}"/>
+                <a16:creationId xmlns:a16="http://schemas.microsoft.com/office/drawing/2014/main" id="{B0D449F4-BE6C-4196-B1D7-5942B96FEC4B}"/>
               </a:ext>
             </a:extLst>
           </p:cNvPr>
@@ -14934,7 +15534,7 @@
     </p:spTree>
     <p:extLst>
       <p:ext uri="{BB962C8B-B14F-4D97-AF65-F5344CB8AC3E}">
-        <p14:creationId xmlns:p14="http://schemas.microsoft.com/office/powerpoint/2010/main" xmlns="" val="1082469397"/>
+        <p14:creationId xmlns:p14="http://schemas.microsoft.com/office/powerpoint/2010/main" val="1082469397"/>
       </p:ext>
     </p:extLst>
   </p:cSld>
@@ -15088,7 +15688,7 @@
     </p:spTree>
     <p:extLst>
       <p:ext uri="{BB962C8B-B14F-4D97-AF65-F5344CB8AC3E}">
-        <p14:creationId xmlns:p14="http://schemas.microsoft.com/office/powerpoint/2010/main" xmlns="" val="3779501413"/>
+        <p14:creationId xmlns:p14="http://schemas.microsoft.com/office/powerpoint/2010/main" val="3779501413"/>
       </p:ext>
     </p:extLst>
   </p:cSld>
@@ -15237,7 +15837,7 @@
     </p:spTree>
     <p:extLst>
       <p:ext uri="{BB962C8B-B14F-4D97-AF65-F5344CB8AC3E}">
-        <p14:creationId xmlns:p14="http://schemas.microsoft.com/office/powerpoint/2010/main" xmlns="" val="1839063939"/>
+        <p14:creationId xmlns:p14="http://schemas.microsoft.com/office/powerpoint/2010/main" val="1839063939"/>
       </p:ext>
     </p:extLst>
   </p:cSld>
@@ -15353,7 +15953,7 @@
           <p:cNvPr id="8194" name="Picture 2" descr="https://upload.wikimedia.org/wikipedia/commons/9/92/W3sDesign_Mediator_Design_Pattern_UML.jpg">
             <a:extLst>
               <a:ext uri="{FF2B5EF4-FFF2-40B4-BE49-F238E27FC236}">
-                <a16:creationId xmlns:a16="http://schemas.microsoft.com/office/drawing/2014/main" xmlns="" id="{E938D238-EE26-4DEF-9A7E-D942560F1117}"/>
+                <a16:creationId xmlns:a16="http://schemas.microsoft.com/office/drawing/2014/main" id="{E938D238-EE26-4DEF-9A7E-D942560F1117}"/>
               </a:ext>
             </a:extLst>
           </p:cNvPr>
@@ -15368,7 +15968,7 @@
           <a:blip r:embed="rId2">
             <a:extLst>
               <a:ext uri="{28A0092B-C50C-407E-A947-70E740481C1C}">
-                <a14:useLocalDpi xmlns:a14="http://schemas.microsoft.com/office/drawing/2010/main" xmlns="" val="0"/>
+                <a14:useLocalDpi xmlns:a14="http://schemas.microsoft.com/office/drawing/2010/main" val="0"/>
               </a:ext>
             </a:extLst>
           </a:blip>
@@ -15388,7 +15988,7 @@
           <a:noFill/>
           <a:extLst>
             <a:ext uri="{909E8E84-426E-40DD-AFC4-6F175D3DCCD1}">
-              <a14:hiddenFill xmlns:a14="http://schemas.microsoft.com/office/drawing/2010/main" xmlns="">
+              <a14:hiddenFill xmlns:a14="http://schemas.microsoft.com/office/drawing/2010/main">
                 <a:solidFill>
                   <a:srgbClr val="FFFFFF"/>
                 </a:solidFill>
@@ -15400,7 +16000,7 @@
     </p:spTree>
     <p:extLst>
       <p:ext uri="{BB962C8B-B14F-4D97-AF65-F5344CB8AC3E}">
-        <p14:creationId xmlns:p14="http://schemas.microsoft.com/office/powerpoint/2010/main" xmlns="" val="2742977241"/>
+        <p14:creationId xmlns:p14="http://schemas.microsoft.com/office/powerpoint/2010/main" val="2742977241"/>
       </p:ext>
     </p:extLst>
   </p:cSld>
@@ -15516,7 +16116,7 @@
           <p:cNvPr id="4" name="Content Placeholder 3">
             <a:extLst>
               <a:ext uri="{FF2B5EF4-FFF2-40B4-BE49-F238E27FC236}">
-                <a16:creationId xmlns:a16="http://schemas.microsoft.com/office/drawing/2014/main" xmlns="" id="{BF7ED462-293F-4291-B3E2-51F1782B775F}"/>
+                <a16:creationId xmlns:a16="http://schemas.microsoft.com/office/drawing/2014/main" id="{BF7ED462-293F-4291-B3E2-51F1782B775F}"/>
               </a:ext>
             </a:extLst>
           </p:cNvPr>
@@ -15581,7 +16181,7 @@
     </p:spTree>
     <p:extLst>
       <p:ext uri="{BB962C8B-B14F-4D97-AF65-F5344CB8AC3E}">
-        <p14:creationId xmlns:p14="http://schemas.microsoft.com/office/powerpoint/2010/main" xmlns="" val="2065697913"/>
+        <p14:creationId xmlns:p14="http://schemas.microsoft.com/office/powerpoint/2010/main" val="2065697913"/>
       </p:ext>
     </p:extLst>
   </p:cSld>
@@ -15735,7 +16335,7 @@
     </p:spTree>
     <p:extLst>
       <p:ext uri="{BB962C8B-B14F-4D97-AF65-F5344CB8AC3E}">
-        <p14:creationId xmlns:p14="http://schemas.microsoft.com/office/powerpoint/2010/main" xmlns="" val="4165975006"/>
+        <p14:creationId xmlns:p14="http://schemas.microsoft.com/office/powerpoint/2010/main" val="4165975006"/>
       </p:ext>
     </p:extLst>
   </p:cSld>
@@ -15878,7 +16478,7 @@
     </p:spTree>
     <p:extLst>
       <p:ext uri="{BB962C8B-B14F-4D97-AF65-F5344CB8AC3E}">
-        <p14:creationId xmlns:p14="http://schemas.microsoft.com/office/powerpoint/2010/main" xmlns="" val="2720796027"/>
+        <p14:creationId xmlns:p14="http://schemas.microsoft.com/office/powerpoint/2010/main" val="2720796027"/>
       </p:ext>
     </p:extLst>
   </p:cSld>
@@ -15994,7 +16594,7 @@
           <p:cNvPr id="12290" name="Picture 2" descr="https://upload.wikimedia.org/wikipedia/commons/3/38/W3sDesign_Memento_Design_Pattern_UML.jpg">
             <a:extLst>
               <a:ext uri="{FF2B5EF4-FFF2-40B4-BE49-F238E27FC236}">
-                <a16:creationId xmlns:a16="http://schemas.microsoft.com/office/drawing/2014/main" xmlns="" id="{2629CFD5-F667-4DEE-B405-967CDB29E0C1}"/>
+                <a16:creationId xmlns:a16="http://schemas.microsoft.com/office/drawing/2014/main" id="{2629CFD5-F667-4DEE-B405-967CDB29E0C1}"/>
               </a:ext>
             </a:extLst>
           </p:cNvPr>
@@ -16009,7 +16609,7 @@
           <a:blip r:embed="rId2">
             <a:extLst>
               <a:ext uri="{28A0092B-C50C-407E-A947-70E740481C1C}">
-                <a14:useLocalDpi xmlns:a14="http://schemas.microsoft.com/office/drawing/2010/main" xmlns="" val="0"/>
+                <a14:useLocalDpi xmlns:a14="http://schemas.microsoft.com/office/drawing/2010/main" val="0"/>
               </a:ext>
             </a:extLst>
           </a:blip>
@@ -16029,7 +16629,7 @@
           <a:noFill/>
           <a:extLst>
             <a:ext uri="{909E8E84-426E-40DD-AFC4-6F175D3DCCD1}">
-              <a14:hiddenFill xmlns:a14="http://schemas.microsoft.com/office/drawing/2010/main" xmlns="">
+              <a14:hiddenFill xmlns:a14="http://schemas.microsoft.com/office/drawing/2010/main">
                 <a:solidFill>
                   <a:srgbClr val="FFFFFF"/>
                 </a:solidFill>
@@ -16041,7 +16641,7 @@
     </p:spTree>
     <p:extLst>
       <p:ext uri="{BB962C8B-B14F-4D97-AF65-F5344CB8AC3E}">
-        <p14:creationId xmlns:p14="http://schemas.microsoft.com/office/powerpoint/2010/main" xmlns="" val="2348391087"/>
+        <p14:creationId xmlns:p14="http://schemas.microsoft.com/office/powerpoint/2010/main" val="2348391087"/>
       </p:ext>
     </p:extLst>
   </p:cSld>
@@ -16226,7 +16826,7 @@
     </p:spTree>
     <p:extLst>
       <p:ext uri="{BB962C8B-B14F-4D97-AF65-F5344CB8AC3E}">
-        <p14:creationId xmlns:p14="http://schemas.microsoft.com/office/powerpoint/2010/main" xmlns="" val="3566794690"/>
+        <p14:creationId xmlns:p14="http://schemas.microsoft.com/office/powerpoint/2010/main" val="3566794690"/>
       </p:ext>
     </p:extLst>
   </p:cSld>
@@ -16278,12 +16878,8 @@
           <a:lstStyle/>
           <a:p>
             <a:r>
-              <a:rPr lang="en-US" dirty="0" smtClean="0"/>
-              <a:t>Software Design </a:t>
-            </a:r>
-            <a:r>
               <a:rPr lang="en-US" dirty="0"/>
-              <a:t>Patterns</a:t>
+              <a:t>Software Design Patterns</a:t>
             </a:r>
             <a:endParaRPr lang="en-GB" dirty="0"/>
           </a:p>
@@ -16316,7 +16912,7 @@
     </p:spTree>
     <p:extLst>
       <p:ext uri="{BB962C8B-B14F-4D97-AF65-F5344CB8AC3E}">
-        <p14:creationId xmlns:p14="http://schemas.microsoft.com/office/powerpoint/2010/main" xmlns="" val="1223645285"/>
+        <p14:creationId xmlns:p14="http://schemas.microsoft.com/office/powerpoint/2010/main" val="1223645285"/>
       </p:ext>
     </p:extLst>
   </p:cSld>
@@ -16470,7 +17066,7 @@
     </p:spTree>
     <p:extLst>
       <p:ext uri="{BB962C8B-B14F-4D97-AF65-F5344CB8AC3E}">
-        <p14:creationId xmlns:p14="http://schemas.microsoft.com/office/powerpoint/2010/main" xmlns="" val="135596178"/>
+        <p14:creationId xmlns:p14="http://schemas.microsoft.com/office/powerpoint/2010/main" val="135596178"/>
       </p:ext>
     </p:extLst>
   </p:cSld>
@@ -16608,7 +17204,7 @@
     </p:spTree>
     <p:extLst>
       <p:ext uri="{BB962C8B-B14F-4D97-AF65-F5344CB8AC3E}">
-        <p14:creationId xmlns:p14="http://schemas.microsoft.com/office/powerpoint/2010/main" xmlns="" val="241460198"/>
+        <p14:creationId xmlns:p14="http://schemas.microsoft.com/office/powerpoint/2010/main" val="241460198"/>
       </p:ext>
     </p:extLst>
   </p:cSld>
@@ -16745,7 +17341,7 @@
           <p:cNvPr id="1026" name="Picture 2" descr="https://upload.wikimedia.org/wikipedia/commons/0/01/W3sDesign_Observer_Design_Pattern_UML.jpg">
             <a:extLst>
               <a:ext uri="{FF2B5EF4-FFF2-40B4-BE49-F238E27FC236}">
-                <a16:creationId xmlns:a16="http://schemas.microsoft.com/office/drawing/2014/main" xmlns="" id="{1C61D647-226A-42D5-A500-A6F26B684FF5}"/>
+                <a16:creationId xmlns:a16="http://schemas.microsoft.com/office/drawing/2014/main" id="{1C61D647-226A-42D5-A500-A6F26B684FF5}"/>
               </a:ext>
             </a:extLst>
           </p:cNvPr>
@@ -16758,7 +17354,7 @@
           <a:blip r:embed="rId2">
             <a:extLst>
               <a:ext uri="{28A0092B-C50C-407E-A947-70E740481C1C}">
-                <a14:useLocalDpi xmlns:a14="http://schemas.microsoft.com/office/drawing/2010/main" xmlns="" val="0"/>
+                <a14:useLocalDpi xmlns:a14="http://schemas.microsoft.com/office/drawing/2010/main" val="0"/>
               </a:ext>
             </a:extLst>
           </a:blip>
@@ -16778,7 +17374,7 @@
           <a:noFill/>
           <a:extLst>
             <a:ext uri="{909E8E84-426E-40DD-AFC4-6F175D3DCCD1}">
-              <a14:hiddenFill xmlns:a14="http://schemas.microsoft.com/office/drawing/2010/main" xmlns="">
+              <a14:hiddenFill xmlns:a14="http://schemas.microsoft.com/office/drawing/2010/main">
                 <a:solidFill>
                   <a:srgbClr val="FFFFFF"/>
                 </a:solidFill>
@@ -16790,7 +17386,7 @@
     </p:spTree>
     <p:extLst>
       <p:ext uri="{BB962C8B-B14F-4D97-AF65-F5344CB8AC3E}">
-        <p14:creationId xmlns:p14="http://schemas.microsoft.com/office/powerpoint/2010/main" xmlns="" val="15016701"/>
+        <p14:creationId xmlns:p14="http://schemas.microsoft.com/office/powerpoint/2010/main" val="15016701"/>
       </p:ext>
     </p:extLst>
   </p:cSld>
@@ -16973,7 +17569,7 @@
     </p:spTree>
     <p:extLst>
       <p:ext uri="{BB962C8B-B14F-4D97-AF65-F5344CB8AC3E}">
-        <p14:creationId xmlns:p14="http://schemas.microsoft.com/office/powerpoint/2010/main" xmlns="" val="3889584516"/>
+        <p14:creationId xmlns:p14="http://schemas.microsoft.com/office/powerpoint/2010/main" val="3889584516"/>
       </p:ext>
     </p:extLst>
   </p:cSld>
@@ -17127,7 +17723,7 @@
     </p:spTree>
     <p:extLst>
       <p:ext uri="{BB962C8B-B14F-4D97-AF65-F5344CB8AC3E}">
-        <p14:creationId xmlns:p14="http://schemas.microsoft.com/office/powerpoint/2010/main" xmlns="" val="1841640210"/>
+        <p14:creationId xmlns:p14="http://schemas.microsoft.com/office/powerpoint/2010/main" val="1841640210"/>
       </p:ext>
     </p:extLst>
   </p:cSld>
@@ -17204,18 +17800,13 @@
           <a:lstStyle/>
           <a:p>
             <a:r>
-              <a:rPr lang="en-GB" b="1" dirty="0" smtClean="0">
+              <a:rPr lang="en-GB" b="1" dirty="0">
                 <a:solidFill>
                   <a:srgbClr val="FF0000"/>
                 </a:solidFill>
               </a:rPr>
               <a:t>State</a:t>
             </a:r>
-            <a:endParaRPr lang="en-GB" b="1" dirty="0">
-              <a:solidFill>
-                <a:srgbClr val="FF0000"/>
-              </a:solidFill>
-            </a:endParaRPr>
           </a:p>
         </p:txBody>
       </p:sp>
@@ -17237,39 +17828,22 @@
           <a:lstStyle/>
           <a:p>
             <a:r>
-              <a:rPr lang="en-US" dirty="0" smtClean="0"/>
+              <a:rPr lang="en-US" dirty="0"/>
               <a:t>The state pattern is a behavioral software design pattern that implements a state machine in an object-oriented way. With the state pattern, a state machine is implemented by implementing each individual state as a derived class of the state pattern interface, and implementing state transitions by invoking methods defined by the pattern's </a:t>
             </a:r>
             <a:r>
-              <a:rPr lang="en-US" dirty="0" err="1" smtClean="0"/>
+              <a:rPr lang="en-US" dirty="0" err="1"/>
               <a:t>superclass</a:t>
             </a:r>
             <a:r>
-              <a:rPr lang="en-US" dirty="0" smtClean="0"/>
+              <a:rPr lang="en-US" dirty="0"/>
               <a:t>.</a:t>
             </a:r>
-            <a:endParaRPr lang="en-US" dirty="0" smtClean="0"/>
-          </a:p>
-          <a:p>
-            <a:r>
-              <a:rPr lang="en-US" dirty="0" smtClean="0"/>
-              <a:t>This </a:t>
-            </a:r>
-            <a:r>
-              <a:rPr lang="en-US" dirty="0" smtClean="0"/>
-              <a:t>pattern is used in computer programming to encapsulate varying behavior for the same object based on its internal state. This can be a cleaner way for an object to change its behavior at runtime without resorting to large monolithic conditional </a:t>
-            </a:r>
-            <a:r>
-              <a:rPr lang="en-US" dirty="0" smtClean="0"/>
-              <a:t>statements </a:t>
-            </a:r>
-            <a:r>
-              <a:rPr lang="en-US" dirty="0" smtClean="0"/>
-              <a:t>and thus improve maintainability</a:t>
-            </a:r>
-            <a:r>
-              <a:rPr lang="en-US" dirty="0" smtClean="0"/>
-              <a:t>.</a:t>
+          </a:p>
+          <a:p>
+            <a:r>
+              <a:rPr lang="en-US" dirty="0"/>
+              <a:t>This pattern is used in computer programming to encapsulate varying behavior for the same object based on its internal state. This can be a cleaner way for an object to change its behavior at runtime without resorting to large monolithic conditional statements and thus improve maintainability.</a:t>
             </a:r>
             <a:endParaRPr lang="en-US" altLang="zh-CN" dirty="0"/>
           </a:p>
@@ -17302,7 +17876,7 @@
     </p:spTree>
     <p:extLst>
       <p:ext uri="{BB962C8B-B14F-4D97-AF65-F5344CB8AC3E}">
-        <p14:creationId xmlns:p14="http://schemas.microsoft.com/office/powerpoint/2010/main" xmlns="" val="1841640210"/>
+        <p14:creationId xmlns:p14="http://schemas.microsoft.com/office/powerpoint/2010/main" val="1841640210"/>
       </p:ext>
     </p:extLst>
   </p:cSld>
@@ -17379,18 +17953,13 @@
           <a:lstStyle/>
           <a:p>
             <a:r>
-              <a:rPr lang="en-GB" b="1" dirty="0" smtClean="0">
+              <a:rPr lang="en-GB" b="1" dirty="0">
                 <a:solidFill>
                   <a:srgbClr val="FF0000"/>
                 </a:solidFill>
               </a:rPr>
               <a:t>State</a:t>
             </a:r>
-            <a:endParaRPr lang="en-GB" b="1" dirty="0">
-              <a:solidFill>
-                <a:srgbClr val="FF0000"/>
-              </a:solidFill>
-            </a:endParaRPr>
           </a:p>
         </p:txBody>
       </p:sp>
@@ -17444,7 +18013,7 @@
     </p:spTree>
     <p:extLst>
       <p:ext uri="{BB962C8B-B14F-4D97-AF65-F5344CB8AC3E}">
-        <p14:creationId xmlns:p14="http://schemas.microsoft.com/office/powerpoint/2010/main" xmlns="" val="1841640210"/>
+        <p14:creationId xmlns:p14="http://schemas.microsoft.com/office/powerpoint/2010/main" val="1841640210"/>
       </p:ext>
     </p:extLst>
   </p:cSld>
@@ -17521,18 +18090,13 @@
           <a:lstStyle/>
           <a:p>
             <a:r>
-              <a:rPr lang="en-GB" b="1" dirty="0" smtClean="0">
+              <a:rPr lang="en-GB" b="1" dirty="0">
                 <a:solidFill>
                   <a:srgbClr val="FF0000"/>
                 </a:solidFill>
               </a:rPr>
               <a:t>State</a:t>
             </a:r>
-            <a:endParaRPr lang="en-GB" b="1" dirty="0">
-              <a:solidFill>
-                <a:srgbClr val="FF0000"/>
-              </a:solidFill>
-            </a:endParaRPr>
           </a:p>
         </p:txBody>
       </p:sp>
@@ -17554,54 +18118,43 @@
           <a:lstStyle/>
           <a:p>
             <a:r>
-              <a:rPr lang="en-US" altLang="zh-CN" dirty="0" smtClean="0"/>
+              <a:rPr lang="en-US" altLang="zh-CN" dirty="0"/>
               <a:t>What problems can the State design pattern solve? </a:t>
             </a:r>
           </a:p>
           <a:p>
             <a:pPr lvl="1"/>
             <a:r>
-              <a:rPr lang="en-US" altLang="zh-CN" dirty="0" smtClean="0"/>
+              <a:rPr lang="en-US" altLang="zh-CN" dirty="0"/>
               <a:t>An object should change its behavior when its internal state changes.</a:t>
             </a:r>
           </a:p>
           <a:p>
             <a:pPr lvl="1"/>
             <a:r>
-              <a:rPr lang="en-US" altLang="zh-CN" dirty="0" smtClean="0"/>
-              <a:t>State-specific behavior should be defined independently. That is, new states should be added and the behavior of existing states should be changed independently</a:t>
-            </a:r>
-            <a:r>
-              <a:rPr lang="en-US" altLang="zh-CN" dirty="0" smtClean="0"/>
-              <a:t>.</a:t>
-            </a:r>
-            <a:endParaRPr lang="en-US" altLang="zh-CN" dirty="0" smtClean="0"/>
-          </a:p>
-          <a:p>
-            <a:r>
-              <a:rPr lang="en-US" altLang="zh-CN" dirty="0" smtClean="0"/>
-              <a:t>What solution does the State design pattern describe</a:t>
-            </a:r>
-            <a:r>
-              <a:rPr lang="en-US" altLang="zh-CN" dirty="0" smtClean="0"/>
-              <a:t>?</a:t>
-            </a:r>
-            <a:endParaRPr lang="en-US" altLang="zh-CN" dirty="0" smtClean="0"/>
+              <a:rPr lang="en-US" altLang="zh-CN" dirty="0"/>
+              <a:t>State-specific behavior should be defined independently. That is, new states should be added and the behavior of existing states should be changed independently.</a:t>
+            </a:r>
+          </a:p>
+          <a:p>
+            <a:r>
+              <a:rPr lang="en-US" altLang="zh-CN" dirty="0"/>
+              <a:t>What solution does the State design pattern describe?</a:t>
+            </a:r>
           </a:p>
           <a:p>
             <a:pPr lvl="1"/>
             <a:r>
-              <a:rPr lang="en-US" altLang="zh-CN" dirty="0" smtClean="0"/>
+              <a:rPr lang="en-US" altLang="zh-CN" dirty="0"/>
               <a:t>Define separate (state) objects that encapsulate state-specific behavior for each state. That is, define an interface (State) for performing state-specific behavior, and define classes that implement the interface for each state.</a:t>
             </a:r>
           </a:p>
           <a:p>
             <a:pPr lvl="1"/>
             <a:r>
-              <a:rPr lang="en-US" altLang="zh-CN" dirty="0" smtClean="0"/>
+              <a:rPr lang="en-US" altLang="zh-CN" dirty="0"/>
               <a:t>A class delegates state-specific behavior to its current state object instead of implementing state-specific behavior directly.</a:t>
             </a:r>
-            <a:endParaRPr lang="en-US" altLang="zh-CN" dirty="0"/>
           </a:p>
         </p:txBody>
       </p:sp>
@@ -17632,7 +18185,7 @@
     </p:spTree>
     <p:extLst>
       <p:ext uri="{BB962C8B-B14F-4D97-AF65-F5344CB8AC3E}">
-        <p14:creationId xmlns:p14="http://schemas.microsoft.com/office/powerpoint/2010/main" xmlns="" val="1841640210"/>
+        <p14:creationId xmlns:p14="http://schemas.microsoft.com/office/powerpoint/2010/main" val="1841640210"/>
       </p:ext>
     </p:extLst>
   </p:cSld>
@@ -17709,18 +18262,13 @@
           <a:lstStyle/>
           <a:p>
             <a:r>
-              <a:rPr lang="en-GB" b="1" dirty="0" smtClean="0">
+              <a:rPr lang="en-GB" b="1" dirty="0">
                 <a:solidFill>
                   <a:srgbClr val="FF0000"/>
                 </a:solidFill>
               </a:rPr>
               <a:t>State</a:t>
             </a:r>
-            <a:endParaRPr lang="en-GB" b="1" dirty="0">
-              <a:solidFill>
-                <a:srgbClr val="FF0000"/>
-              </a:solidFill>
-            </a:endParaRPr>
           </a:p>
         </p:txBody>
       </p:sp>
@@ -17750,16 +18298,12 @@
               <a:t>an you think out a scenario to use </a:t>
             </a:r>
             <a:r>
-              <a:rPr lang="en-GB" dirty="0" smtClean="0"/>
+              <a:rPr lang="en-GB" dirty="0"/>
               <a:t>state </a:t>
             </a:r>
             <a:r>
-              <a:rPr lang="en-US" dirty="0" smtClean="0"/>
-              <a:t>pattern </a:t>
-            </a:r>
-            <a:r>
               <a:rPr lang="en-US" dirty="0"/>
-              <a:t>in your previous coding task</a:t>
+              <a:t>pattern in your previous coding task</a:t>
             </a:r>
             <a:r>
               <a:rPr lang="en-US" altLang="zh-CN" dirty="0"/>
@@ -17795,7 +18339,7 @@
     </p:spTree>
     <p:extLst>
       <p:ext uri="{BB962C8B-B14F-4D97-AF65-F5344CB8AC3E}">
-        <p14:creationId xmlns:p14="http://schemas.microsoft.com/office/powerpoint/2010/main" xmlns="" val="1841640210"/>
+        <p14:creationId xmlns:p14="http://schemas.microsoft.com/office/powerpoint/2010/main" val="1841640210"/>
       </p:ext>
     </p:extLst>
   </p:cSld>
@@ -17963,7 +18507,7 @@
     </p:spTree>
     <p:extLst>
       <p:ext uri="{BB962C8B-B14F-4D97-AF65-F5344CB8AC3E}">
-        <p14:creationId xmlns:p14="http://schemas.microsoft.com/office/powerpoint/2010/main" xmlns="" val="1478442060"/>
+        <p14:creationId xmlns:p14="http://schemas.microsoft.com/office/powerpoint/2010/main" val="1478442060"/>
       </p:ext>
     </p:extLst>
   </p:cSld>
@@ -18122,7 +18666,7 @@
     </p:spTree>
     <p:extLst>
       <p:ext uri="{BB962C8B-B14F-4D97-AF65-F5344CB8AC3E}">
-        <p14:creationId xmlns:p14="http://schemas.microsoft.com/office/powerpoint/2010/main" xmlns="" val="2208283651"/>
+        <p14:creationId xmlns:p14="http://schemas.microsoft.com/office/powerpoint/2010/main" val="2208283651"/>
       </p:ext>
     </p:extLst>
   </p:cSld>
@@ -18238,7 +18782,7 @@
           <p:cNvPr id="2050" name="Picture 2" descr="https://upload.wikimedia.org/wikipedia/commons/4/45/W3sDesign_Strategy_Design_Pattern_UML.jpg">
             <a:extLst>
               <a:ext uri="{FF2B5EF4-FFF2-40B4-BE49-F238E27FC236}">
-                <a16:creationId xmlns:a16="http://schemas.microsoft.com/office/drawing/2014/main" xmlns="" id="{532F9975-1AB8-4053-B399-9A8EE965CAC9}"/>
+                <a16:creationId xmlns:a16="http://schemas.microsoft.com/office/drawing/2014/main" id="{532F9975-1AB8-4053-B399-9A8EE965CAC9}"/>
               </a:ext>
             </a:extLst>
           </p:cNvPr>
@@ -18253,7 +18797,7 @@
           <a:blip r:embed="rId2">
             <a:extLst>
               <a:ext uri="{28A0092B-C50C-407E-A947-70E740481C1C}">
-                <a14:useLocalDpi xmlns:a14="http://schemas.microsoft.com/office/drawing/2010/main" xmlns="" val="0"/>
+                <a14:useLocalDpi xmlns:a14="http://schemas.microsoft.com/office/drawing/2010/main" val="0"/>
               </a:ext>
             </a:extLst>
           </a:blip>
@@ -18273,7 +18817,7 @@
           <a:noFill/>
           <a:extLst>
             <a:ext uri="{909E8E84-426E-40DD-AFC4-6F175D3DCCD1}">
-              <a14:hiddenFill xmlns:a14="http://schemas.microsoft.com/office/drawing/2010/main" xmlns="">
+              <a14:hiddenFill xmlns:a14="http://schemas.microsoft.com/office/drawing/2010/main">
                 <a:solidFill>
                   <a:srgbClr val="FFFFFF"/>
                 </a:solidFill>
@@ -18285,7 +18829,7 @@
     </p:spTree>
     <p:extLst>
       <p:ext uri="{BB962C8B-B14F-4D97-AF65-F5344CB8AC3E}">
-        <p14:creationId xmlns:p14="http://schemas.microsoft.com/office/powerpoint/2010/main" xmlns="" val="1054354520"/>
+        <p14:creationId xmlns:p14="http://schemas.microsoft.com/office/powerpoint/2010/main" val="1054354520"/>
       </p:ext>
     </p:extLst>
   </p:cSld>
@@ -18401,7 +18945,7 @@
           <p:cNvPr id="4" name="Content Placeholder 3">
             <a:extLst>
               <a:ext uri="{FF2B5EF4-FFF2-40B4-BE49-F238E27FC236}">
-                <a16:creationId xmlns:a16="http://schemas.microsoft.com/office/drawing/2014/main" xmlns="" id="{D84B5803-A885-4E6F-84FA-031FB117A874}"/>
+                <a16:creationId xmlns:a16="http://schemas.microsoft.com/office/drawing/2014/main" id="{D84B5803-A885-4E6F-84FA-031FB117A874}"/>
               </a:ext>
             </a:extLst>
           </p:cNvPr>
@@ -18466,7 +19010,7 @@
     </p:spTree>
     <p:extLst>
       <p:ext uri="{BB962C8B-B14F-4D97-AF65-F5344CB8AC3E}">
-        <p14:creationId xmlns:p14="http://schemas.microsoft.com/office/powerpoint/2010/main" xmlns="" val="971112000"/>
+        <p14:creationId xmlns:p14="http://schemas.microsoft.com/office/powerpoint/2010/main" val="971112000"/>
       </p:ext>
     </p:extLst>
   </p:cSld>
@@ -18620,7 +19164,7 @@
     </p:spTree>
     <p:extLst>
       <p:ext uri="{BB962C8B-B14F-4D97-AF65-F5344CB8AC3E}">
-        <p14:creationId xmlns:p14="http://schemas.microsoft.com/office/powerpoint/2010/main" xmlns="" val="2265864203"/>
+        <p14:creationId xmlns:p14="http://schemas.microsoft.com/office/powerpoint/2010/main" val="2265864203"/>
       </p:ext>
     </p:extLst>
   </p:cSld>
@@ -18734,15 +19278,7 @@
             </a:r>
             <a:r>
               <a:rPr lang="en-GB" dirty="0"/>
-              <a:t> design pattern that defines the program skeleton of an algorithm in an operation, deferring some steps to subclasses</a:t>
-            </a:r>
-            <a:r>
-              <a:rPr lang="en-GB" dirty="0" smtClean="0"/>
-              <a:t>. </a:t>
-            </a:r>
-            <a:r>
-              <a:rPr lang="en-GB" dirty="0"/>
-              <a:t>It lets one redefine certain steps of an algorithm without changing the algorithm's structure.</a:t>
+              <a:t> design pattern that defines the program skeleton of an algorithm in an operation, deferring some steps to subclasses. It lets one redefine certain steps of an algorithm without changing the algorithm's structure.</a:t>
             </a:r>
           </a:p>
         </p:txBody>
@@ -18774,7 +19310,7 @@
     </p:spTree>
     <p:extLst>
       <p:ext uri="{BB962C8B-B14F-4D97-AF65-F5344CB8AC3E}">
-        <p14:creationId xmlns:p14="http://schemas.microsoft.com/office/powerpoint/2010/main" xmlns="" val="3254114362"/>
+        <p14:creationId xmlns:p14="http://schemas.microsoft.com/office/powerpoint/2010/main" val="3254114362"/>
       </p:ext>
     </p:extLst>
   </p:cSld>
@@ -18890,7 +19426,7 @@
           <p:cNvPr id="3074" name="Picture 2" descr="https://upload.wikimedia.org/wikipedia/commons/2/2a/W3sDesign_Template_Method_Design_Pattern_UML.jpg">
             <a:extLst>
               <a:ext uri="{FF2B5EF4-FFF2-40B4-BE49-F238E27FC236}">
-                <a16:creationId xmlns:a16="http://schemas.microsoft.com/office/drawing/2014/main" xmlns="" id="{E0CEF9D6-FC7C-467C-ACD4-5476DC0E5A65}"/>
+                <a16:creationId xmlns:a16="http://schemas.microsoft.com/office/drawing/2014/main" id="{E0CEF9D6-FC7C-467C-ACD4-5476DC0E5A65}"/>
               </a:ext>
             </a:extLst>
           </p:cNvPr>
@@ -18905,7 +19441,7 @@
           <a:blip r:embed="rId2">
             <a:extLst>
               <a:ext uri="{28A0092B-C50C-407E-A947-70E740481C1C}">
-                <a14:useLocalDpi xmlns:a14="http://schemas.microsoft.com/office/drawing/2010/main" xmlns="" val="0"/>
+                <a14:useLocalDpi xmlns:a14="http://schemas.microsoft.com/office/drawing/2010/main" val="0"/>
               </a:ext>
             </a:extLst>
           </a:blip>
@@ -18925,7 +19461,7 @@
           <a:noFill/>
           <a:extLst>
             <a:ext uri="{909E8E84-426E-40DD-AFC4-6F175D3DCCD1}">
-              <a14:hiddenFill xmlns:a14="http://schemas.microsoft.com/office/drawing/2010/main" xmlns="">
+              <a14:hiddenFill xmlns:a14="http://schemas.microsoft.com/office/drawing/2010/main">
                 <a:solidFill>
                   <a:srgbClr val="FFFFFF"/>
                 </a:solidFill>
@@ -18937,7 +19473,7 @@
     </p:spTree>
     <p:extLst>
       <p:ext uri="{BB962C8B-B14F-4D97-AF65-F5344CB8AC3E}">
-        <p14:creationId xmlns:p14="http://schemas.microsoft.com/office/powerpoint/2010/main" xmlns="" val="1559111806"/>
+        <p14:creationId xmlns:p14="http://schemas.microsoft.com/office/powerpoint/2010/main" val="1559111806"/>
       </p:ext>
     </p:extLst>
   </p:cSld>
@@ -19053,7 +19589,7 @@
           <p:cNvPr id="4" name="Content Placeholder 3">
             <a:extLst>
               <a:ext uri="{FF2B5EF4-FFF2-40B4-BE49-F238E27FC236}">
-                <a16:creationId xmlns:a16="http://schemas.microsoft.com/office/drawing/2014/main" xmlns="" id="{B0D5D456-0033-4F71-A30B-6ACE0481CAFA}"/>
+                <a16:creationId xmlns:a16="http://schemas.microsoft.com/office/drawing/2014/main" id="{B0D5D456-0033-4F71-A30B-6ACE0481CAFA}"/>
               </a:ext>
             </a:extLst>
           </p:cNvPr>
@@ -19141,7 +19677,7 @@
     </p:spTree>
     <p:extLst>
       <p:ext uri="{BB962C8B-B14F-4D97-AF65-F5344CB8AC3E}">
-        <p14:creationId xmlns:p14="http://schemas.microsoft.com/office/powerpoint/2010/main" xmlns="" val="52703705"/>
+        <p14:creationId xmlns:p14="http://schemas.microsoft.com/office/powerpoint/2010/main" val="52703705"/>
       </p:ext>
     </p:extLst>
   </p:cSld>
@@ -19295,7 +19831,7 @@
     </p:spTree>
     <p:extLst>
       <p:ext uri="{BB962C8B-B14F-4D97-AF65-F5344CB8AC3E}">
-        <p14:creationId xmlns:p14="http://schemas.microsoft.com/office/powerpoint/2010/main" xmlns="" val="4248310202"/>
+        <p14:creationId xmlns:p14="http://schemas.microsoft.com/office/powerpoint/2010/main" val="4248310202"/>
       </p:ext>
     </p:extLst>
   </p:cSld>
@@ -19372,18 +19908,13 @@
           <a:lstStyle/>
           <a:p>
             <a:r>
-              <a:rPr lang="en-GB" b="1" dirty="0" smtClean="0">
+              <a:rPr lang="en-GB" b="1" dirty="0">
                 <a:solidFill>
                   <a:srgbClr val="FF0000"/>
                 </a:solidFill>
               </a:rPr>
               <a:t>Visitor</a:t>
             </a:r>
-            <a:endParaRPr lang="en-GB" b="1" dirty="0">
-              <a:solidFill>
-                <a:srgbClr val="FF0000"/>
-              </a:solidFill>
-            </a:endParaRPr>
           </a:p>
         </p:txBody>
       </p:sp>
@@ -19405,12 +19936,8 @@
           <a:lstStyle/>
           <a:p>
             <a:r>
-              <a:rPr lang="en-US" dirty="0" smtClean="0"/>
-              <a:t>Visitor </a:t>
-            </a:r>
-            <a:r>
-              <a:rPr lang="en-US" dirty="0" smtClean="0"/>
-              <a:t>design pattern is a way of separating an algorithm from an object structure on which it operates. A practical result of this separation is the ability to add new operations to existent object structures without modifying the structures. It is one way to follow the open/closed principle.</a:t>
+              <a:rPr lang="en-US" dirty="0"/>
+              <a:t>Visitor design pattern is a way of separating an algorithm from an object structure on which it operates. A practical result of this separation is the ability to add new operations to existent object structures without modifying the structures. It is one way to follow the open/closed principle.</a:t>
             </a:r>
             <a:endParaRPr lang="en-US" altLang="zh-CN" dirty="0"/>
           </a:p>
@@ -19443,7 +19970,7 @@
     </p:spTree>
     <p:extLst>
       <p:ext uri="{BB962C8B-B14F-4D97-AF65-F5344CB8AC3E}">
-        <p14:creationId xmlns:p14="http://schemas.microsoft.com/office/powerpoint/2010/main" xmlns="" val="4248310202"/>
+        <p14:creationId xmlns:p14="http://schemas.microsoft.com/office/powerpoint/2010/main" val="4248310202"/>
       </p:ext>
     </p:extLst>
   </p:cSld>
@@ -19520,18 +20047,13 @@
           <a:lstStyle/>
           <a:p>
             <a:r>
-              <a:rPr lang="en-GB" b="1" dirty="0" smtClean="0">
+              <a:rPr lang="en-GB" b="1" dirty="0">
                 <a:solidFill>
                   <a:srgbClr val="FF0000"/>
                 </a:solidFill>
               </a:rPr>
               <a:t>Visitor</a:t>
             </a:r>
-            <a:endParaRPr lang="en-GB" b="1" dirty="0">
-              <a:solidFill>
-                <a:srgbClr val="FF0000"/>
-              </a:solidFill>
-            </a:endParaRPr>
           </a:p>
         </p:txBody>
       </p:sp>
@@ -19585,7 +20107,7 @@
     </p:spTree>
     <p:extLst>
       <p:ext uri="{BB962C8B-B14F-4D97-AF65-F5344CB8AC3E}">
-        <p14:creationId xmlns:p14="http://schemas.microsoft.com/office/powerpoint/2010/main" xmlns="" val="4248310202"/>
+        <p14:creationId xmlns:p14="http://schemas.microsoft.com/office/powerpoint/2010/main" val="4248310202"/>
       </p:ext>
     </p:extLst>
   </p:cSld>
@@ -19662,18 +20184,13 @@
           <a:lstStyle/>
           <a:p>
             <a:r>
-              <a:rPr lang="en-GB" b="1" dirty="0" smtClean="0">
+              <a:rPr lang="en-GB" b="1" dirty="0">
                 <a:solidFill>
                   <a:srgbClr val="FF0000"/>
                 </a:solidFill>
               </a:rPr>
               <a:t>Visitor</a:t>
             </a:r>
-            <a:endParaRPr lang="en-GB" b="1" dirty="0">
-              <a:solidFill>
-                <a:srgbClr val="FF0000"/>
-              </a:solidFill>
-            </a:endParaRPr>
           </a:p>
         </p:txBody>
       </p:sp>
@@ -19695,58 +20212,39 @@
           <a:lstStyle/>
           <a:p>
             <a:r>
-              <a:rPr lang="en-US" altLang="zh-CN" dirty="0" smtClean="0"/>
-              <a:t>What problems can the Visitor design pattern solve</a:t>
-            </a:r>
-            <a:r>
-              <a:rPr lang="en-US" altLang="zh-CN" dirty="0" smtClean="0"/>
-              <a:t>?</a:t>
-            </a:r>
-            <a:endParaRPr lang="en-US" altLang="zh-CN" dirty="0" smtClean="0"/>
+              <a:rPr lang="en-US" altLang="zh-CN" dirty="0"/>
+              <a:t>What problems can the Visitor design pattern solve?</a:t>
+            </a:r>
           </a:p>
           <a:p>
             <a:pPr lvl="1"/>
             <a:r>
-              <a:rPr lang="en-US" altLang="zh-CN" dirty="0" smtClean="0"/>
+              <a:rPr lang="en-US" altLang="zh-CN" dirty="0"/>
               <a:t>It should be possible to define a new operation for (some) classes of an object structure without changing the classes.</a:t>
             </a:r>
           </a:p>
           <a:p>
-            <a:endParaRPr lang="en-US" altLang="zh-CN" dirty="0" smtClean="0"/>
-          </a:p>
-          <a:p>
-            <a:r>
-              <a:rPr lang="en-US" altLang="zh-CN" dirty="0" smtClean="0"/>
-              <a:t>What solution does the Visitor design pattern describe</a:t>
-            </a:r>
-            <a:r>
-              <a:rPr lang="en-US" altLang="zh-CN" dirty="0" smtClean="0"/>
-              <a:t>?</a:t>
-            </a:r>
-            <a:endParaRPr lang="en-US" altLang="zh-CN" dirty="0" smtClean="0"/>
+            <a:endParaRPr lang="en-US" altLang="zh-CN" dirty="0"/>
+          </a:p>
+          <a:p>
+            <a:r>
+              <a:rPr lang="en-US" altLang="zh-CN" dirty="0"/>
+              <a:t>What solution does the Visitor design pattern describe?</a:t>
+            </a:r>
           </a:p>
           <a:p>
             <a:pPr lvl="1"/>
             <a:r>
-              <a:rPr lang="en-US" altLang="zh-CN" dirty="0" smtClean="0"/>
-              <a:t>Define a separate (visitor) object that implements </a:t>
-            </a:r>
-            <a:r>
-              <a:rPr lang="en-US" altLang="zh-CN" dirty="0" smtClean="0"/>
-              <a:t>an </a:t>
-            </a:r>
-            <a:r>
-              <a:rPr lang="en-US" altLang="zh-CN" dirty="0" smtClean="0"/>
-              <a:t>operation to be performed on elements of an object structure.</a:t>
+              <a:rPr lang="en-US" altLang="zh-CN" dirty="0"/>
+              <a:t>Define a separate (visitor) object that implements an operation to be performed on elements of an object structure.</a:t>
             </a:r>
           </a:p>
           <a:p>
             <a:pPr lvl="1"/>
             <a:r>
-              <a:rPr lang="en-US" altLang="zh-CN" dirty="0" smtClean="0"/>
+              <a:rPr lang="en-US" altLang="zh-CN" dirty="0"/>
               <a:t>Clients traverse the object structure and call a dispatching operation accept(visitor) on an element — that "dispatches" (delegates) the request to the "accepted visitor object". The visitor object then performs the operation on the element ("visits the element").</a:t>
             </a:r>
-            <a:endParaRPr lang="en-US" altLang="zh-CN" dirty="0"/>
           </a:p>
         </p:txBody>
       </p:sp>
@@ -19777,7 +20275,7 @@
     </p:spTree>
     <p:extLst>
       <p:ext uri="{BB962C8B-B14F-4D97-AF65-F5344CB8AC3E}">
-        <p14:creationId xmlns:p14="http://schemas.microsoft.com/office/powerpoint/2010/main" xmlns="" val="4248310202"/>
+        <p14:creationId xmlns:p14="http://schemas.microsoft.com/office/powerpoint/2010/main" val="4248310202"/>
       </p:ext>
     </p:extLst>
   </p:cSld>
@@ -20076,7 +20574,7 @@
   <a:extraClrSchemeLst/>
   <a:extLst>
     <a:ext uri="{05A4C25C-085E-4340-85A3-A5531E510DB2}">
-      <thm15:themeFamily xmlns:thm15="http://schemas.microsoft.com/office/thememl/2012/main" xmlns="" name="Office Theme" id="{62F939B6-93AF-4DB8-9C6B-D6C7DFDC589F}" vid="{4A3C46E8-61CC-4603-A589-7422A47A8E4A}"/>
+      <thm15:themeFamily xmlns:thm15="http://schemas.microsoft.com/office/thememl/2012/main" name="Office Theme" id="{62F939B6-93AF-4DB8-9C6B-D6C7DFDC589F}" vid="{4A3C46E8-61CC-4603-A589-7422A47A8E4A}"/>
     </a:ext>
   </a:extLst>
 </a:theme>
@@ -20371,7 +20869,7 @@
   <a:extraClrSchemeLst/>
   <a:extLst>
     <a:ext uri="{05A4C25C-085E-4340-85A3-A5531E510DB2}">
-      <thm15:themeFamily xmlns:thm15="http://schemas.microsoft.com/office/thememl/2012/main" xmlns="" name="Office Theme" id="{62F939B6-93AF-4DB8-9C6B-D6C7DFDC589F}" vid="{4A3C46E8-61CC-4603-A589-7422A47A8E4A}"/>
+      <thm15:themeFamily xmlns:thm15="http://schemas.microsoft.com/office/thememl/2012/main" name="Office Theme" id="{62F939B6-93AF-4DB8-9C6B-D6C7DFDC589F}" vid="{4A3C46E8-61CC-4603-A589-7422A47A8E4A}"/>
     </a:ext>
   </a:extLst>
 </a:theme>

--- a/ppt/Design Patterns.pptx
+++ b/ppt/Design Patterns.pptx
@@ -312,7 +312,7 @@
             <a:fld id="{731F1C48-79F5-4BAD-8B53-D4AFE2610AD0}" type="datetimeFigureOut">
               <a:rPr lang="en-GB" smtClean="0"/>
               <a:pPr/>
-              <a:t>12/03/2018</a:t>
+              <a:t>13/03/2018</a:t>
             </a:fld>
             <a:endParaRPr lang="en-GB"/>
           </a:p>
@@ -713,7 +713,7 @@
             <a:fld id="{87E6C9CD-7379-441C-A6A8-29C9B7334156}" type="datetime1">
               <a:rPr lang="en-GB" smtClean="0"/>
               <a:pPr/>
-              <a:t>12/03/2018</a:t>
+              <a:t>13/03/2018</a:t>
             </a:fld>
             <a:endParaRPr lang="en-GB"/>
           </a:p>
@@ -885,7 +885,7 @@
             <a:fld id="{D60197C0-B356-47C3-9791-41E3470C4812}" type="datetime1">
               <a:rPr lang="en-GB" smtClean="0"/>
               <a:pPr/>
-              <a:t>12/03/2018</a:t>
+              <a:t>13/03/2018</a:t>
             </a:fld>
             <a:endParaRPr lang="en-GB"/>
           </a:p>
@@ -1067,7 +1067,7 @@
             <a:fld id="{A1CCBD52-4404-4679-AD0E-5B1A181093B3}" type="datetime1">
               <a:rPr lang="en-GB" smtClean="0"/>
               <a:pPr/>
-              <a:t>12/03/2018</a:t>
+              <a:t>13/03/2018</a:t>
             </a:fld>
             <a:endParaRPr lang="en-GB"/>
           </a:p>
@@ -1239,7 +1239,7 @@
             <a:fld id="{99CAAF4C-DA43-4B0B-B89D-B6BA7DD681AB}" type="datetime1">
               <a:rPr lang="en-GB" smtClean="0"/>
               <a:pPr/>
-              <a:t>12/03/2018</a:t>
+              <a:t>13/03/2018</a:t>
             </a:fld>
             <a:endParaRPr lang="en-GB"/>
           </a:p>
@@ -1487,7 +1487,7 @@
             <a:fld id="{108F6306-0CCA-4980-82C6-D3068F6305C7}" type="datetime1">
               <a:rPr lang="en-GB" smtClean="0"/>
               <a:pPr/>
-              <a:t>12/03/2018</a:t>
+              <a:t>13/03/2018</a:t>
             </a:fld>
             <a:endParaRPr lang="en-GB"/>
           </a:p>
@@ -1721,7 +1721,7 @@
             <a:fld id="{33696CE2-01E0-4DF1-A106-95799929B187}" type="datetime1">
               <a:rPr lang="en-GB" smtClean="0"/>
               <a:pPr/>
-              <a:t>12/03/2018</a:t>
+              <a:t>13/03/2018</a:t>
             </a:fld>
             <a:endParaRPr lang="en-GB"/>
           </a:p>
@@ -2090,7 +2090,7 @@
             <a:fld id="{A2090FD3-D285-4179-92BD-591F158C5418}" type="datetime1">
               <a:rPr lang="en-GB" smtClean="0"/>
               <a:pPr/>
-              <a:t>12/03/2018</a:t>
+              <a:t>13/03/2018</a:t>
             </a:fld>
             <a:endParaRPr lang="en-GB"/>
           </a:p>
@@ -2210,7 +2210,7 @@
             <a:fld id="{544E45B7-A622-4222-A80E-196BC8CCA7F7}" type="datetime1">
               <a:rPr lang="en-GB" smtClean="0"/>
               <a:pPr/>
-              <a:t>12/03/2018</a:t>
+              <a:t>13/03/2018</a:t>
             </a:fld>
             <a:endParaRPr lang="en-GB"/>
           </a:p>
@@ -2307,7 +2307,7 @@
             <a:fld id="{F8B7BAF0-324E-4D1E-AA07-C2DCEDCFE6FC}" type="datetime1">
               <a:rPr lang="en-GB" smtClean="0"/>
               <a:pPr/>
-              <a:t>12/03/2018</a:t>
+              <a:t>13/03/2018</a:t>
             </a:fld>
             <a:endParaRPr lang="en-GB"/>
           </a:p>
@@ -2586,7 +2586,7 @@
             <a:fld id="{92B207E2-AE5D-4291-9605-29BA914D2E47}" type="datetime1">
               <a:rPr lang="en-GB" smtClean="0"/>
               <a:pPr/>
-              <a:t>12/03/2018</a:t>
+              <a:t>13/03/2018</a:t>
             </a:fld>
             <a:endParaRPr lang="en-GB"/>
           </a:p>
@@ -2841,7 +2841,7 @@
             <a:fld id="{F0477EFB-93AB-4F72-AA71-BF558E1492A4}" type="datetime1">
               <a:rPr lang="en-GB" smtClean="0"/>
               <a:pPr/>
-              <a:t>12/03/2018</a:t>
+              <a:t>13/03/2018</a:t>
             </a:fld>
             <a:endParaRPr lang="en-GB"/>
           </a:p>
@@ -3056,7 +3056,7 @@
             <a:fld id="{4348BB12-A9A3-46E3-AA03-D86BBABF0BA4}" type="datetime1">
               <a:rPr lang="en-GB" smtClean="0"/>
               <a:pPr/>
-              <a:t>12/03/2018</a:t>
+              <a:t>13/03/2018</a:t>
             </a:fld>
             <a:endParaRPr lang="en-GB"/>
           </a:p>
@@ -8078,7 +8078,19 @@
           <a:p>
             <a:r>
               <a:rPr lang="en-US" dirty="0"/>
-              <a:t>Software entities like classes, modules and functions should be open for extension but closed for modifications.</a:t>
+              <a:t>Software entities like classes, modules and functions should be </a:t>
+            </a:r>
+            <a:r>
+              <a:rPr lang="en-US" dirty="0">
+                <a:solidFill>
+                  <a:srgbClr val="0070C0"/>
+                </a:solidFill>
+              </a:rPr>
+              <a:t>open for extension but closed for modifications</a:t>
+            </a:r>
+            <a:r>
+              <a:rPr lang="en-US" dirty="0"/>
+              <a:t>.</a:t>
             </a:r>
           </a:p>
           <a:p>
@@ -9822,7 +9834,11 @@
           <a:lstStyle/>
           <a:p>
             <a:r>
-              <a:rPr lang="en-US" dirty="0"/>
+              <a:rPr lang="en-US" dirty="0">
+                <a:solidFill>
+                  <a:srgbClr val="0070C0"/>
+                </a:solidFill>
+              </a:rPr>
               <a:t>High-level modules should not depend on low-level modules. Both should depend on abstractions.</a:t>
             </a:r>
           </a:p>
@@ -11619,7 +11635,11 @@
           <a:lstStyle/>
           <a:p>
             <a:r>
-              <a:rPr lang="en-US" dirty="0"/>
+              <a:rPr lang="en-US" dirty="0">
+                <a:solidFill>
+                  <a:srgbClr val="0070C0"/>
+                </a:solidFill>
+              </a:rPr>
               <a:t>Clients should not be forced to depend upon interfaces that they don't use.</a:t>
             </a:r>
           </a:p>
@@ -13405,7 +13425,11 @@
           <a:lstStyle/>
           <a:p>
             <a:r>
-              <a:rPr lang="en-US" dirty="0"/>
+              <a:rPr lang="en-US" dirty="0">
+                <a:solidFill>
+                  <a:srgbClr val="0070C0"/>
+                </a:solidFill>
+              </a:rPr>
               <a:t>A class should have only one reason to change.</a:t>
             </a:r>
           </a:p>
@@ -15133,8 +15157,16 @@
           <a:lstStyle/>
           <a:p>
             <a:r>
+              <a:rPr lang="en-US" dirty="0">
+                <a:solidFill>
+                  <a:srgbClr val="0070C0"/>
+                </a:solidFill>
+              </a:rPr>
+              <a:t>Derived types must be completely substitutable for their base types</a:t>
+            </a:r>
+            <a:r>
               <a:rPr lang="en-US" dirty="0"/>
-              <a:t>Derived types must be completely substitutable for their base types.</a:t>
+              <a:t>.</a:t>
             </a:r>
           </a:p>
           <a:p>
@@ -15158,8 +15190,13 @@
             </a:r>
             <a:r>
               <a:rPr lang="en-US" dirty="0"/>
-              <a:t> in a 1987 Conference on Object Oriented Programming Systems Languages and Applications, in Data abstraction and hierarchy</a:t>
-            </a:r>
+              <a:t> in a 1987 Conference on Object Oriented Programming Systems Languages and Applications, in Data abstraction </a:t>
+            </a:r>
+            <a:r>
+              <a:rPr lang="en-US"/>
+              <a:t>and hierarchy.</a:t>
+            </a:r>
+            <a:endParaRPr lang="en-US" dirty="0"/>
           </a:p>
         </p:txBody>
       </p:sp>
@@ -18593,7 +18630,7 @@
             <a:pPr lvl="1"/>
             <a:r>
               <a:rPr lang="en-GB" dirty="0"/>
-              <a:t>Creational patterns are ones that create objects for you, rather than having you instantiate objects directly. This gives your program more flexibility in deciding which objects need to be created for a given case</a:t>
+              <a:t>Creational patterns are ones that create objects for you, rather than having you instantiate objects directly. This gives your program more flexibility in deciding which objects need to be created for a given case.</a:t>
             </a:r>
             <a:endParaRPr lang="en-GB" b="1" dirty="0"/>
           </a:p>
